--- a/test/cardTest.pptx
+++ b/test/cardTest.pptx
@@ -1,6 +1,6 @@
 
 <file path=ppt/presentation.xml><?xml version="1.0" encoding="utf-8"?>
-<p:presentation xmlns:a="http://schemas.openxmlformats.org/drawingml/2006/main" xmlns:r="http://schemas.openxmlformats.org/officeDocument/2006/relationships" xmlns:p="http://schemas.openxmlformats.org/presentationml/2006/main" saveSubsetFonts="1">
+<p:presentation xmlns:a="http://schemas.openxmlformats.org/drawingml/2006/main" xmlns:r="http://schemas.openxmlformats.org/officeDocument/2006/relationships" xmlns:p="http://schemas.openxmlformats.org/presentationml/2006/main" saveSubsetFonts="1" autoCompressPictures="0">
   <p:sldMasterIdLst>
     <p:sldMasterId id="2147483672" r:id="rId1"/>
   </p:sldMasterIdLst>
@@ -8,21 +8,21 @@
     <p:notesMasterId r:id="rId3"/>
   </p:notesMasterIdLst>
   <p:sldIdLst>
-    <p:sldId id="303" r:id="rId2"/>
-    <p:sldId id="304" r:id="rId8"/>
-    <p:sldId id="305" r:id="rId9"/>
-    <p:sldId id="306" r:id="rId10"/>
-    <p:sldId id="307" r:id="rId11"/>
-    <p:sldId id="308" r:id="rId12"/>
-    <p:sldId id="309" r:id="rId13"/>
+    <p:sldId id="256" r:id="rId2"/>
+    <p:sldId id="257" r:id="rId8"/>
+    <p:sldId id="258" r:id="rId9"/>
+    <p:sldId id="259" r:id="rId10"/>
+    <p:sldId id="260" r:id="rId11"/>
+    <p:sldId id="261" r:id="rId12"/>
+    <p:sldId id="262" r:id="rId13"/>
   </p:sldIdLst>
   <p:sldSz cx="12192000" cy="6858000"/>
-  <p:notesSz cx="7315200" cy="9601200"/>
+  <p:notesSz cx="6858000" cy="9144000"/>
   <p:defaultTextStyle>
     <a:defPPr>
       <a:defRPr lang="en-US"/>
     </a:defPPr>
-    <a:lvl1pPr marL="0" algn="l" defTabSz="914400" rtl="0" eaLnBrk="1" latinLnBrk="0" hangingPunct="1">
+    <a:lvl1pPr marL="0" algn="l" defTabSz="457200" rtl="0" eaLnBrk="1" latinLnBrk="0" hangingPunct="1">
       <a:defRPr sz="1800" kern="1200">
         <a:solidFill>
           <a:schemeClr val="tx1"/>
@@ -32,7 +32,7 @@
         <a:cs typeface="+mn-cs"/>
       </a:defRPr>
     </a:lvl1pPr>
-    <a:lvl2pPr marL="457200" algn="l" defTabSz="914400" rtl="0" eaLnBrk="1" latinLnBrk="0" hangingPunct="1">
+    <a:lvl2pPr marL="457200" algn="l" defTabSz="457200" rtl="0" eaLnBrk="1" latinLnBrk="0" hangingPunct="1">
       <a:defRPr sz="1800" kern="1200">
         <a:solidFill>
           <a:schemeClr val="tx1"/>
@@ -42,7 +42,7 @@
         <a:cs typeface="+mn-cs"/>
       </a:defRPr>
     </a:lvl2pPr>
-    <a:lvl3pPr marL="914400" algn="l" defTabSz="914400" rtl="0" eaLnBrk="1" latinLnBrk="0" hangingPunct="1">
+    <a:lvl3pPr marL="914400" algn="l" defTabSz="457200" rtl="0" eaLnBrk="1" latinLnBrk="0" hangingPunct="1">
       <a:defRPr sz="1800" kern="1200">
         <a:solidFill>
           <a:schemeClr val="tx1"/>
@@ -52,7 +52,7 @@
         <a:cs typeface="+mn-cs"/>
       </a:defRPr>
     </a:lvl3pPr>
-    <a:lvl4pPr marL="1371600" algn="l" defTabSz="914400" rtl="0" eaLnBrk="1" latinLnBrk="0" hangingPunct="1">
+    <a:lvl4pPr marL="1371600" algn="l" defTabSz="457200" rtl="0" eaLnBrk="1" latinLnBrk="0" hangingPunct="1">
       <a:defRPr sz="1800" kern="1200">
         <a:solidFill>
           <a:schemeClr val="tx1"/>
@@ -62,7 +62,7 @@
         <a:cs typeface="+mn-cs"/>
       </a:defRPr>
     </a:lvl4pPr>
-    <a:lvl5pPr marL="1828800" algn="l" defTabSz="914400" rtl="0" eaLnBrk="1" latinLnBrk="0" hangingPunct="1">
+    <a:lvl5pPr marL="1828800" algn="l" defTabSz="457200" rtl="0" eaLnBrk="1" latinLnBrk="0" hangingPunct="1">
       <a:defRPr sz="1800" kern="1200">
         <a:solidFill>
           <a:schemeClr val="tx1"/>
@@ -72,7 +72,7 @@
         <a:cs typeface="+mn-cs"/>
       </a:defRPr>
     </a:lvl5pPr>
-    <a:lvl6pPr marL="2286000" algn="l" defTabSz="914400" rtl="0" eaLnBrk="1" latinLnBrk="0" hangingPunct="1">
+    <a:lvl6pPr marL="2286000" algn="l" defTabSz="457200" rtl="0" eaLnBrk="1" latinLnBrk="0" hangingPunct="1">
       <a:defRPr sz="1800" kern="1200">
         <a:solidFill>
           <a:schemeClr val="tx1"/>
@@ -82,7 +82,7 @@
         <a:cs typeface="+mn-cs"/>
       </a:defRPr>
     </a:lvl6pPr>
-    <a:lvl7pPr marL="2743200" algn="l" defTabSz="914400" rtl="0" eaLnBrk="1" latinLnBrk="0" hangingPunct="1">
+    <a:lvl7pPr marL="2743200" algn="l" defTabSz="457200" rtl="0" eaLnBrk="1" latinLnBrk="0" hangingPunct="1">
       <a:defRPr sz="1800" kern="1200">
         <a:solidFill>
           <a:schemeClr val="tx1"/>
@@ -92,7 +92,7 @@
         <a:cs typeface="+mn-cs"/>
       </a:defRPr>
     </a:lvl7pPr>
-    <a:lvl8pPr marL="3200400" algn="l" defTabSz="914400" rtl="0" eaLnBrk="1" latinLnBrk="0" hangingPunct="1">
+    <a:lvl8pPr marL="3200400" algn="l" defTabSz="457200" rtl="0" eaLnBrk="1" latinLnBrk="0" hangingPunct="1">
       <a:defRPr sz="1800" kern="1200">
         <a:solidFill>
           <a:schemeClr val="tx1"/>
@@ -102,7 +102,7 @@
         <a:cs typeface="+mn-cs"/>
       </a:defRPr>
     </a:lvl8pPr>
-    <a:lvl9pPr marL="3657600" algn="l" defTabSz="914400" rtl="0" eaLnBrk="1" latinLnBrk="0" hangingPunct="1">
+    <a:lvl9pPr marL="3657600" algn="l" defTabSz="457200" rtl="0" eaLnBrk="1" latinLnBrk="0" hangingPunct="1">
       <a:defRPr sz="1800" kern="1200">
         <a:solidFill>
           <a:schemeClr val="tx1"/>
@@ -116,12 +116,12 @@
   <p:extLst>
     <p:ext uri="{EFAFB233-063F-42B5-8137-9DF3F51BA10A}">
       <p15:sldGuideLst xmlns:p15="http://schemas.microsoft.com/office/powerpoint/2012/main">
-        <p15:guide id="1" orient="horz" pos="3514" userDrawn="1">
+        <p15:guide id="1" orient="horz" pos="2160" userDrawn="1">
           <p15:clr>
             <a:srgbClr val="A4A3A4"/>
           </p15:clr>
         </p15:guide>
-        <p15:guide id="2" pos="3801" userDrawn="1">
+        <p15:guide id="2" pos="3840" userDrawn="1">
           <p15:clr>
             <a:srgbClr val="A4A3A4"/>
           </p15:clr>
@@ -167,17 +167,17 @@
         <p:spPr>
           <a:xfrm>
             <a:off x="0" y="0"/>
-            <a:ext cx="3169920" cy="480060"/>
+            <a:ext cx="2971800" cy="458788"/>
           </a:xfrm>
           <a:prstGeom prst="rect">
             <a:avLst/>
           </a:prstGeom>
         </p:spPr>
         <p:txBody>
-          <a:bodyPr vert="horz" lIns="96661" tIns="48331" rIns="96661" bIns="48331" rtlCol="0"/>
+          <a:bodyPr vert="horz" lIns="91440" tIns="45720" rIns="91440" bIns="45720" rtlCol="0"/>
           <a:lstStyle>
             <a:lvl1pPr algn="l">
-              <a:defRPr sz="1300"/>
+              <a:defRPr sz="1200"/>
             </a:lvl1pPr>
           </a:lstStyle>
           <a:p>
@@ -197,24 +197,24 @@
         </p:nvSpPr>
         <p:spPr>
           <a:xfrm>
-            <a:off x="4143587" y="0"/>
-            <a:ext cx="3169920" cy="480060"/>
+            <a:off x="3884613" y="0"/>
+            <a:ext cx="2971800" cy="458788"/>
           </a:xfrm>
           <a:prstGeom prst="rect">
             <a:avLst/>
           </a:prstGeom>
         </p:spPr>
         <p:txBody>
-          <a:bodyPr vert="horz" lIns="96661" tIns="48331" rIns="96661" bIns="48331" rtlCol="0"/>
+          <a:bodyPr vert="horz" lIns="91440" tIns="45720" rIns="91440" bIns="45720" rtlCol="0"/>
           <a:lstStyle>
             <a:lvl1pPr algn="r">
-              <a:defRPr sz="1300"/>
+              <a:defRPr sz="1200"/>
             </a:lvl1pPr>
           </a:lstStyle>
           <a:p>
-            <a:fld id="{9FA6D163-A0F5-498D-A72B-50DE16555140}" type="datetimeFigureOut">
+            <a:fld id="{7ABD78BF-0394-D549-A535-A40133B5DC51}" type="datetimeFigureOut">
               <a:rPr lang="en-US" smtClean="0"/>
-              <a:t>1/5/21</a:t>
+              <a:t>4/5/20</a:t>
             </a:fld>
             <a:endParaRPr lang="en-US"/>
           </a:p>
@@ -232,8 +232,8 @@
         </p:nvSpPr>
         <p:spPr>
           <a:xfrm>
-            <a:off x="457200" y="720725"/>
-            <a:ext cx="6400800" cy="3600450"/>
+            <a:off x="685800" y="1143000"/>
+            <a:ext cx="5486400" cy="3086100"/>
           </a:xfrm>
           <a:prstGeom prst="rect">
             <a:avLst/>
@@ -246,7 +246,7 @@
           </a:ln>
         </p:spPr>
         <p:txBody>
-          <a:bodyPr vert="horz" lIns="96661" tIns="48331" rIns="96661" bIns="48331" rtlCol="0" anchor="ctr"/>
+          <a:bodyPr vert="horz" lIns="91440" tIns="45720" rIns="91440" bIns="45720" rtlCol="0" anchor="ctr"/>
           <a:lstStyle/>
           <a:p>
             <a:endParaRPr lang="en-US"/>
@@ -265,21 +265,21 @@
         </p:nvSpPr>
         <p:spPr>
           <a:xfrm>
-            <a:off x="731520" y="4560570"/>
-            <a:ext cx="5852160" cy="4320540"/>
+            <a:off x="685800" y="4400550"/>
+            <a:ext cx="5486400" cy="3600450"/>
           </a:xfrm>
           <a:prstGeom prst="rect">
             <a:avLst/>
           </a:prstGeom>
         </p:spPr>
         <p:txBody>
-          <a:bodyPr vert="horz" lIns="96661" tIns="48331" rIns="96661" bIns="48331" rtlCol="0"/>
+          <a:bodyPr vert="horz" lIns="91440" tIns="45720" rIns="91440" bIns="45720" rtlCol="0"/>
           <a:lstStyle/>
           <a:p>
             <a:pPr lvl="0"/>
             <a:r>
               <a:rPr lang="en-US"/>
-              <a:t>Click to edit Master text styles</a:t>
+              <a:t>Edit Master text styles</a:t>
             </a:r>
           </a:p>
           <a:p>
@@ -324,18 +324,18 @@
         </p:nvSpPr>
         <p:spPr>
           <a:xfrm>
-            <a:off x="0" y="9119474"/>
-            <a:ext cx="3169920" cy="480060"/>
+            <a:off x="0" y="8685213"/>
+            <a:ext cx="2971800" cy="458787"/>
           </a:xfrm>
           <a:prstGeom prst="rect">
             <a:avLst/>
           </a:prstGeom>
         </p:spPr>
         <p:txBody>
-          <a:bodyPr vert="horz" lIns="96661" tIns="48331" rIns="96661" bIns="48331" rtlCol="0" anchor="b"/>
+          <a:bodyPr vert="horz" lIns="91440" tIns="45720" rIns="91440" bIns="45720" rtlCol="0" anchor="b"/>
           <a:lstStyle>
             <a:lvl1pPr algn="l">
-              <a:defRPr sz="1300"/>
+              <a:defRPr sz="1200"/>
             </a:lvl1pPr>
           </a:lstStyle>
           <a:p>
@@ -355,22 +355,22 @@
         </p:nvSpPr>
         <p:spPr>
           <a:xfrm>
-            <a:off x="4143587" y="9119474"/>
-            <a:ext cx="3169920" cy="480060"/>
+            <a:off x="3884613" y="8685213"/>
+            <a:ext cx="2971800" cy="458787"/>
           </a:xfrm>
           <a:prstGeom prst="rect">
             <a:avLst/>
           </a:prstGeom>
         </p:spPr>
         <p:txBody>
-          <a:bodyPr vert="horz" lIns="96661" tIns="48331" rIns="96661" bIns="48331" rtlCol="0" anchor="b"/>
+          <a:bodyPr vert="horz" lIns="91440" tIns="45720" rIns="91440" bIns="45720" rtlCol="0" anchor="b"/>
           <a:lstStyle>
             <a:lvl1pPr algn="r">
-              <a:defRPr sz="1300"/>
+              <a:defRPr sz="1200"/>
             </a:lvl1pPr>
           </a:lstStyle>
           <a:p>
-            <a:fld id="{C3C999AD-79EC-4F02-84A9-EEA7F0527E47}" type="slidenum">
+            <a:fld id="{F44FCC19-E3A1-4B4F-9AAC-715A6622D000}" type="slidenum">
               <a:rPr lang="en-US" smtClean="0"/>
               <a:t>‹#›</a:t>
             </a:fld>
@@ -381,7 +381,7 @@
     </p:spTree>
     <p:extLst>
       <p:ext uri="{BB962C8B-B14F-4D97-AF65-F5344CB8AC3E}">
-        <p14:creationId xmlns:p14="http://schemas.microsoft.com/office/powerpoint/2010/main" val="344646183"/>
+        <p14:creationId xmlns:p14="http://schemas.microsoft.com/office/powerpoint/2010/main" val="2838406309"/>
       </p:ext>
     </p:extLst>
   </p:cSld>
@@ -922,7 +922,7 @@
 </file>
 
 <file path=ppt/slideLayouts/slideLayout1.xml><?xml version="1.0" encoding="utf-8"?>
-<p:sldLayout xmlns:a="http://schemas.openxmlformats.org/drawingml/2006/main" xmlns:r="http://schemas.openxmlformats.org/officeDocument/2006/relationships" xmlns:p="http://schemas.openxmlformats.org/presentationml/2006/main" preserve="1" userDrawn="1">
+<p:sldLayout xmlns:a="http://schemas.openxmlformats.org/drawingml/2006/main" xmlns:r="http://schemas.openxmlformats.org/officeDocument/2006/relationships" xmlns:p="http://schemas.openxmlformats.org/presentationml/2006/main" type="title" preserve="1">
   <p:cSld name="Title Slide">
     <p:spTree>
       <p:nvGrpSpPr>
@@ -940,79 +940,27 @@
       </p:grpSpPr>
       <p:sp>
         <p:nvSpPr>
-          <p:cNvPr id="12" name="Rectangle 11"/>
-          <p:cNvSpPr/>
-          <p:nvPr userDrawn="1"/>
-        </p:nvSpPr>
-        <p:spPr>
-          <a:xfrm>
-            <a:off x="0" y="0"/>
-            <a:ext cx="12192000" cy="6858000"/>
-          </a:xfrm>
-          <a:prstGeom prst="rect">
-            <a:avLst/>
-          </a:prstGeom>
-          <a:solidFill>
-            <a:schemeClr val="accent2"/>
-          </a:solidFill>
-          <a:ln>
-            <a:solidFill>
-              <a:schemeClr val="accent2"/>
-            </a:solidFill>
-          </a:ln>
-          <a:effectLst/>
-        </p:spPr>
-        <p:style>
-          <a:lnRef idx="1">
-            <a:schemeClr val="accent1"/>
-          </a:lnRef>
-          <a:fillRef idx="3">
-            <a:schemeClr val="accent1"/>
-          </a:fillRef>
-          <a:effectRef idx="2">
-            <a:schemeClr val="accent1"/>
-          </a:effectRef>
-          <a:fontRef idx="minor">
-            <a:schemeClr val="lt1"/>
-          </a:fontRef>
-        </p:style>
-        <p:txBody>
-          <a:bodyPr rtlCol="0" anchor="ctr"/>
-          <a:lstStyle/>
-          <a:p>
-            <a:pPr algn="ctr"/>
-            <a:endParaRPr lang="en-US" sz="1800" dirty="0"/>
-          </a:p>
-        </p:txBody>
-      </p:sp>
-      <p:sp>
-        <p:nvSpPr>
           <p:cNvPr id="2" name="Title 1"/>
           <p:cNvSpPr>
             <a:spLocks noGrp="1"/>
           </p:cNvSpPr>
           <p:nvPr>
-            <p:ph type="ctrTitle" hasCustomPrompt="1"/>
-          </p:nvPr>
-        </p:nvSpPr>
-        <p:spPr>
-          <a:xfrm>
-            <a:off x="2733040" y="3314700"/>
-            <a:ext cx="6705600" cy="457200"/>
-          </a:xfrm>
-          <a:prstGeom prst="rect">
-            <a:avLst/>
-          </a:prstGeom>
-        </p:spPr>
-        <p:txBody>
-          <a:bodyPr lIns="0" tIns="0" rIns="0" bIns="0">
-            <a:noAutofit/>
-          </a:bodyPr>
+            <p:ph type="ctrTitle"/>
+          </p:nvPr>
+        </p:nvSpPr>
+        <p:spPr>
+          <a:xfrm>
+            <a:off x="1524000" y="1122363"/>
+            <a:ext cx="9144000" cy="2387600"/>
+          </a:xfrm>
+        </p:spPr>
+        <p:txBody>
+          <a:bodyPr anchor="b"/>
           <a:lstStyle>
             <a:lvl1pPr algn="ctr">
-              <a:defRPr sz="2800" b="1">
+              <a:defRPr sz="6000" baseline="0">
                 <a:solidFill>
-                  <a:srgbClr val="FFFFFF"/>
+                  <a:schemeClr val="accent1"/>
                 </a:solidFill>
               </a:defRPr>
             </a:lvl1pPr>
@@ -1020,185 +968,153 @@
           <a:p>
             <a:r>
               <a:rPr lang="en-US" dirty="0"/>
-              <a:t>Title</a:t>
-            </a:r>
-          </a:p>
-        </p:txBody>
-      </p:sp>
-      <p:pic>
-        <p:nvPicPr>
-          <p:cNvPr id="4" name="Picture 3"/>
-          <p:cNvPicPr>
-            <a:picLocks noChangeAspect="1"/>
-          </p:cNvPicPr>
-          <p:nvPr userDrawn="1"/>
-        </p:nvPicPr>
-        <p:blipFill>
-          <a:blip r:embed="rId2">
-            <a:extLst>
-              <a:ext uri="{28A0092B-C50C-407E-A947-70E740481C1C}">
-                <a14:useLocalDpi xmlns:a14="http://schemas.microsoft.com/office/drawing/2010/main"/>
-              </a:ext>
-            </a:extLst>
-          </a:blip>
-          <a:stretch>
-            <a:fillRect/>
-          </a:stretch>
-        </p:blipFill>
-        <p:spPr>
-          <a:xfrm>
-            <a:off x="1000774" y="502920"/>
-            <a:ext cx="3484851" cy="2468880"/>
+              <a:t>Click to edit Master title style</a:t>
+            </a:r>
+          </a:p>
+        </p:txBody>
+      </p:sp>
+      <p:sp>
+        <p:nvSpPr>
+          <p:cNvPr id="3" name="Subtitle 2"/>
+          <p:cNvSpPr>
+            <a:spLocks noGrp="1"/>
+          </p:cNvSpPr>
+          <p:nvPr>
+            <p:ph type="subTitle" idx="1"/>
+          </p:nvPr>
+        </p:nvSpPr>
+        <p:spPr>
+          <a:xfrm>
+            <a:off x="1524000" y="3602038"/>
+            <a:ext cx="9144000" cy="1655762"/>
+          </a:xfrm>
+        </p:spPr>
+        <p:txBody>
+          <a:bodyPr/>
+          <a:lstStyle>
+            <a:lvl1pPr marL="0" indent="0" algn="ctr">
+              <a:buNone/>
+              <a:defRPr sz="2400" baseline="0">
+                <a:solidFill>
+                  <a:schemeClr val="accent1"/>
+                </a:solidFill>
+              </a:defRPr>
+            </a:lvl1pPr>
+            <a:lvl2pPr marL="457200" indent="0" algn="ctr">
+              <a:buNone/>
+              <a:defRPr sz="2000"/>
+            </a:lvl2pPr>
+            <a:lvl3pPr marL="914400" indent="0" algn="ctr">
+              <a:buNone/>
+              <a:defRPr sz="1800"/>
+            </a:lvl3pPr>
+            <a:lvl4pPr marL="1371600" indent="0" algn="ctr">
+              <a:buNone/>
+              <a:defRPr sz="1600"/>
+            </a:lvl4pPr>
+            <a:lvl5pPr marL="1828800" indent="0" algn="ctr">
+              <a:buNone/>
+              <a:defRPr sz="1600"/>
+            </a:lvl5pPr>
+            <a:lvl6pPr marL="2286000" indent="0" algn="ctr">
+              <a:buNone/>
+              <a:defRPr sz="1600"/>
+            </a:lvl6pPr>
+            <a:lvl7pPr marL="2743200" indent="0" algn="ctr">
+              <a:buNone/>
+              <a:defRPr sz="1600"/>
+            </a:lvl7pPr>
+            <a:lvl8pPr marL="3200400" indent="0" algn="ctr">
+              <a:buNone/>
+              <a:defRPr sz="1600"/>
+            </a:lvl8pPr>
+            <a:lvl9pPr marL="3657600" indent="0" algn="ctr">
+              <a:buNone/>
+              <a:defRPr sz="1600"/>
+            </a:lvl9pPr>
+          </a:lstStyle>
+          <a:p>
+            <a:r>
+              <a:rPr lang="en-US" dirty="0"/>
+              <a:t>Click to edit Master subtitle style</a:t>
+            </a:r>
+          </a:p>
+        </p:txBody>
+      </p:sp>
+      <p:sp>
+        <p:nvSpPr>
+          <p:cNvPr id="4" name="Date Placeholder 3"/>
+          <p:cNvSpPr>
+            <a:spLocks noGrp="1"/>
+          </p:cNvSpPr>
+          <p:nvPr>
+            <p:ph type="dt" sz="half" idx="10"/>
+          </p:nvPr>
+        </p:nvSpPr>
+        <p:spPr/>
+        <p:txBody>
+          <a:bodyPr/>
+          <a:lstStyle/>
+          <a:p>
+            <a:fld id="{23133D12-CE5E-6B41-8E9D-91EDFBAFC85F}" type="datetime1">
+              <a:rPr lang="en-GB" smtClean="0"/>
+              <a:t>05/04/2020</a:t>
+            </a:fld>
+            <a:endParaRPr lang="en-US"/>
+          </a:p>
+        </p:txBody>
+      </p:sp>
+      <p:sp>
+        <p:nvSpPr>
+          <p:cNvPr id="5" name="Footer Placeholder 4"/>
+          <p:cNvSpPr>
+            <a:spLocks noGrp="1"/>
+          </p:cNvSpPr>
+          <p:nvPr>
+            <p:ph type="ftr" sz="quarter" idx="11"/>
+          </p:nvPr>
+        </p:nvSpPr>
+        <p:spPr>
+          <a:xfrm>
+            <a:off x="4038600" y="6356350"/>
+            <a:ext cx="4114800" cy="365125"/>
           </a:xfrm>
           <a:prstGeom prst="rect">
             <a:avLst/>
           </a:prstGeom>
         </p:spPr>
-      </p:pic>
-      <p:sp>
-        <p:nvSpPr>
-          <p:cNvPr id="13" name="Text Placeholder 6"/>
-          <p:cNvSpPr>
-            <a:spLocks noGrp="1"/>
-          </p:cNvSpPr>
-          <p:nvPr>
-            <p:ph type="body" sz="quarter" idx="11" hasCustomPrompt="1"/>
-          </p:nvPr>
-        </p:nvSpPr>
-        <p:spPr>
-          <a:xfrm>
-            <a:off x="2733040" y="4240530"/>
-            <a:ext cx="6725920" cy="274320"/>
-          </a:xfrm>
-          <a:prstGeom prst="rect">
-            <a:avLst/>
-          </a:prstGeom>
-        </p:spPr>
-        <p:txBody>
-          <a:bodyPr lIns="0" tIns="0" rIns="0" bIns="0" anchor="ctr" anchorCtr="0">
-            <a:noAutofit/>
-          </a:bodyPr>
-          <a:lstStyle>
-            <a:lvl1pPr marL="0" indent="0" algn="ctr">
-              <a:spcBef>
-                <a:spcPts val="0"/>
-              </a:spcBef>
-              <a:buNone/>
-              <a:defRPr sz="1600" baseline="0">
-                <a:solidFill>
-                  <a:schemeClr val="bg1"/>
-                </a:solidFill>
-              </a:defRPr>
-            </a:lvl1pPr>
-            <a:lvl2pPr>
-              <a:defRPr>
-                <a:solidFill>
-                  <a:schemeClr val="bg1"/>
-                </a:solidFill>
-              </a:defRPr>
-            </a:lvl2pPr>
-            <a:lvl3pPr>
-              <a:defRPr>
-                <a:solidFill>
-                  <a:schemeClr val="bg1"/>
-                </a:solidFill>
-              </a:defRPr>
-            </a:lvl3pPr>
-            <a:lvl4pPr>
-              <a:defRPr>
-                <a:solidFill>
-                  <a:schemeClr val="bg1"/>
-                </a:solidFill>
-              </a:defRPr>
-            </a:lvl4pPr>
-            <a:lvl5pPr>
-              <a:defRPr>
-                <a:solidFill>
-                  <a:schemeClr val="bg1"/>
-                </a:solidFill>
-              </a:defRPr>
-            </a:lvl5pPr>
-          </a:lstStyle>
-          <a:p>
-            <a:pPr lvl="0"/>
-            <a:r>
-              <a:rPr lang="en-US" dirty="0"/>
-              <a:t>Subtitle</a:t>
-            </a:r>
-          </a:p>
-        </p:txBody>
-      </p:sp>
-      <p:pic>
-        <p:nvPicPr>
-          <p:cNvPr id="18" name="Picture 17" descr="cloud_only copy.png"/>
-          <p:cNvPicPr>
-            <a:picLocks noChangeAspect="1"/>
-          </p:cNvPicPr>
-          <p:nvPr userDrawn="1"/>
-        </p:nvPicPr>
-        <p:blipFill rotWithShape="1">
-          <a:blip r:embed="rId3" cstate="screen">
-            <a:alphaModFix/>
-            <a:extLst>
-              <a:ext uri="{28A0092B-C50C-407E-A947-70E740481C1C}">
-                <a14:useLocalDpi xmlns:a14="http://schemas.microsoft.com/office/drawing/2010/main"/>
-              </a:ext>
-            </a:extLst>
-          </a:blip>
-          <a:srcRect l="-2" r="-749"/>
-          <a:stretch/>
-        </p:blipFill>
-        <p:spPr>
-          <a:xfrm>
-            <a:off x="8793480" y="6080760"/>
-            <a:ext cx="636379" cy="448242"/>
-          </a:xfrm>
-          <a:prstGeom prst="rect">
-            <a:avLst/>
-          </a:prstGeom>
-        </p:spPr>
-      </p:pic>
-      <p:sp>
-        <p:nvSpPr>
-          <p:cNvPr id="19" name="TextBox 18"/>
-          <p:cNvSpPr txBox="1"/>
-          <p:nvPr userDrawn="1"/>
-        </p:nvSpPr>
-        <p:spPr>
-          <a:xfrm>
-            <a:off x="8664447" y="6492241"/>
-            <a:ext cx="3514104" cy="276999"/>
-          </a:xfrm>
-          <a:prstGeom prst="rect">
-            <a:avLst/>
-          </a:prstGeom>
-          <a:noFill/>
-        </p:spPr>
-        <p:txBody>
-          <a:bodyPr wrap="none" rtlCol="0">
-            <a:spAutoFit/>
-          </a:bodyPr>
-          <a:lstStyle/>
-          <a:p>
-            <a:r>
-              <a:rPr lang="en-US" sz="1200" kern="0" spc="-30" dirty="0">
-                <a:solidFill>
-                  <a:srgbClr val="FFFFFF"/>
-                </a:solidFill>
-                <a:latin typeface="Arial"/>
-                <a:cs typeface="Arial"/>
-              </a:rPr>
-              <a:t>IBM High Performance On Demand for Z (HiPODZ)</a:t>
-            </a:r>
+        <p:txBody>
+          <a:bodyPr/>
+          <a:lstStyle/>
+          <a:p>
+            <a:endParaRPr lang="en-US"/>
+          </a:p>
+        </p:txBody>
+      </p:sp>
+      <p:sp>
+        <p:nvSpPr>
+          <p:cNvPr id="6" name="Slide Number Placeholder 5"/>
+          <p:cNvSpPr>
+            <a:spLocks noGrp="1"/>
+          </p:cNvSpPr>
+          <p:nvPr>
+            <p:ph type="sldNum" sz="quarter" idx="12"/>
+          </p:nvPr>
+        </p:nvSpPr>
+        <p:spPr/>
+        <p:txBody>
+          <a:bodyPr/>
+          <a:lstStyle/>
+          <a:p>
+            <a:fld id="{C1FF6DA9-008F-8B48-92A6-B652298478BF}" type="slidenum">
+              <a:rPr lang="en-US" smtClean="0"/>
+              <a:t>‹#›</a:t>
+            </a:fld>
+            <a:endParaRPr lang="en-US"/>
           </a:p>
         </p:txBody>
       </p:sp>
     </p:spTree>
-    <p:extLst>
-      <p:ext uri="{BB962C8B-B14F-4D97-AF65-F5344CB8AC3E}">
-        <p14:creationId xmlns:p14="http://schemas.microsoft.com/office/powerpoint/2010/main" val="4011530668"/>
-      </p:ext>
-    </p:extLst>
   </p:cSld>
   <p:clrMapOvr>
     <a:masterClrMapping/>
@@ -1206,9 +1122,9 @@
 </p:sldLayout>
 </file>
 
-<file path=ppt/slideLayouts/slideLayout2.xml><?xml version="1.0" encoding="utf-8"?>
-<p:sldLayout xmlns:a="http://schemas.openxmlformats.org/drawingml/2006/main" xmlns:r="http://schemas.openxmlformats.org/officeDocument/2006/relationships" xmlns:p="http://schemas.openxmlformats.org/presentationml/2006/main" preserve="1" userDrawn="1">
-  <p:cSld name="Section">
+<file path=ppt/slideLayouts/slideLayout10.xml><?xml version="1.0" encoding="utf-8"?>
+<p:sldLayout xmlns:a="http://schemas.openxmlformats.org/drawingml/2006/main" xmlns:r="http://schemas.openxmlformats.org/officeDocument/2006/relationships" xmlns:p="http://schemas.openxmlformats.org/presentationml/2006/main" type="vertTx" preserve="1">
+  <p:cSld name="Title and Vertical Text">
     <p:spTree>
       <p:nvGrpSpPr>
         <p:cNvPr id="1" name=""/>
@@ -1225,170 +1141,153 @@
       </p:grpSpPr>
       <p:sp>
         <p:nvSpPr>
-          <p:cNvPr id="3" name="Text Placeholder 6"/>
-          <p:cNvSpPr>
-            <a:spLocks noGrp="1"/>
-          </p:cNvSpPr>
-          <p:nvPr>
-            <p:ph type="body" sz="quarter" idx="12" hasCustomPrompt="1"/>
-          </p:nvPr>
-        </p:nvSpPr>
-        <p:spPr>
-          <a:xfrm>
-            <a:off x="472440" y="2834640"/>
-            <a:ext cx="10909875" cy="597059"/>
+          <p:cNvPr id="2" name="Title 1"/>
+          <p:cNvSpPr>
+            <a:spLocks noGrp="1"/>
+          </p:cNvSpPr>
+          <p:nvPr>
+            <p:ph type="title"/>
+          </p:nvPr>
+        </p:nvSpPr>
+        <p:spPr/>
+        <p:txBody>
+          <a:bodyPr/>
+          <a:lstStyle/>
+          <a:p>
+            <a:r>
+              <a:rPr lang="en-US"/>
+              <a:t>Click to edit Master title style</a:t>
+            </a:r>
+            <a:endParaRPr lang="en-US" dirty="0"/>
+          </a:p>
+        </p:txBody>
+      </p:sp>
+      <p:sp>
+        <p:nvSpPr>
+          <p:cNvPr id="3" name="Vertical Text Placeholder 2"/>
+          <p:cNvSpPr>
+            <a:spLocks noGrp="1"/>
+          </p:cNvSpPr>
+          <p:nvPr>
+            <p:ph type="body" orient="vert" idx="1"/>
+          </p:nvPr>
+        </p:nvSpPr>
+        <p:spPr/>
+        <p:txBody>
+          <a:bodyPr vert="eaVert"/>
+          <a:lstStyle/>
+          <a:p>
+            <a:pPr lvl="0"/>
+            <a:r>
+              <a:rPr lang="en-US"/>
+              <a:t>Click to edit Master text styles</a:t>
+            </a:r>
+          </a:p>
+          <a:p>
+            <a:pPr lvl="1"/>
+            <a:r>
+              <a:rPr lang="en-US"/>
+              <a:t>Second level</a:t>
+            </a:r>
+          </a:p>
+          <a:p>
+            <a:pPr lvl="2"/>
+            <a:r>
+              <a:rPr lang="en-US"/>
+              <a:t>Third level</a:t>
+            </a:r>
+          </a:p>
+          <a:p>
+            <a:pPr lvl="3"/>
+            <a:r>
+              <a:rPr lang="en-US"/>
+              <a:t>Fourth level</a:t>
+            </a:r>
+          </a:p>
+          <a:p>
+            <a:pPr lvl="4"/>
+            <a:r>
+              <a:rPr lang="en-US"/>
+              <a:t>Fifth level</a:t>
+            </a:r>
+            <a:endParaRPr lang="en-US" dirty="0"/>
+          </a:p>
+        </p:txBody>
+      </p:sp>
+      <p:sp>
+        <p:nvSpPr>
+          <p:cNvPr id="4" name="Date Placeholder 3"/>
+          <p:cNvSpPr>
+            <a:spLocks noGrp="1"/>
+          </p:cNvSpPr>
+          <p:nvPr>
+            <p:ph type="dt" sz="half" idx="10"/>
+          </p:nvPr>
+        </p:nvSpPr>
+        <p:spPr/>
+        <p:txBody>
+          <a:bodyPr/>
+          <a:lstStyle/>
+          <a:p>
+            <a:fld id="{305404EF-A919-EC45-85DB-57CE605E88BB}" type="datetime1">
+              <a:rPr lang="en-GB" smtClean="0"/>
+              <a:t>05/04/2020</a:t>
+            </a:fld>
+            <a:endParaRPr lang="en-US"/>
+          </a:p>
+        </p:txBody>
+      </p:sp>
+      <p:sp>
+        <p:nvSpPr>
+          <p:cNvPr id="5" name="Footer Placeholder 4"/>
+          <p:cNvSpPr>
+            <a:spLocks noGrp="1"/>
+          </p:cNvSpPr>
+          <p:nvPr>
+            <p:ph type="ftr" sz="quarter" idx="11"/>
+          </p:nvPr>
+        </p:nvSpPr>
+        <p:spPr>
+          <a:xfrm>
+            <a:off x="4038600" y="6356350"/>
+            <a:ext cx="4114800" cy="365125"/>
           </a:xfrm>
           <a:prstGeom prst="rect">
             <a:avLst/>
           </a:prstGeom>
         </p:spPr>
         <p:txBody>
-          <a:bodyPr lIns="0" tIns="0" rIns="0" bIns="0" anchor="t" anchorCtr="0">
-            <a:noAutofit/>
-          </a:bodyPr>
-          <a:lstStyle>
-            <a:lvl1pPr marL="0" indent="0">
-              <a:lnSpc>
-                <a:spcPts val="2600"/>
-              </a:lnSpc>
-              <a:spcBef>
-                <a:spcPts val="600"/>
-              </a:spcBef>
-              <a:buNone/>
-              <a:defRPr sz="2400" b="1" baseline="0">
-                <a:solidFill>
-                  <a:schemeClr val="accent1"/>
-                </a:solidFill>
-                <a:latin typeface="+mj-lt"/>
-              </a:defRPr>
-            </a:lvl1pPr>
-            <a:lvl2pPr>
-              <a:defRPr>
-                <a:solidFill>
-                  <a:schemeClr val="bg1"/>
-                </a:solidFill>
-              </a:defRPr>
-            </a:lvl2pPr>
-            <a:lvl3pPr>
-              <a:defRPr>
-                <a:solidFill>
-                  <a:schemeClr val="bg1"/>
-                </a:solidFill>
-              </a:defRPr>
-            </a:lvl3pPr>
-            <a:lvl4pPr>
-              <a:defRPr>
-                <a:solidFill>
-                  <a:schemeClr val="bg1"/>
-                </a:solidFill>
-              </a:defRPr>
-            </a:lvl4pPr>
-            <a:lvl5pPr>
-              <a:defRPr>
-                <a:solidFill>
-                  <a:schemeClr val="bg1"/>
-                </a:solidFill>
-              </a:defRPr>
-            </a:lvl5pPr>
-          </a:lstStyle>
-          <a:p>
-            <a:pPr lvl="0"/>
-            <a:r>
-              <a:rPr lang="en-US" dirty="0"/>
-              <a:t>Section title</a:t>
-            </a:r>
-          </a:p>
-        </p:txBody>
-      </p:sp>
-      <p:sp>
-        <p:nvSpPr>
-          <p:cNvPr id="4" name="Text Placeholder 6">
-            <a:extLst>
-              <a:ext uri="{FF2B5EF4-FFF2-40B4-BE49-F238E27FC236}">
-                <a16:creationId xmlns:a16="http://schemas.microsoft.com/office/drawing/2014/main" id="{4495B259-6433-CA4B-B883-A837C60267C6}"/>
-              </a:ext>
-            </a:extLst>
-          </p:cNvPr>
-          <p:cNvSpPr>
-            <a:spLocks noGrp="1"/>
-          </p:cNvSpPr>
-          <p:nvPr>
-            <p:ph type="body" sz="quarter" idx="13" hasCustomPrompt="1"/>
-          </p:nvPr>
-        </p:nvSpPr>
-        <p:spPr>
-          <a:xfrm>
-            <a:off x="477520" y="3429000"/>
-            <a:ext cx="10909875" cy="597059"/>
-          </a:xfrm>
-          <a:prstGeom prst="rect">
-            <a:avLst/>
-          </a:prstGeom>
-        </p:spPr>
-        <p:txBody>
-          <a:bodyPr lIns="0" tIns="0" rIns="0" bIns="0" anchor="t" anchorCtr="0">
-            <a:noAutofit/>
-          </a:bodyPr>
-          <a:lstStyle>
-            <a:lvl1pPr marL="0" indent="0">
-              <a:lnSpc>
-                <a:spcPts val="2600"/>
-              </a:lnSpc>
-              <a:spcBef>
-                <a:spcPts val="600"/>
-              </a:spcBef>
-              <a:buNone/>
-              <a:defRPr sz="2000" b="1" baseline="0">
-                <a:solidFill>
-                  <a:schemeClr val="accent1"/>
-                </a:solidFill>
-                <a:latin typeface="+mj-lt"/>
-              </a:defRPr>
-            </a:lvl1pPr>
-            <a:lvl2pPr>
-              <a:defRPr>
-                <a:solidFill>
-                  <a:schemeClr val="bg1"/>
-                </a:solidFill>
-              </a:defRPr>
-            </a:lvl2pPr>
-            <a:lvl3pPr>
-              <a:defRPr>
-                <a:solidFill>
-                  <a:schemeClr val="bg1"/>
-                </a:solidFill>
-              </a:defRPr>
-            </a:lvl3pPr>
-            <a:lvl4pPr>
-              <a:defRPr>
-                <a:solidFill>
-                  <a:schemeClr val="bg1"/>
-                </a:solidFill>
-              </a:defRPr>
-            </a:lvl4pPr>
-            <a:lvl5pPr>
-              <a:defRPr>
-                <a:solidFill>
-                  <a:schemeClr val="bg1"/>
-                </a:solidFill>
-              </a:defRPr>
-            </a:lvl5pPr>
-          </a:lstStyle>
-          <a:p>
-            <a:pPr lvl="0"/>
-            <a:r>
-              <a:rPr lang="en-US" dirty="0"/>
-              <a:t>Section subtitle</a:t>
-            </a:r>
+          <a:bodyPr/>
+          <a:lstStyle/>
+          <a:p>
+            <a:endParaRPr lang="en-US"/>
+          </a:p>
+        </p:txBody>
+      </p:sp>
+      <p:sp>
+        <p:nvSpPr>
+          <p:cNvPr id="6" name="Slide Number Placeholder 5"/>
+          <p:cNvSpPr>
+            <a:spLocks noGrp="1"/>
+          </p:cNvSpPr>
+          <p:nvPr>
+            <p:ph type="sldNum" sz="quarter" idx="12"/>
+          </p:nvPr>
+        </p:nvSpPr>
+        <p:spPr/>
+        <p:txBody>
+          <a:bodyPr/>
+          <a:lstStyle/>
+          <a:p>
+            <a:fld id="{C1FF6DA9-008F-8B48-92A6-B652298478BF}" type="slidenum">
+              <a:rPr lang="en-US" smtClean="0"/>
+              <a:t>‹#›</a:t>
+            </a:fld>
+            <a:endParaRPr lang="en-US"/>
           </a:p>
         </p:txBody>
       </p:sp>
     </p:spTree>
-    <p:extLst>
-      <p:ext uri="{BB962C8B-B14F-4D97-AF65-F5344CB8AC3E}">
-        <p14:creationId xmlns:p14="http://schemas.microsoft.com/office/powerpoint/2010/main" val="1582924905"/>
-      </p:ext>
-    </p:extLst>
   </p:cSld>
   <p:clrMapOvr>
     <a:masterClrMapping/>
@@ -1396,9 +1295,9 @@
 </p:sldLayout>
 </file>
 
-<file path=ppt/slideLayouts/slideLayout3.xml><?xml version="1.0" encoding="utf-8"?>
-<p:sldLayout xmlns:a="http://schemas.openxmlformats.org/drawingml/2006/main" xmlns:r="http://schemas.openxmlformats.org/officeDocument/2006/relationships" xmlns:p="http://schemas.openxmlformats.org/presentationml/2006/main" preserve="1" userDrawn="1">
-  <p:cSld name="Title and Bullets">
+<file path=ppt/slideLayouts/slideLayout11.xml><?xml version="1.0" encoding="utf-8"?>
+<p:sldLayout xmlns:a="http://schemas.openxmlformats.org/drawingml/2006/main" xmlns:r="http://schemas.openxmlformats.org/officeDocument/2006/relationships" xmlns:p="http://schemas.openxmlformats.org/presentationml/2006/main" type="vertTitleAndTx" preserve="1">
+  <p:cSld name="Vertical Title and Text">
     <p:spTree>
       <p:nvGrpSpPr>
         <p:cNvPr id="1" name=""/>
@@ -1413,315 +1312,165 @@
           <a:chExt cx="0" cy="0"/>
         </a:xfrm>
       </p:grpSpPr>
-      <p:grpSp>
-        <p:nvGrpSpPr>
-          <p:cNvPr id="3" name="Group 2"/>
-          <p:cNvGrpSpPr/>
-          <p:nvPr userDrawn="1"/>
-        </p:nvGrpSpPr>
-        <p:grpSpPr>
-          <a:xfrm>
-            <a:off x="480937" y="840321"/>
-            <a:ext cx="675615" cy="172508"/>
-            <a:chOff x="360699" y="268817"/>
-            <a:chExt cx="506711" cy="172508"/>
-          </a:xfrm>
-          <a:solidFill>
-            <a:schemeClr val="bg1"/>
-          </a:solidFill>
-        </p:grpSpPr>
-        <p:sp>
-          <p:nvSpPr>
-            <p:cNvPr id="6" name="Rectangle 5"/>
-            <p:cNvSpPr/>
-            <p:nvPr userDrawn="1"/>
-          </p:nvSpPr>
-          <p:spPr>
-            <a:xfrm>
-              <a:off x="501650" y="268817"/>
-              <a:ext cx="365760" cy="59266"/>
-            </a:xfrm>
-            <a:prstGeom prst="rect">
-              <a:avLst/>
-            </a:prstGeom>
-            <a:grpFill/>
-            <a:ln>
-              <a:noFill/>
-            </a:ln>
-            <a:effectLst/>
-          </p:spPr>
-          <p:style>
-            <a:lnRef idx="1">
-              <a:schemeClr val="accent1"/>
-            </a:lnRef>
-            <a:fillRef idx="3">
-              <a:schemeClr val="accent1"/>
-            </a:fillRef>
-            <a:effectRef idx="2">
-              <a:schemeClr val="accent1"/>
-            </a:effectRef>
-            <a:fontRef idx="minor">
-              <a:schemeClr val="lt1"/>
-            </a:fontRef>
-          </p:style>
-          <p:txBody>
-            <a:bodyPr rtlCol="0" anchor="ctr"/>
-            <a:lstStyle/>
-            <a:p>
-              <a:pPr algn="ctr" defTabSz="457189"/>
-              <a:endParaRPr lang="en-US" sz="1800">
-                <a:solidFill>
-                  <a:prstClr val="white"/>
-                </a:solidFill>
-              </a:endParaRPr>
-            </a:p>
-          </p:txBody>
-        </p:sp>
-        <p:sp>
-          <p:nvSpPr>
-            <p:cNvPr id="7" name="Rectangle 6"/>
-            <p:cNvSpPr/>
-            <p:nvPr userDrawn="1"/>
-          </p:nvSpPr>
-          <p:spPr>
-            <a:xfrm>
-              <a:off x="360699" y="382059"/>
-              <a:ext cx="365760" cy="59266"/>
-            </a:xfrm>
-            <a:prstGeom prst="rect">
-              <a:avLst/>
-            </a:prstGeom>
-            <a:grpFill/>
-            <a:ln>
-              <a:noFill/>
-            </a:ln>
-            <a:effectLst/>
-          </p:spPr>
-          <p:style>
-            <a:lnRef idx="1">
-              <a:schemeClr val="accent1"/>
-            </a:lnRef>
-            <a:fillRef idx="3">
-              <a:schemeClr val="accent1"/>
-            </a:fillRef>
-            <a:effectRef idx="2">
-              <a:schemeClr val="accent1"/>
-            </a:effectRef>
-            <a:fontRef idx="minor">
-              <a:schemeClr val="lt1"/>
-            </a:fontRef>
-          </p:style>
-          <p:txBody>
-            <a:bodyPr rtlCol="0" anchor="ctr"/>
-            <a:lstStyle/>
-            <a:p>
-              <a:pPr algn="ctr" defTabSz="457189"/>
-              <a:endParaRPr lang="en-US" sz="1800">
-                <a:solidFill>
-                  <a:prstClr val="white"/>
-                </a:solidFill>
-              </a:endParaRPr>
-            </a:p>
-          </p:txBody>
-        </p:sp>
-      </p:grpSp>
-      <p:sp>
-        <p:nvSpPr>
-          <p:cNvPr id="17" name="Text Placeholder 6"/>
-          <p:cNvSpPr>
-            <a:spLocks noGrp="1"/>
-          </p:cNvSpPr>
-          <p:nvPr>
-            <p:ph type="body" sz="quarter" idx="12" hasCustomPrompt="1"/>
-          </p:nvPr>
-        </p:nvSpPr>
-        <p:spPr>
-          <a:xfrm>
-            <a:off x="489645" y="228600"/>
-            <a:ext cx="10909875" cy="597059"/>
+      <p:sp>
+        <p:nvSpPr>
+          <p:cNvPr id="2" name="Vertical Title 1"/>
+          <p:cNvSpPr>
+            <a:spLocks noGrp="1"/>
+          </p:cNvSpPr>
+          <p:nvPr>
+            <p:ph type="title" orient="vert"/>
+          </p:nvPr>
+        </p:nvSpPr>
+        <p:spPr>
+          <a:xfrm>
+            <a:off x="8724900" y="365125"/>
+            <a:ext cx="2628900" cy="5811838"/>
+          </a:xfrm>
+        </p:spPr>
+        <p:txBody>
+          <a:bodyPr vert="eaVert"/>
+          <a:lstStyle/>
+          <a:p>
+            <a:r>
+              <a:rPr lang="en-US"/>
+              <a:t>Click to edit Master title style</a:t>
+            </a:r>
+            <a:endParaRPr lang="en-US" dirty="0"/>
+          </a:p>
+        </p:txBody>
+      </p:sp>
+      <p:sp>
+        <p:nvSpPr>
+          <p:cNvPr id="3" name="Vertical Text Placeholder 2"/>
+          <p:cNvSpPr>
+            <a:spLocks noGrp="1"/>
+          </p:cNvSpPr>
+          <p:nvPr>
+            <p:ph type="body" orient="vert" idx="1"/>
+          </p:nvPr>
+        </p:nvSpPr>
+        <p:spPr>
+          <a:xfrm>
+            <a:off x="838200" y="365125"/>
+            <a:ext cx="7734300" cy="5811838"/>
+          </a:xfrm>
+        </p:spPr>
+        <p:txBody>
+          <a:bodyPr vert="eaVert"/>
+          <a:lstStyle/>
+          <a:p>
+            <a:pPr lvl="0"/>
+            <a:r>
+              <a:rPr lang="en-US"/>
+              <a:t>Click to edit Master text styles</a:t>
+            </a:r>
+          </a:p>
+          <a:p>
+            <a:pPr lvl="1"/>
+            <a:r>
+              <a:rPr lang="en-US"/>
+              <a:t>Second level</a:t>
+            </a:r>
+          </a:p>
+          <a:p>
+            <a:pPr lvl="2"/>
+            <a:r>
+              <a:rPr lang="en-US"/>
+              <a:t>Third level</a:t>
+            </a:r>
+          </a:p>
+          <a:p>
+            <a:pPr lvl="3"/>
+            <a:r>
+              <a:rPr lang="en-US"/>
+              <a:t>Fourth level</a:t>
+            </a:r>
+          </a:p>
+          <a:p>
+            <a:pPr lvl="4"/>
+            <a:r>
+              <a:rPr lang="en-US"/>
+              <a:t>Fifth level</a:t>
+            </a:r>
+            <a:endParaRPr lang="en-US" dirty="0"/>
+          </a:p>
+        </p:txBody>
+      </p:sp>
+      <p:sp>
+        <p:nvSpPr>
+          <p:cNvPr id="4" name="Date Placeholder 3"/>
+          <p:cNvSpPr>
+            <a:spLocks noGrp="1"/>
+          </p:cNvSpPr>
+          <p:nvPr>
+            <p:ph type="dt" sz="half" idx="10"/>
+          </p:nvPr>
+        </p:nvSpPr>
+        <p:spPr/>
+        <p:txBody>
+          <a:bodyPr/>
+          <a:lstStyle/>
+          <a:p>
+            <a:fld id="{69EC58A9-E6BC-7F41-94AC-B8DAC026E873}" type="datetime1">
+              <a:rPr lang="en-GB" smtClean="0"/>
+              <a:t>05/04/2020</a:t>
+            </a:fld>
+            <a:endParaRPr lang="en-US"/>
+          </a:p>
+        </p:txBody>
+      </p:sp>
+      <p:sp>
+        <p:nvSpPr>
+          <p:cNvPr id="5" name="Footer Placeholder 4"/>
+          <p:cNvSpPr>
+            <a:spLocks noGrp="1"/>
+          </p:cNvSpPr>
+          <p:nvPr>
+            <p:ph type="ftr" sz="quarter" idx="11"/>
+          </p:nvPr>
+        </p:nvSpPr>
+        <p:spPr>
+          <a:xfrm>
+            <a:off x="4038600" y="6356350"/>
+            <a:ext cx="4114800" cy="365125"/>
           </a:xfrm>
           <a:prstGeom prst="rect">
             <a:avLst/>
           </a:prstGeom>
         </p:spPr>
         <p:txBody>
-          <a:bodyPr lIns="0" tIns="0" rIns="0" bIns="0" anchor="t" anchorCtr="0">
-            <a:noAutofit/>
-          </a:bodyPr>
-          <a:lstStyle>
-            <a:lvl1pPr marL="0" indent="0">
-              <a:lnSpc>
-                <a:spcPts val="2600"/>
-              </a:lnSpc>
-              <a:spcBef>
-                <a:spcPts val="600"/>
-              </a:spcBef>
-              <a:buNone/>
-              <a:defRPr sz="2400" b="1" baseline="0">
-                <a:solidFill>
-                  <a:schemeClr val="bg2">
-                    <a:lumMod val="75000"/>
-                  </a:schemeClr>
-                </a:solidFill>
-                <a:latin typeface="+mj-lt"/>
-              </a:defRPr>
-            </a:lvl1pPr>
-            <a:lvl2pPr>
-              <a:defRPr>
-                <a:solidFill>
-                  <a:schemeClr val="bg1"/>
-                </a:solidFill>
-              </a:defRPr>
-            </a:lvl2pPr>
-            <a:lvl3pPr>
-              <a:defRPr>
-                <a:solidFill>
-                  <a:schemeClr val="bg1"/>
-                </a:solidFill>
-              </a:defRPr>
-            </a:lvl3pPr>
-            <a:lvl4pPr>
-              <a:defRPr>
-                <a:solidFill>
-                  <a:schemeClr val="bg1"/>
-                </a:solidFill>
-              </a:defRPr>
-            </a:lvl4pPr>
-            <a:lvl5pPr>
-              <a:defRPr>
-                <a:solidFill>
-                  <a:schemeClr val="bg1"/>
-                </a:solidFill>
-              </a:defRPr>
-            </a:lvl5pPr>
-          </a:lstStyle>
-          <a:p>
-            <a:pPr lvl="0"/>
-            <a:r>
-              <a:rPr lang="en-US" dirty="0"/>
-              <a:t>Enter slide heading</a:t>
-            </a:r>
-          </a:p>
-        </p:txBody>
-      </p:sp>
-      <p:pic>
-        <p:nvPicPr>
-          <p:cNvPr id="5" name="Picture 4" descr="cloud_only copy.png"/>
-          <p:cNvPicPr>
-            <a:picLocks noChangeAspect="1"/>
-          </p:cNvPicPr>
-          <p:nvPr userDrawn="1"/>
-        </p:nvPicPr>
-        <p:blipFill rotWithShape="1">
-          <a:blip r:embed="rId2" cstate="screen">
-            <a:alphaModFix/>
-            <a:extLst>
-              <a:ext uri="{28A0092B-C50C-407E-A947-70E740481C1C}">
-                <a14:useLocalDpi xmlns:a14="http://schemas.microsoft.com/office/drawing/2010/main"/>
-              </a:ext>
-            </a:extLst>
-          </a:blip>
-          <a:srcRect l="-2" r="-749"/>
-          <a:stretch/>
-        </p:blipFill>
-        <p:spPr>
-          <a:xfrm>
-            <a:off x="315861" y="6181158"/>
-            <a:ext cx="652756" cy="448242"/>
-          </a:xfrm>
-          <a:prstGeom prst="rect">
-            <a:avLst/>
-          </a:prstGeom>
-        </p:spPr>
-      </p:pic>
-      <p:sp>
-        <p:nvSpPr>
-          <p:cNvPr id="9" name="Text Placeholder 8"/>
-          <p:cNvSpPr>
-            <a:spLocks noGrp="1"/>
-          </p:cNvSpPr>
-          <p:nvPr>
-            <p:ph type="body" sz="quarter" idx="19"/>
-          </p:nvPr>
-        </p:nvSpPr>
-        <p:spPr>
-          <a:xfrm>
-            <a:off x="489645" y="1185664"/>
-            <a:ext cx="10909876" cy="4666496"/>
-          </a:xfrm>
-          <a:prstGeom prst="rect">
-            <a:avLst/>
-          </a:prstGeom>
-        </p:spPr>
-        <p:txBody>
-          <a:bodyPr>
-            <a:normAutofit/>
-          </a:bodyPr>
-          <a:lstStyle>
-            <a:lvl1pPr>
-              <a:defRPr sz="2000">
-                <a:solidFill>
-                  <a:schemeClr val="tx1"/>
-                </a:solidFill>
-              </a:defRPr>
-            </a:lvl1pPr>
-            <a:lvl2pPr>
-              <a:defRPr sz="1800"/>
-            </a:lvl2pPr>
-            <a:lvl3pPr>
-              <a:defRPr sz="1600"/>
-            </a:lvl3pPr>
-            <a:lvl4pPr>
-              <a:defRPr sz="1400"/>
-            </a:lvl4pPr>
-            <a:lvl5pPr marL="1825625" indent="-233363">
-              <a:tabLst/>
-              <a:defRPr sz="1400"/>
-            </a:lvl5pPr>
-          </a:lstStyle>
-          <a:p>
-            <a:pPr lvl="0"/>
-            <a:r>
-              <a:rPr lang="en-US" dirty="0"/>
-              <a:t>Click to edit Master text styles</a:t>
-            </a:r>
-          </a:p>
-          <a:p>
-            <a:pPr lvl="1"/>
-            <a:r>
-              <a:rPr lang="en-US" dirty="0"/>
-              <a:t>Second level</a:t>
-            </a:r>
-          </a:p>
-          <a:p>
-            <a:pPr lvl="2"/>
-            <a:r>
-              <a:rPr lang="en-US" dirty="0"/>
-              <a:t>Third level</a:t>
-            </a:r>
-          </a:p>
-          <a:p>
-            <a:pPr lvl="3"/>
-            <a:r>
-              <a:rPr lang="en-US" dirty="0"/>
-              <a:t>Fourth level</a:t>
-            </a:r>
-          </a:p>
-          <a:p>
-            <a:pPr lvl="4"/>
-            <a:r>
-              <a:rPr lang="en-US" dirty="0"/>
-              <a:t>Fifth level</a:t>
-            </a:r>
+          <a:bodyPr/>
+          <a:lstStyle/>
+          <a:p>
+            <a:endParaRPr lang="en-US"/>
+          </a:p>
+        </p:txBody>
+      </p:sp>
+      <p:sp>
+        <p:nvSpPr>
+          <p:cNvPr id="6" name="Slide Number Placeholder 5"/>
+          <p:cNvSpPr>
+            <a:spLocks noGrp="1"/>
+          </p:cNvSpPr>
+          <p:nvPr>
+            <p:ph type="sldNum" sz="quarter" idx="12"/>
+          </p:nvPr>
+        </p:nvSpPr>
+        <p:spPr/>
+        <p:txBody>
+          <a:bodyPr/>
+          <a:lstStyle/>
+          <a:p>
+            <a:fld id="{C1FF6DA9-008F-8B48-92A6-B652298478BF}" type="slidenum">
+              <a:rPr lang="en-US" smtClean="0"/>
+              <a:t>‹#›</a:t>
+            </a:fld>
+            <a:endParaRPr lang="en-US"/>
           </a:p>
         </p:txBody>
       </p:sp>
     </p:spTree>
-    <p:extLst>
-      <p:ext uri="{BB962C8B-B14F-4D97-AF65-F5344CB8AC3E}">
-        <p14:creationId xmlns:p14="http://schemas.microsoft.com/office/powerpoint/2010/main" val="1687808885"/>
-      </p:ext>
-    </p:extLst>
   </p:cSld>
   <p:clrMapOvr>
     <a:masterClrMapping/>
@@ -1729,9 +1478,9 @@
 </p:sldLayout>
 </file>
 
-<file path=ppt/slideLayouts/slideLayout4.xml><?xml version="1.0" encoding="utf-8"?>
-<p:sldLayout xmlns:a="http://schemas.openxmlformats.org/drawingml/2006/main" xmlns:r="http://schemas.openxmlformats.org/officeDocument/2006/relationships" xmlns:p="http://schemas.openxmlformats.org/presentationml/2006/main" preserve="1" userDrawn="1">
-  <p:cSld name="Title and 2 column bullets">
+<file path=ppt/slideLayouts/slideLayout2.xml><?xml version="1.0" encoding="utf-8"?>
+<p:sldLayout xmlns:a="http://schemas.openxmlformats.org/drawingml/2006/main" xmlns:r="http://schemas.openxmlformats.org/officeDocument/2006/relationships" xmlns:p="http://schemas.openxmlformats.org/presentationml/2006/main" type="secHead" preserve="1">
+  <p:cSld name="Section Header">
     <p:spTree>
       <p:nvGrpSpPr>
         <p:cNvPr id="1" name=""/>
@@ -1746,351 +1495,148 @@
           <a:chExt cx="0" cy="0"/>
         </a:xfrm>
       </p:grpSpPr>
-      <p:grpSp>
-        <p:nvGrpSpPr>
-          <p:cNvPr id="3" name="Group 2"/>
-          <p:cNvGrpSpPr/>
-          <p:nvPr userDrawn="1"/>
-        </p:nvGrpSpPr>
-        <p:grpSpPr>
-          <a:xfrm>
-            <a:off x="480937" y="840321"/>
-            <a:ext cx="675615" cy="172508"/>
-            <a:chOff x="360699" y="268817"/>
-            <a:chExt cx="506711" cy="172508"/>
-          </a:xfrm>
-          <a:solidFill>
-            <a:schemeClr val="bg1"/>
-          </a:solidFill>
-        </p:grpSpPr>
-        <p:sp>
-          <p:nvSpPr>
-            <p:cNvPr id="6" name="Rectangle 5"/>
-            <p:cNvSpPr/>
-            <p:nvPr userDrawn="1"/>
-          </p:nvSpPr>
-          <p:spPr>
-            <a:xfrm>
-              <a:off x="501650" y="268817"/>
-              <a:ext cx="365760" cy="59266"/>
-            </a:xfrm>
-            <a:prstGeom prst="rect">
-              <a:avLst/>
-            </a:prstGeom>
-            <a:grpFill/>
-            <a:ln>
-              <a:noFill/>
-            </a:ln>
-            <a:effectLst/>
-          </p:spPr>
-          <p:style>
-            <a:lnRef idx="1">
-              <a:schemeClr val="accent1"/>
-            </a:lnRef>
-            <a:fillRef idx="3">
-              <a:schemeClr val="accent1"/>
-            </a:fillRef>
-            <a:effectRef idx="2">
-              <a:schemeClr val="accent1"/>
-            </a:effectRef>
-            <a:fontRef idx="minor">
-              <a:schemeClr val="lt1"/>
-            </a:fontRef>
-          </p:style>
-          <p:txBody>
-            <a:bodyPr rtlCol="0" anchor="ctr"/>
-            <a:lstStyle/>
-            <a:p>
-              <a:pPr algn="ctr" defTabSz="457189"/>
-              <a:endParaRPr lang="en-US" sz="1800">
-                <a:solidFill>
-                  <a:prstClr val="white"/>
-                </a:solidFill>
-              </a:endParaRPr>
-            </a:p>
-          </p:txBody>
-        </p:sp>
-        <p:sp>
-          <p:nvSpPr>
-            <p:cNvPr id="7" name="Rectangle 6"/>
-            <p:cNvSpPr/>
-            <p:nvPr userDrawn="1"/>
-          </p:nvSpPr>
-          <p:spPr>
-            <a:xfrm>
-              <a:off x="360699" y="382059"/>
-              <a:ext cx="365760" cy="59266"/>
-            </a:xfrm>
-            <a:prstGeom prst="rect">
-              <a:avLst/>
-            </a:prstGeom>
-            <a:grpFill/>
-            <a:ln>
-              <a:noFill/>
-            </a:ln>
-            <a:effectLst/>
-          </p:spPr>
-          <p:style>
-            <a:lnRef idx="1">
-              <a:schemeClr val="accent1"/>
-            </a:lnRef>
-            <a:fillRef idx="3">
-              <a:schemeClr val="accent1"/>
-            </a:fillRef>
-            <a:effectRef idx="2">
-              <a:schemeClr val="accent1"/>
-            </a:effectRef>
-            <a:fontRef idx="minor">
-              <a:schemeClr val="lt1"/>
-            </a:fontRef>
-          </p:style>
-          <p:txBody>
-            <a:bodyPr rtlCol="0" anchor="ctr"/>
-            <a:lstStyle/>
-            <a:p>
-              <a:pPr algn="ctr" defTabSz="457189"/>
-              <a:endParaRPr lang="en-US" sz="1800">
-                <a:solidFill>
-                  <a:prstClr val="white"/>
-                </a:solidFill>
-              </a:endParaRPr>
-            </a:p>
-          </p:txBody>
-        </p:sp>
-      </p:grpSp>
-      <p:sp>
-        <p:nvSpPr>
-          <p:cNvPr id="17" name="Text Placeholder 6"/>
-          <p:cNvSpPr>
-            <a:spLocks noGrp="1"/>
-          </p:cNvSpPr>
-          <p:nvPr>
-            <p:ph type="body" sz="quarter" idx="12" hasCustomPrompt="1"/>
-          </p:nvPr>
-        </p:nvSpPr>
-        <p:spPr>
-          <a:xfrm>
-            <a:off x="489645" y="415770"/>
-            <a:ext cx="10909875" cy="597059"/>
-          </a:xfrm>
-          <a:prstGeom prst="rect">
-            <a:avLst/>
-          </a:prstGeom>
-        </p:spPr>
-        <p:txBody>
-          <a:bodyPr lIns="0" tIns="0" rIns="0" bIns="0" anchor="t" anchorCtr="0">
-            <a:noAutofit/>
-          </a:bodyPr>
-          <a:lstStyle>
-            <a:lvl1pPr marL="0" indent="0">
-              <a:lnSpc>
-                <a:spcPts val="2600"/>
-              </a:lnSpc>
-              <a:spcBef>
-                <a:spcPts val="600"/>
-              </a:spcBef>
-              <a:buNone/>
-              <a:defRPr sz="2400" b="1" baseline="0">
-                <a:solidFill>
-                  <a:schemeClr val="accent1"/>
-                </a:solidFill>
-                <a:latin typeface="+mj-lt"/>
-              </a:defRPr>
-            </a:lvl1pPr>
-            <a:lvl2pPr>
-              <a:defRPr>
-                <a:solidFill>
-                  <a:schemeClr val="bg1"/>
-                </a:solidFill>
-              </a:defRPr>
-            </a:lvl2pPr>
-            <a:lvl3pPr>
-              <a:defRPr>
-                <a:solidFill>
-                  <a:schemeClr val="bg1"/>
-                </a:solidFill>
-              </a:defRPr>
-            </a:lvl3pPr>
-            <a:lvl4pPr>
-              <a:defRPr>
-                <a:solidFill>
-                  <a:schemeClr val="bg1"/>
-                </a:solidFill>
-              </a:defRPr>
-            </a:lvl4pPr>
-            <a:lvl5pPr>
-              <a:defRPr>
-                <a:solidFill>
-                  <a:schemeClr val="bg1"/>
-                </a:solidFill>
-              </a:defRPr>
-            </a:lvl5pPr>
-          </a:lstStyle>
-          <a:p>
-            <a:pPr lvl="0"/>
-            <a:r>
-              <a:rPr lang="en-US" dirty="0"/>
-              <a:t>Enter slide heading</a:t>
-            </a:r>
-          </a:p>
-        </p:txBody>
-      </p:sp>
-      <p:pic>
-        <p:nvPicPr>
-          <p:cNvPr id="5" name="Picture 4" descr="cloud_only copy.png"/>
-          <p:cNvPicPr>
-            <a:picLocks noChangeAspect="1"/>
-          </p:cNvPicPr>
-          <p:nvPr userDrawn="1"/>
-        </p:nvPicPr>
-        <p:blipFill rotWithShape="1">
-          <a:blip r:embed="rId2" cstate="screen">
-            <a:alphaModFix/>
-            <a:extLst>
-              <a:ext uri="{28A0092B-C50C-407E-A947-70E740481C1C}">
-                <a14:useLocalDpi xmlns:a14="http://schemas.microsoft.com/office/drawing/2010/main"/>
-              </a:ext>
-            </a:extLst>
-          </a:blip>
-          <a:srcRect l="-2" r="-749"/>
-          <a:stretch/>
-        </p:blipFill>
-        <p:spPr>
-          <a:xfrm>
-            <a:off x="315861" y="6181158"/>
-            <a:ext cx="652756" cy="448242"/>
-          </a:xfrm>
-          <a:prstGeom prst="rect">
-            <a:avLst/>
-          </a:prstGeom>
-        </p:spPr>
-      </p:pic>
-      <p:sp>
-        <p:nvSpPr>
-          <p:cNvPr id="9" name="Text Placeholder 8"/>
-          <p:cNvSpPr>
-            <a:spLocks noGrp="1"/>
-          </p:cNvSpPr>
-          <p:nvPr>
-            <p:ph type="body" sz="quarter" idx="19"/>
-          </p:nvPr>
-        </p:nvSpPr>
-        <p:spPr>
-          <a:xfrm>
-            <a:off x="489645" y="1185664"/>
-            <a:ext cx="5149155" cy="4666496"/>
-          </a:xfrm>
-          <a:prstGeom prst="rect">
-            <a:avLst/>
-          </a:prstGeom>
-        </p:spPr>
-        <p:txBody>
-          <a:bodyPr>
-            <a:normAutofit/>
-          </a:bodyPr>
+      <p:sp>
+        <p:nvSpPr>
+          <p:cNvPr id="2" name="Title 1"/>
+          <p:cNvSpPr>
+            <a:spLocks noGrp="1"/>
+          </p:cNvSpPr>
+          <p:nvPr>
+            <p:ph type="title"/>
+          </p:nvPr>
+        </p:nvSpPr>
+        <p:spPr>
+          <a:xfrm>
+            <a:off x="831850" y="1709738"/>
+            <a:ext cx="10515600" cy="2852737"/>
+          </a:xfrm>
+        </p:spPr>
+        <p:txBody>
+          <a:bodyPr anchor="b"/>
           <a:lstStyle>
             <a:lvl1pPr>
-              <a:defRPr sz="2000">
+              <a:defRPr sz="6000" baseline="0">
                 <a:solidFill>
                   <a:schemeClr val="accent1"/>
                 </a:solidFill>
               </a:defRPr>
             </a:lvl1pPr>
-            <a:lvl2pPr>
-              <a:defRPr sz="1800"/>
-            </a:lvl2pPr>
-            <a:lvl3pPr>
-              <a:defRPr sz="1600"/>
-            </a:lvl3pPr>
-            <a:lvl4pPr>
-              <a:defRPr sz="1400"/>
-            </a:lvl4pPr>
-            <a:lvl5pPr marL="1825625" indent="-233363">
-              <a:tabLst/>
-              <a:defRPr sz="1400"/>
-            </a:lvl5pPr>
           </a:lstStyle>
           <a:p>
-            <a:pPr lvl="0"/>
             <a:r>
               <a:rPr lang="en-US" dirty="0"/>
-              <a:t>Click to edit Master text styles</a:t>
-            </a:r>
-          </a:p>
-          <a:p>
-            <a:pPr lvl="1"/>
-            <a:r>
-              <a:rPr lang="en-US" dirty="0"/>
-              <a:t>Second level</a:t>
-            </a:r>
-          </a:p>
-          <a:p>
-            <a:pPr lvl="2"/>
-            <a:r>
-              <a:rPr lang="en-US" dirty="0"/>
-              <a:t>Third level</a:t>
-            </a:r>
-          </a:p>
-          <a:p>
-            <a:pPr lvl="3"/>
-            <a:r>
-              <a:rPr lang="en-US" dirty="0"/>
-              <a:t>Fourth level</a:t>
-            </a:r>
-          </a:p>
-          <a:p>
-            <a:pPr lvl="4"/>
-            <a:r>
-              <a:rPr lang="en-US" dirty="0"/>
-              <a:t>Fifth level</a:t>
-            </a:r>
-          </a:p>
-        </p:txBody>
-      </p:sp>
-      <p:sp>
-        <p:nvSpPr>
-          <p:cNvPr id="12" name="Text Placeholder 8"/>
-          <p:cNvSpPr>
-            <a:spLocks noGrp="1"/>
-          </p:cNvSpPr>
-          <p:nvPr>
-            <p:ph type="body" sz="quarter" idx="20"/>
-          </p:nvPr>
-        </p:nvSpPr>
-        <p:spPr>
-          <a:xfrm>
-            <a:off x="6482655" y="1191114"/>
-            <a:ext cx="5149155" cy="4666496"/>
-          </a:xfrm>
-          <a:prstGeom prst="rect">
-            <a:avLst/>
-          </a:prstGeom>
-        </p:spPr>
-        <p:txBody>
-          <a:bodyPr>
-            <a:normAutofit/>
-          </a:bodyPr>
+              <a:t>Click to edit Master title style</a:t>
+            </a:r>
+          </a:p>
+        </p:txBody>
+      </p:sp>
+      <p:sp>
+        <p:nvSpPr>
+          <p:cNvPr id="3" name="Text Placeholder 2"/>
+          <p:cNvSpPr>
+            <a:spLocks noGrp="1"/>
+          </p:cNvSpPr>
+          <p:nvPr>
+            <p:ph type="body" idx="1"/>
+          </p:nvPr>
+        </p:nvSpPr>
+        <p:spPr>
+          <a:xfrm>
+            <a:off x="831850" y="4589463"/>
+            <a:ext cx="10515600" cy="1500187"/>
+          </a:xfrm>
+        </p:spPr>
+        <p:txBody>
+          <a:bodyPr/>
           <a:lstStyle>
-            <a:lvl1pPr>
-              <a:defRPr sz="2000">
+            <a:lvl1pPr marL="0" indent="0">
+              <a:buNone/>
+              <a:defRPr sz="2400" baseline="0">
                 <a:solidFill>
                   <a:schemeClr val="accent1"/>
                 </a:solidFill>
               </a:defRPr>
             </a:lvl1pPr>
-            <a:lvl2pPr>
-              <a:defRPr sz="1800"/>
+            <a:lvl2pPr marL="457200" indent="0">
+              <a:buNone/>
+              <a:defRPr sz="2000">
+                <a:solidFill>
+                  <a:schemeClr val="tx1">
+                    <a:tint val="75000"/>
+                  </a:schemeClr>
+                </a:solidFill>
+              </a:defRPr>
             </a:lvl2pPr>
-            <a:lvl3pPr>
-              <a:defRPr sz="1600"/>
+            <a:lvl3pPr marL="914400" indent="0">
+              <a:buNone/>
+              <a:defRPr sz="1800">
+                <a:solidFill>
+                  <a:schemeClr val="tx1">
+                    <a:tint val="75000"/>
+                  </a:schemeClr>
+                </a:solidFill>
+              </a:defRPr>
             </a:lvl3pPr>
-            <a:lvl4pPr>
-              <a:defRPr sz="1400"/>
+            <a:lvl4pPr marL="1371600" indent="0">
+              <a:buNone/>
+              <a:defRPr sz="1600">
+                <a:solidFill>
+                  <a:schemeClr val="tx1">
+                    <a:tint val="75000"/>
+                  </a:schemeClr>
+                </a:solidFill>
+              </a:defRPr>
             </a:lvl4pPr>
-            <a:lvl5pPr marL="1781175" indent="-233363">
-              <a:tabLst/>
-              <a:defRPr sz="1400"/>
+            <a:lvl5pPr marL="1828800" indent="0">
+              <a:buNone/>
+              <a:defRPr sz="1600">
+                <a:solidFill>
+                  <a:schemeClr val="tx1">
+                    <a:tint val="75000"/>
+                  </a:schemeClr>
+                </a:solidFill>
+              </a:defRPr>
             </a:lvl5pPr>
+            <a:lvl6pPr marL="2286000" indent="0">
+              <a:buNone/>
+              <a:defRPr sz="1600">
+                <a:solidFill>
+                  <a:schemeClr val="tx1">
+                    <a:tint val="75000"/>
+                  </a:schemeClr>
+                </a:solidFill>
+              </a:defRPr>
+            </a:lvl6pPr>
+            <a:lvl7pPr marL="2743200" indent="0">
+              <a:buNone/>
+              <a:defRPr sz="1600">
+                <a:solidFill>
+                  <a:schemeClr val="tx1">
+                    <a:tint val="75000"/>
+                  </a:schemeClr>
+                </a:solidFill>
+              </a:defRPr>
+            </a:lvl7pPr>
+            <a:lvl8pPr marL="3200400" indent="0">
+              <a:buNone/>
+              <a:defRPr sz="1600">
+                <a:solidFill>
+                  <a:schemeClr val="tx1">
+                    <a:tint val="75000"/>
+                  </a:schemeClr>
+                </a:solidFill>
+              </a:defRPr>
+            </a:lvl8pPr>
+            <a:lvl9pPr marL="3657600" indent="0">
+              <a:buNone/>
+              <a:defRPr sz="1600">
+                <a:solidFill>
+                  <a:schemeClr val="tx1">
+                    <a:tint val="75000"/>
+                  </a:schemeClr>
+                </a:solidFill>
+              </a:defRPr>
+            </a:lvl9pPr>
           </a:lstStyle>
           <a:p>
             <a:pPr lvl="0"/>
@@ -2099,42 +1645,82 @@
               <a:t>Click to edit Master text styles</a:t>
             </a:r>
           </a:p>
-          <a:p>
-            <a:pPr lvl="1"/>
-            <a:r>
-              <a:rPr lang="en-US" dirty="0"/>
-              <a:t>Second level</a:t>
-            </a:r>
-          </a:p>
-          <a:p>
-            <a:pPr lvl="2"/>
-            <a:r>
-              <a:rPr lang="en-US" dirty="0"/>
-              <a:t>Third level</a:t>
-            </a:r>
-          </a:p>
-          <a:p>
-            <a:pPr lvl="3"/>
-            <a:r>
-              <a:rPr lang="en-US" dirty="0"/>
-              <a:t>Fourth level</a:t>
-            </a:r>
-          </a:p>
-          <a:p>
-            <a:pPr lvl="4"/>
-            <a:r>
-              <a:rPr lang="en-US" dirty="0"/>
-              <a:t>Fifth level</a:t>
-            </a:r>
+        </p:txBody>
+      </p:sp>
+      <p:sp>
+        <p:nvSpPr>
+          <p:cNvPr id="4" name="Date Placeholder 3"/>
+          <p:cNvSpPr>
+            <a:spLocks noGrp="1"/>
+          </p:cNvSpPr>
+          <p:nvPr>
+            <p:ph type="dt" sz="half" idx="10"/>
+          </p:nvPr>
+        </p:nvSpPr>
+        <p:spPr/>
+        <p:txBody>
+          <a:bodyPr/>
+          <a:lstStyle/>
+          <a:p>
+            <a:fld id="{F0A73D1F-7830-B741-BC96-A837CBC9E079}" type="datetime1">
+              <a:rPr lang="en-GB" smtClean="0"/>
+              <a:t>05/04/2020</a:t>
+            </a:fld>
+            <a:endParaRPr lang="en-US"/>
+          </a:p>
+        </p:txBody>
+      </p:sp>
+      <p:sp>
+        <p:nvSpPr>
+          <p:cNvPr id="5" name="Footer Placeholder 4"/>
+          <p:cNvSpPr>
+            <a:spLocks noGrp="1"/>
+          </p:cNvSpPr>
+          <p:nvPr>
+            <p:ph type="ftr" sz="quarter" idx="11"/>
+          </p:nvPr>
+        </p:nvSpPr>
+        <p:spPr>
+          <a:xfrm>
+            <a:off x="4038600" y="6356350"/>
+            <a:ext cx="4114800" cy="365125"/>
+          </a:xfrm>
+          <a:prstGeom prst="rect">
+            <a:avLst/>
+          </a:prstGeom>
+        </p:spPr>
+        <p:txBody>
+          <a:bodyPr/>
+          <a:lstStyle/>
+          <a:p>
+            <a:endParaRPr lang="en-US"/>
+          </a:p>
+        </p:txBody>
+      </p:sp>
+      <p:sp>
+        <p:nvSpPr>
+          <p:cNvPr id="6" name="Slide Number Placeholder 5"/>
+          <p:cNvSpPr>
+            <a:spLocks noGrp="1"/>
+          </p:cNvSpPr>
+          <p:nvPr>
+            <p:ph type="sldNum" sz="quarter" idx="12"/>
+          </p:nvPr>
+        </p:nvSpPr>
+        <p:spPr/>
+        <p:txBody>
+          <a:bodyPr/>
+          <a:lstStyle/>
+          <a:p>
+            <a:fld id="{C1FF6DA9-008F-8B48-92A6-B652298478BF}" type="slidenum">
+              <a:rPr lang="en-US" smtClean="0"/>
+              <a:t>‹#›</a:t>
+            </a:fld>
+            <a:endParaRPr lang="en-US"/>
           </a:p>
         </p:txBody>
       </p:sp>
     </p:spTree>
-    <p:extLst>
-      <p:ext uri="{BB962C8B-B14F-4D97-AF65-F5344CB8AC3E}">
-        <p14:creationId xmlns:p14="http://schemas.microsoft.com/office/powerpoint/2010/main" val="2936768117"/>
-      </p:ext>
-    </p:extLst>
   </p:cSld>
   <p:clrMapOvr>
     <a:masterClrMapping/>
@@ -2142,9 +1728,9 @@
 </p:sldLayout>
 </file>
 
-<file path=ppt/slideLayouts/slideLayout5.xml><?xml version="1.0" encoding="utf-8"?>
-<p:sldLayout xmlns:a="http://schemas.openxmlformats.org/drawingml/2006/main" xmlns:r="http://schemas.openxmlformats.org/officeDocument/2006/relationships" xmlns:p="http://schemas.openxmlformats.org/presentationml/2006/main" preserve="1" userDrawn="1">
-  <p:cSld name="Title and graphic">
+<file path=ppt/slideLayouts/slideLayout3.xml><?xml version="1.0" encoding="utf-8"?>
+<p:sldLayout xmlns:a="http://schemas.openxmlformats.org/drawingml/2006/main" xmlns:r="http://schemas.openxmlformats.org/officeDocument/2006/relationships" xmlns:p="http://schemas.openxmlformats.org/presentationml/2006/main" type="obj" preserve="1">
+  <p:cSld name="Title and Content">
     <p:spTree>
       <p:nvGrpSpPr>
         <p:cNvPr id="1" name=""/>
@@ -2159,175 +1745,153 @@
           <a:chExt cx="0" cy="0"/>
         </a:xfrm>
       </p:grpSpPr>
-      <p:grpSp>
-        <p:nvGrpSpPr>
-          <p:cNvPr id="3" name="Group 2"/>
-          <p:cNvGrpSpPr/>
-          <p:nvPr userDrawn="1"/>
-        </p:nvGrpSpPr>
-        <p:grpSpPr>
-          <a:xfrm>
-            <a:off x="480937" y="840321"/>
-            <a:ext cx="675615" cy="172508"/>
-            <a:chOff x="360699" y="268817"/>
-            <a:chExt cx="506711" cy="172508"/>
-          </a:xfrm>
-          <a:solidFill>
-            <a:schemeClr val="bg1"/>
-          </a:solidFill>
-        </p:grpSpPr>
-        <p:sp>
-          <p:nvSpPr>
-            <p:cNvPr id="6" name="Rectangle 5"/>
-            <p:cNvSpPr/>
-            <p:nvPr userDrawn="1"/>
-          </p:nvSpPr>
-          <p:spPr>
-            <a:xfrm>
-              <a:off x="501650" y="268817"/>
-              <a:ext cx="365760" cy="59266"/>
-            </a:xfrm>
-            <a:prstGeom prst="rect">
-              <a:avLst/>
-            </a:prstGeom>
-            <a:grpFill/>
-            <a:ln>
-              <a:noFill/>
-            </a:ln>
-            <a:effectLst/>
-          </p:spPr>
-          <p:style>
-            <a:lnRef idx="1">
-              <a:schemeClr val="accent1"/>
-            </a:lnRef>
-            <a:fillRef idx="3">
-              <a:schemeClr val="accent1"/>
-            </a:fillRef>
-            <a:effectRef idx="2">
-              <a:schemeClr val="accent1"/>
-            </a:effectRef>
-            <a:fontRef idx="minor">
-              <a:schemeClr val="lt1"/>
-            </a:fontRef>
-          </p:style>
-          <p:txBody>
-            <a:bodyPr rtlCol="0" anchor="ctr"/>
-            <a:lstStyle/>
-            <a:p>
-              <a:pPr algn="ctr" defTabSz="457189"/>
-              <a:endParaRPr lang="en-US" sz="1800">
+      <p:sp>
+        <p:nvSpPr>
+          <p:cNvPr id="2" name="Title 1"/>
+          <p:cNvSpPr>
+            <a:spLocks noGrp="1"/>
+          </p:cNvSpPr>
+          <p:nvPr>
+            <p:ph type="title"/>
+          </p:nvPr>
+        </p:nvSpPr>
+        <p:spPr/>
+        <p:txBody>
+          <a:bodyPr/>
+          <a:lstStyle>
+            <a:lvl1pPr>
+              <a:defRPr baseline="0">
                 <a:solidFill>
-                  <a:prstClr val="white"/>
+                  <a:schemeClr val="accent1"/>
                 </a:solidFill>
-              </a:endParaRPr>
-            </a:p>
-          </p:txBody>
-        </p:sp>
-        <p:sp>
-          <p:nvSpPr>
-            <p:cNvPr id="7" name="Rectangle 6"/>
-            <p:cNvSpPr/>
-            <p:nvPr userDrawn="1"/>
-          </p:nvSpPr>
-          <p:spPr>
-            <a:xfrm>
-              <a:off x="360699" y="382059"/>
-              <a:ext cx="365760" cy="59266"/>
-            </a:xfrm>
-            <a:prstGeom prst="rect">
-              <a:avLst/>
-            </a:prstGeom>
-            <a:grpFill/>
-            <a:ln>
-              <a:noFill/>
-            </a:ln>
-            <a:effectLst/>
-          </p:spPr>
-          <p:style>
-            <a:lnRef idx="1">
-              <a:schemeClr val="accent1"/>
-            </a:lnRef>
-            <a:fillRef idx="3">
-              <a:schemeClr val="accent1"/>
-            </a:fillRef>
-            <a:effectRef idx="2">
-              <a:schemeClr val="accent1"/>
-            </a:effectRef>
-            <a:fontRef idx="minor">
-              <a:schemeClr val="lt1"/>
-            </a:fontRef>
-          </p:style>
-          <p:txBody>
-            <a:bodyPr rtlCol="0" anchor="ctr"/>
-            <a:lstStyle/>
-            <a:p>
-              <a:pPr algn="ctr" defTabSz="457189"/>
-              <a:endParaRPr lang="en-US" sz="1800">
-                <a:solidFill>
-                  <a:prstClr val="white"/>
-                </a:solidFill>
-              </a:endParaRPr>
-            </a:p>
-          </p:txBody>
-        </p:sp>
-      </p:grpSp>
-      <p:pic>
-        <p:nvPicPr>
-          <p:cNvPr id="5" name="Picture 4" descr="cloud_only copy.png"/>
-          <p:cNvPicPr>
-            <a:picLocks noChangeAspect="1"/>
-          </p:cNvPicPr>
-          <p:nvPr userDrawn="1"/>
-        </p:nvPicPr>
-        <p:blipFill rotWithShape="1">
-          <a:blip r:embed="rId2" cstate="screen">
-            <a:alphaModFix/>
-            <a:extLst>
-              <a:ext uri="{28A0092B-C50C-407E-A947-70E740481C1C}">
-                <a14:useLocalDpi xmlns:a14="http://schemas.microsoft.com/office/drawing/2010/main"/>
-              </a:ext>
-            </a:extLst>
-          </a:blip>
-          <a:srcRect l="-2" r="-749"/>
-          <a:stretch/>
-        </p:blipFill>
-        <p:spPr>
-          <a:xfrm>
-            <a:off x="315861" y="6181158"/>
-            <a:ext cx="652756" cy="448242"/>
+              </a:defRPr>
+            </a:lvl1pPr>
+          </a:lstStyle>
+          <a:p>
+            <a:r>
+              <a:rPr lang="en-US" dirty="0"/>
+              <a:t>Click to edit Master title style</a:t>
+            </a:r>
+          </a:p>
+        </p:txBody>
+      </p:sp>
+      <p:sp>
+        <p:nvSpPr>
+          <p:cNvPr id="3" name="Content Placeholder 2"/>
+          <p:cNvSpPr>
+            <a:spLocks noGrp="1"/>
+          </p:cNvSpPr>
+          <p:nvPr>
+            <p:ph idx="1"/>
+          </p:nvPr>
+        </p:nvSpPr>
+        <p:spPr/>
+        <p:txBody>
+          <a:bodyPr/>
+          <a:lstStyle>
+            <a:lvl1pPr marL="187325" indent="-187325">
+              <a:tabLst/>
+              <a:defRPr/>
+            </a:lvl1pPr>
+            <a:lvl2pPr marL="536575" indent="-176213">
+              <a:tabLst/>
+              <a:defRPr/>
+            </a:lvl2pPr>
+            <a:lvl3pPr marL="889000" indent="-169863">
+              <a:tabLst/>
+              <a:defRPr/>
+            </a:lvl3pPr>
+            <a:lvl4pPr marL="1255713" indent="-182563">
+              <a:tabLst/>
+              <a:defRPr/>
+            </a:lvl4pPr>
+            <a:lvl5pPr marL="1600200" indent="-174625">
+              <a:tabLst/>
+              <a:defRPr/>
+            </a:lvl5pPr>
+          </a:lstStyle>
+          <a:p>
+            <a:pPr lvl="0"/>
+            <a:r>
+              <a:rPr lang="en-US" dirty="0"/>
+              <a:t>Click to edit Master text styles</a:t>
+            </a:r>
+          </a:p>
+          <a:p>
+            <a:pPr lvl="1"/>
+            <a:r>
+              <a:rPr lang="en-US" dirty="0"/>
+              <a:t>Second level</a:t>
+            </a:r>
+          </a:p>
+          <a:p>
+            <a:pPr lvl="2"/>
+            <a:r>
+              <a:rPr lang="en-US" dirty="0"/>
+              <a:t>Third level</a:t>
+            </a:r>
+          </a:p>
+          <a:p>
+            <a:pPr lvl="3"/>
+            <a:r>
+              <a:rPr lang="en-US" dirty="0"/>
+              <a:t>Fourth level</a:t>
+            </a:r>
+          </a:p>
+          <a:p>
+            <a:pPr lvl="4"/>
+            <a:r>
+              <a:rPr lang="en-US" dirty="0"/>
+              <a:t>Fifth level</a:t>
+            </a:r>
+          </a:p>
+        </p:txBody>
+      </p:sp>
+      <p:sp>
+        <p:nvSpPr>
+          <p:cNvPr id="4" name="Date Placeholder 3"/>
+          <p:cNvSpPr>
+            <a:spLocks noGrp="1"/>
+          </p:cNvSpPr>
+          <p:nvPr>
+            <p:ph type="dt" sz="half" idx="10"/>
+          </p:nvPr>
+        </p:nvSpPr>
+        <p:spPr/>
+        <p:txBody>
+          <a:bodyPr/>
+          <a:lstStyle/>
+          <a:p>
+            <a:fld id="{7BEC13FA-6531-0245-A446-9EAD81E0D53B}" type="datetime1">
+              <a:rPr lang="en-GB" smtClean="0"/>
+              <a:t>05/04/2020</a:t>
+            </a:fld>
+            <a:endParaRPr lang="en-US"/>
+          </a:p>
+        </p:txBody>
+      </p:sp>
+      <p:sp>
+        <p:nvSpPr>
+          <p:cNvPr id="5" name="Footer Placeholder 4"/>
+          <p:cNvSpPr>
+            <a:spLocks noGrp="1"/>
+          </p:cNvSpPr>
+          <p:nvPr>
+            <p:ph type="ftr" sz="quarter" idx="11"/>
+          </p:nvPr>
+        </p:nvSpPr>
+        <p:spPr>
+          <a:xfrm>
+            <a:off x="4038600" y="6356350"/>
+            <a:ext cx="4114800" cy="365125"/>
           </a:xfrm>
           <a:prstGeom prst="rect">
             <a:avLst/>
           </a:prstGeom>
         </p:spPr>
-      </p:pic>
-      <p:sp>
-        <p:nvSpPr>
-          <p:cNvPr id="8" name="Picture Placeholder 7"/>
-          <p:cNvSpPr>
-            <a:spLocks noGrp="1"/>
-          </p:cNvSpPr>
-          <p:nvPr>
-            <p:ph type="pic" sz="quarter" idx="13"/>
-          </p:nvPr>
-        </p:nvSpPr>
-        <p:spPr>
-          <a:xfrm>
-            <a:off x="668872" y="516466"/>
-            <a:ext cx="10854255" cy="5792894"/>
-          </a:xfrm>
-          <a:prstGeom prst="rect">
-            <a:avLst/>
-          </a:prstGeom>
-        </p:spPr>
         <p:txBody>
           <a:bodyPr/>
-          <a:lstStyle>
-            <a:lvl1pPr marL="0" indent="0">
-              <a:buNone/>
-              <a:defRPr/>
-            </a:lvl1pPr>
-          </a:lstStyle>
+          <a:lstStyle/>
           <a:p>
             <a:endParaRPr lang="en-US"/>
           </a:p>
@@ -2335,52 +1899,28 @@
       </p:sp>
       <p:sp>
         <p:nvSpPr>
-          <p:cNvPr id="12" name="TextBox 11"/>
-          <p:cNvSpPr txBox="1"/>
-          <p:nvPr userDrawn="1"/>
-        </p:nvSpPr>
-        <p:spPr>
-          <a:xfrm>
-            <a:off x="11643629" y="6626370"/>
-            <a:ext cx="442544" cy="123111"/>
-          </a:xfrm>
-          <a:prstGeom prst="rect">
-            <a:avLst/>
-          </a:prstGeom>
-          <a:noFill/>
-        </p:spPr>
-        <p:txBody>
-          <a:bodyPr wrap="square" lIns="0" tIns="0" rIns="0" bIns="0" rtlCol="0" anchor="ctr" anchorCtr="0">
-            <a:spAutoFit/>
-          </a:bodyPr>
-          <a:lstStyle/>
-          <a:p>
-            <a:pPr algn="l" defTabSz="457189"/>
-            <a:fld id="{9B56CEAA-430B-E444-BEC6-7F9CF6806FD6}" type="slidenum">
-              <a:rPr lang="en-US" sz="800" kern="0" spc="-31">
-                <a:solidFill>
-                  <a:schemeClr val="tx1"/>
-                </a:solidFill>
-                <a:cs typeface="Arial"/>
-              </a:rPr>
-              <a:pPr algn="l" defTabSz="457189"/>
+          <p:cNvPr id="6" name="Slide Number Placeholder 5"/>
+          <p:cNvSpPr>
+            <a:spLocks noGrp="1"/>
+          </p:cNvSpPr>
+          <p:nvPr>
+            <p:ph type="sldNum" sz="quarter" idx="12"/>
+          </p:nvPr>
+        </p:nvSpPr>
+        <p:spPr/>
+        <p:txBody>
+          <a:bodyPr/>
+          <a:lstStyle/>
+          <a:p>
+            <a:fld id="{C1FF6DA9-008F-8B48-92A6-B652298478BF}" type="slidenum">
+              <a:rPr lang="en-US" smtClean="0"/>
               <a:t>‹#›</a:t>
             </a:fld>
-            <a:endParaRPr lang="en-US" sz="800" kern="0" spc="-31">
-              <a:solidFill>
-                <a:schemeClr val="tx1"/>
-              </a:solidFill>
-              <a:cs typeface="Arial"/>
-            </a:endParaRPr>
+            <a:endParaRPr lang="en-US"/>
           </a:p>
         </p:txBody>
       </p:sp>
     </p:spTree>
-    <p:extLst>
-      <p:ext uri="{BB962C8B-B14F-4D97-AF65-F5344CB8AC3E}">
-        <p14:creationId xmlns:p14="http://schemas.microsoft.com/office/powerpoint/2010/main" val="1664802493"/>
-      </p:ext>
-    </p:extLst>
   </p:cSld>
   <p:clrMapOvr>
     <a:masterClrMapping/>
@@ -2388,17 +1928,9 @@
 </p:sldLayout>
 </file>
 
-<file path=ppt/slideLayouts/slideLayout6.xml><?xml version="1.0" encoding="utf-8"?>
-<p:sldLayout xmlns:a="http://schemas.openxmlformats.org/drawingml/2006/main" xmlns:r="http://schemas.openxmlformats.org/officeDocument/2006/relationships" xmlns:p="http://schemas.openxmlformats.org/presentationml/2006/main" preserve="1" userDrawn="1">
-  <p:cSld name="Title only">
-    <p:bg>
-      <p:bgPr>
-        <a:solidFill>
-          <a:schemeClr val="bg1"/>
-        </a:solidFill>
-        <a:effectLst/>
-      </p:bgPr>
-    </p:bg>
+<file path=ppt/slideLayouts/slideLayout4.xml><?xml version="1.0" encoding="utf-8"?>
+<p:sldLayout xmlns:a="http://schemas.openxmlformats.org/drawingml/2006/main" xmlns:r="http://schemas.openxmlformats.org/officeDocument/2006/relationships" xmlns:p="http://schemas.openxmlformats.org/presentationml/2006/main" type="twoObj" preserve="1">
+  <p:cSld name="Two Content">
     <p:spTree>
       <p:nvGrpSpPr>
         <p:cNvPr id="1" name=""/>
@@ -2415,129 +1947,705 @@
       </p:grpSpPr>
       <p:sp>
         <p:nvSpPr>
-          <p:cNvPr id="17" name="Text Placeholder 6"/>
-          <p:cNvSpPr>
-            <a:spLocks noGrp="1"/>
-          </p:cNvSpPr>
-          <p:nvPr>
-            <p:ph type="body" sz="quarter" idx="12" hasCustomPrompt="1"/>
-          </p:nvPr>
-        </p:nvSpPr>
-        <p:spPr>
-          <a:xfrm>
-            <a:off x="489645" y="228600"/>
-            <a:ext cx="10909875" cy="597059"/>
+          <p:cNvPr id="2" name="Title 1"/>
+          <p:cNvSpPr>
+            <a:spLocks noGrp="1"/>
+          </p:cNvSpPr>
+          <p:nvPr>
+            <p:ph type="title"/>
+          </p:nvPr>
+        </p:nvSpPr>
+        <p:spPr/>
+        <p:txBody>
+          <a:bodyPr/>
+          <a:lstStyle/>
+          <a:p>
+            <a:r>
+              <a:rPr lang="en-US" dirty="0"/>
+              <a:t>Click to edit Master title style</a:t>
+            </a:r>
+          </a:p>
+        </p:txBody>
+      </p:sp>
+      <p:sp>
+        <p:nvSpPr>
+          <p:cNvPr id="3" name="Content Placeholder 2"/>
+          <p:cNvSpPr>
+            <a:spLocks noGrp="1"/>
+          </p:cNvSpPr>
+          <p:nvPr>
+            <p:ph sz="half" idx="1"/>
+          </p:nvPr>
+        </p:nvSpPr>
+        <p:spPr>
+          <a:xfrm>
+            <a:off x="838200" y="1825625"/>
+            <a:ext cx="5181600" cy="4351338"/>
+          </a:xfrm>
+        </p:spPr>
+        <p:txBody>
+          <a:bodyPr/>
+          <a:lstStyle/>
+          <a:p>
+            <a:pPr lvl="0"/>
+            <a:r>
+              <a:rPr lang="en-US"/>
+              <a:t>Click to edit Master text styles</a:t>
+            </a:r>
+          </a:p>
+          <a:p>
+            <a:pPr lvl="1"/>
+            <a:r>
+              <a:rPr lang="en-US"/>
+              <a:t>Second level</a:t>
+            </a:r>
+          </a:p>
+          <a:p>
+            <a:pPr lvl="2"/>
+            <a:r>
+              <a:rPr lang="en-US"/>
+              <a:t>Third level</a:t>
+            </a:r>
+          </a:p>
+          <a:p>
+            <a:pPr lvl="3"/>
+            <a:r>
+              <a:rPr lang="en-US"/>
+              <a:t>Fourth level</a:t>
+            </a:r>
+          </a:p>
+          <a:p>
+            <a:pPr lvl="4"/>
+            <a:r>
+              <a:rPr lang="en-US"/>
+              <a:t>Fifth level</a:t>
+            </a:r>
+            <a:endParaRPr lang="en-US" dirty="0"/>
+          </a:p>
+        </p:txBody>
+      </p:sp>
+      <p:sp>
+        <p:nvSpPr>
+          <p:cNvPr id="4" name="Content Placeholder 3"/>
+          <p:cNvSpPr>
+            <a:spLocks noGrp="1"/>
+          </p:cNvSpPr>
+          <p:nvPr>
+            <p:ph sz="half" idx="2"/>
+          </p:nvPr>
+        </p:nvSpPr>
+        <p:spPr>
+          <a:xfrm>
+            <a:off x="6172200" y="1825625"/>
+            <a:ext cx="5181600" cy="4351338"/>
+          </a:xfrm>
+        </p:spPr>
+        <p:txBody>
+          <a:bodyPr/>
+          <a:lstStyle/>
+          <a:p>
+            <a:pPr lvl="0"/>
+            <a:r>
+              <a:rPr lang="en-US"/>
+              <a:t>Click to edit Master text styles</a:t>
+            </a:r>
+          </a:p>
+          <a:p>
+            <a:pPr lvl="1"/>
+            <a:r>
+              <a:rPr lang="en-US"/>
+              <a:t>Second level</a:t>
+            </a:r>
+          </a:p>
+          <a:p>
+            <a:pPr lvl="2"/>
+            <a:r>
+              <a:rPr lang="en-US"/>
+              <a:t>Third level</a:t>
+            </a:r>
+          </a:p>
+          <a:p>
+            <a:pPr lvl="3"/>
+            <a:r>
+              <a:rPr lang="en-US"/>
+              <a:t>Fourth level</a:t>
+            </a:r>
+          </a:p>
+          <a:p>
+            <a:pPr lvl="4"/>
+            <a:r>
+              <a:rPr lang="en-US"/>
+              <a:t>Fifth level</a:t>
+            </a:r>
+            <a:endParaRPr lang="en-US" dirty="0"/>
+          </a:p>
+        </p:txBody>
+      </p:sp>
+      <p:sp>
+        <p:nvSpPr>
+          <p:cNvPr id="5" name="Date Placeholder 4"/>
+          <p:cNvSpPr>
+            <a:spLocks noGrp="1"/>
+          </p:cNvSpPr>
+          <p:nvPr>
+            <p:ph type="dt" sz="half" idx="10"/>
+          </p:nvPr>
+        </p:nvSpPr>
+        <p:spPr/>
+        <p:txBody>
+          <a:bodyPr/>
+          <a:lstStyle/>
+          <a:p>
+            <a:fld id="{DEE6DD8A-E471-384F-883D-F219A186BE0F}" type="datetime1">
+              <a:rPr lang="en-GB" smtClean="0"/>
+              <a:t>05/04/2020</a:t>
+            </a:fld>
+            <a:endParaRPr lang="en-US"/>
+          </a:p>
+        </p:txBody>
+      </p:sp>
+      <p:sp>
+        <p:nvSpPr>
+          <p:cNvPr id="6" name="Footer Placeholder 5"/>
+          <p:cNvSpPr>
+            <a:spLocks noGrp="1"/>
+          </p:cNvSpPr>
+          <p:nvPr>
+            <p:ph type="ftr" sz="quarter" idx="11"/>
+          </p:nvPr>
+        </p:nvSpPr>
+        <p:spPr>
+          <a:xfrm>
+            <a:off x="4038600" y="6356350"/>
+            <a:ext cx="4114800" cy="365125"/>
           </a:xfrm>
           <a:prstGeom prst="rect">
             <a:avLst/>
           </a:prstGeom>
         </p:spPr>
         <p:txBody>
-          <a:bodyPr lIns="0" tIns="0" rIns="0" bIns="0" anchor="t" anchorCtr="0">
-            <a:noAutofit/>
-          </a:bodyPr>
+          <a:bodyPr/>
+          <a:lstStyle/>
+          <a:p>
+            <a:endParaRPr lang="en-US"/>
+          </a:p>
+        </p:txBody>
+      </p:sp>
+      <p:sp>
+        <p:nvSpPr>
+          <p:cNvPr id="7" name="Slide Number Placeholder 6"/>
+          <p:cNvSpPr>
+            <a:spLocks noGrp="1"/>
+          </p:cNvSpPr>
+          <p:nvPr>
+            <p:ph type="sldNum" sz="quarter" idx="12"/>
+          </p:nvPr>
+        </p:nvSpPr>
+        <p:spPr/>
+        <p:txBody>
+          <a:bodyPr/>
+          <a:lstStyle/>
+          <a:p>
+            <a:fld id="{C1FF6DA9-008F-8B48-92A6-B652298478BF}" type="slidenum">
+              <a:rPr lang="en-US" smtClean="0"/>
+              <a:t>‹#›</a:t>
+            </a:fld>
+            <a:endParaRPr lang="en-US"/>
+          </a:p>
+        </p:txBody>
+      </p:sp>
+    </p:spTree>
+  </p:cSld>
+  <p:clrMapOvr>
+    <a:masterClrMapping/>
+  </p:clrMapOvr>
+</p:sldLayout>
+</file>
+
+<file path=ppt/slideLayouts/slideLayout5.xml><?xml version="1.0" encoding="utf-8"?>
+<p:sldLayout xmlns:a="http://schemas.openxmlformats.org/drawingml/2006/main" xmlns:r="http://schemas.openxmlformats.org/officeDocument/2006/relationships" xmlns:p="http://schemas.openxmlformats.org/presentationml/2006/main" type="twoTxTwoObj" preserve="1">
+  <p:cSld name="Comparison">
+    <p:spTree>
+      <p:nvGrpSpPr>
+        <p:cNvPr id="1" name=""/>
+        <p:cNvGrpSpPr/>
+        <p:nvPr/>
+      </p:nvGrpSpPr>
+      <p:grpSpPr>
+        <a:xfrm>
+          <a:off x="0" y="0"/>
+          <a:ext cx="0" cy="0"/>
+          <a:chOff x="0" y="0"/>
+          <a:chExt cx="0" cy="0"/>
+        </a:xfrm>
+      </p:grpSpPr>
+      <p:sp>
+        <p:nvSpPr>
+          <p:cNvPr id="2" name="Title 1"/>
+          <p:cNvSpPr>
+            <a:spLocks noGrp="1"/>
+          </p:cNvSpPr>
+          <p:nvPr>
+            <p:ph type="title"/>
+          </p:nvPr>
+        </p:nvSpPr>
+        <p:spPr>
+          <a:xfrm>
+            <a:off x="839788" y="365125"/>
+            <a:ext cx="10515600" cy="1325563"/>
+          </a:xfrm>
+        </p:spPr>
+        <p:txBody>
+          <a:bodyPr/>
+          <a:lstStyle/>
+          <a:p>
+            <a:r>
+              <a:rPr lang="en-US"/>
+              <a:t>Click to edit Master title style</a:t>
+            </a:r>
+            <a:endParaRPr lang="en-US" dirty="0"/>
+          </a:p>
+        </p:txBody>
+      </p:sp>
+      <p:sp>
+        <p:nvSpPr>
+          <p:cNvPr id="3" name="Text Placeholder 2"/>
+          <p:cNvSpPr>
+            <a:spLocks noGrp="1"/>
+          </p:cNvSpPr>
+          <p:nvPr>
+            <p:ph type="body" idx="1"/>
+          </p:nvPr>
+        </p:nvSpPr>
+        <p:spPr>
+          <a:xfrm>
+            <a:off x="839788" y="1681163"/>
+            <a:ext cx="5157787" cy="823912"/>
+          </a:xfrm>
+        </p:spPr>
+        <p:txBody>
+          <a:bodyPr anchor="b"/>
           <a:lstStyle>
             <a:lvl1pPr marL="0" indent="0">
-              <a:lnSpc>
-                <a:spcPts val="2600"/>
-              </a:lnSpc>
-              <a:spcBef>
-                <a:spcPts val="600"/>
-              </a:spcBef>
               <a:buNone/>
-              <a:defRPr sz="2400" b="1" baseline="0">
-                <a:solidFill>
-                  <a:schemeClr val="accent1"/>
-                </a:solidFill>
-                <a:latin typeface="+mj-lt"/>
-              </a:defRPr>
+              <a:defRPr sz="2400" b="1"/>
             </a:lvl1pPr>
-            <a:lvl2pPr>
-              <a:defRPr>
-                <a:solidFill>
-                  <a:schemeClr val="bg1"/>
-                </a:solidFill>
-              </a:defRPr>
+            <a:lvl2pPr marL="457200" indent="0">
+              <a:buNone/>
+              <a:defRPr sz="2000" b="1"/>
             </a:lvl2pPr>
-            <a:lvl3pPr>
-              <a:defRPr>
-                <a:solidFill>
-                  <a:schemeClr val="bg1"/>
-                </a:solidFill>
-              </a:defRPr>
+            <a:lvl3pPr marL="914400" indent="0">
+              <a:buNone/>
+              <a:defRPr sz="1800" b="1"/>
             </a:lvl3pPr>
-            <a:lvl4pPr>
-              <a:defRPr>
-                <a:solidFill>
-                  <a:schemeClr val="bg1"/>
-                </a:solidFill>
-              </a:defRPr>
+            <a:lvl4pPr marL="1371600" indent="0">
+              <a:buNone/>
+              <a:defRPr sz="1600" b="1"/>
             </a:lvl4pPr>
-            <a:lvl5pPr>
-              <a:defRPr>
-                <a:solidFill>
-                  <a:schemeClr val="bg1"/>
-                </a:solidFill>
-              </a:defRPr>
+            <a:lvl5pPr marL="1828800" indent="0">
+              <a:buNone/>
+              <a:defRPr sz="1600" b="1"/>
             </a:lvl5pPr>
+            <a:lvl6pPr marL="2286000" indent="0">
+              <a:buNone/>
+              <a:defRPr sz="1600" b="1"/>
+            </a:lvl6pPr>
+            <a:lvl7pPr marL="2743200" indent="0">
+              <a:buNone/>
+              <a:defRPr sz="1600" b="1"/>
+            </a:lvl7pPr>
+            <a:lvl8pPr marL="3200400" indent="0">
+              <a:buNone/>
+              <a:defRPr sz="1600" b="1"/>
+            </a:lvl8pPr>
+            <a:lvl9pPr marL="3657600" indent="0">
+              <a:buNone/>
+              <a:defRPr sz="1600" b="1"/>
+            </a:lvl9pPr>
           </a:lstStyle>
           <a:p>
             <a:pPr lvl="0"/>
             <a:r>
-              <a:rPr lang="en-US" dirty="0"/>
-              <a:t>Enter slide heading</a:t>
-            </a:r>
-          </a:p>
-        </p:txBody>
-      </p:sp>
-      <p:sp>
-        <p:nvSpPr>
-          <p:cNvPr id="12" name="TextBox 11"/>
-          <p:cNvSpPr txBox="1"/>
-          <p:nvPr userDrawn="1"/>
-        </p:nvSpPr>
-        <p:spPr>
-          <a:xfrm>
-            <a:off x="11643629" y="6626370"/>
-            <a:ext cx="442544" cy="123111"/>
+              <a:rPr lang="en-US"/>
+              <a:t>Click to edit Master text styles</a:t>
+            </a:r>
+          </a:p>
+        </p:txBody>
+      </p:sp>
+      <p:sp>
+        <p:nvSpPr>
+          <p:cNvPr id="4" name="Content Placeholder 3"/>
+          <p:cNvSpPr>
+            <a:spLocks noGrp="1"/>
+          </p:cNvSpPr>
+          <p:nvPr>
+            <p:ph sz="half" idx="2"/>
+          </p:nvPr>
+        </p:nvSpPr>
+        <p:spPr>
+          <a:xfrm>
+            <a:off x="839788" y="2505075"/>
+            <a:ext cx="5157787" cy="3684588"/>
+          </a:xfrm>
+        </p:spPr>
+        <p:txBody>
+          <a:bodyPr/>
+          <a:lstStyle/>
+          <a:p>
+            <a:pPr lvl="0"/>
+            <a:r>
+              <a:rPr lang="en-US"/>
+              <a:t>Click to edit Master text styles</a:t>
+            </a:r>
+          </a:p>
+          <a:p>
+            <a:pPr lvl="1"/>
+            <a:r>
+              <a:rPr lang="en-US"/>
+              <a:t>Second level</a:t>
+            </a:r>
+          </a:p>
+          <a:p>
+            <a:pPr lvl="2"/>
+            <a:r>
+              <a:rPr lang="en-US"/>
+              <a:t>Third level</a:t>
+            </a:r>
+          </a:p>
+          <a:p>
+            <a:pPr lvl="3"/>
+            <a:r>
+              <a:rPr lang="en-US"/>
+              <a:t>Fourth level</a:t>
+            </a:r>
+          </a:p>
+          <a:p>
+            <a:pPr lvl="4"/>
+            <a:r>
+              <a:rPr lang="en-US"/>
+              <a:t>Fifth level</a:t>
+            </a:r>
+            <a:endParaRPr lang="en-US" dirty="0"/>
+          </a:p>
+        </p:txBody>
+      </p:sp>
+      <p:sp>
+        <p:nvSpPr>
+          <p:cNvPr id="5" name="Text Placeholder 4"/>
+          <p:cNvSpPr>
+            <a:spLocks noGrp="1"/>
+          </p:cNvSpPr>
+          <p:nvPr>
+            <p:ph type="body" sz="quarter" idx="3"/>
+          </p:nvPr>
+        </p:nvSpPr>
+        <p:spPr>
+          <a:xfrm>
+            <a:off x="6172200" y="1681163"/>
+            <a:ext cx="5183188" cy="823912"/>
+          </a:xfrm>
+        </p:spPr>
+        <p:txBody>
+          <a:bodyPr anchor="b"/>
+          <a:lstStyle>
+            <a:lvl1pPr marL="0" indent="0">
+              <a:buNone/>
+              <a:defRPr sz="2400" b="1"/>
+            </a:lvl1pPr>
+            <a:lvl2pPr marL="457200" indent="0">
+              <a:buNone/>
+              <a:defRPr sz="2000" b="1"/>
+            </a:lvl2pPr>
+            <a:lvl3pPr marL="914400" indent="0">
+              <a:buNone/>
+              <a:defRPr sz="1800" b="1"/>
+            </a:lvl3pPr>
+            <a:lvl4pPr marL="1371600" indent="0">
+              <a:buNone/>
+              <a:defRPr sz="1600" b="1"/>
+            </a:lvl4pPr>
+            <a:lvl5pPr marL="1828800" indent="0">
+              <a:buNone/>
+              <a:defRPr sz="1600" b="1"/>
+            </a:lvl5pPr>
+            <a:lvl6pPr marL="2286000" indent="0">
+              <a:buNone/>
+              <a:defRPr sz="1600" b="1"/>
+            </a:lvl6pPr>
+            <a:lvl7pPr marL="2743200" indent="0">
+              <a:buNone/>
+              <a:defRPr sz="1600" b="1"/>
+            </a:lvl7pPr>
+            <a:lvl8pPr marL="3200400" indent="0">
+              <a:buNone/>
+              <a:defRPr sz="1600" b="1"/>
+            </a:lvl8pPr>
+            <a:lvl9pPr marL="3657600" indent="0">
+              <a:buNone/>
+              <a:defRPr sz="1600" b="1"/>
+            </a:lvl9pPr>
+          </a:lstStyle>
+          <a:p>
+            <a:pPr lvl="0"/>
+            <a:r>
+              <a:rPr lang="en-US"/>
+              <a:t>Click to edit Master text styles</a:t>
+            </a:r>
+          </a:p>
+        </p:txBody>
+      </p:sp>
+      <p:sp>
+        <p:nvSpPr>
+          <p:cNvPr id="6" name="Content Placeholder 5"/>
+          <p:cNvSpPr>
+            <a:spLocks noGrp="1"/>
+          </p:cNvSpPr>
+          <p:nvPr>
+            <p:ph sz="quarter" idx="4"/>
+          </p:nvPr>
+        </p:nvSpPr>
+        <p:spPr>
+          <a:xfrm>
+            <a:off x="6172200" y="2505075"/>
+            <a:ext cx="5183188" cy="3684588"/>
+          </a:xfrm>
+        </p:spPr>
+        <p:txBody>
+          <a:bodyPr/>
+          <a:lstStyle/>
+          <a:p>
+            <a:pPr lvl="0"/>
+            <a:r>
+              <a:rPr lang="en-US"/>
+              <a:t>Click to edit Master text styles</a:t>
+            </a:r>
+          </a:p>
+          <a:p>
+            <a:pPr lvl="1"/>
+            <a:r>
+              <a:rPr lang="en-US"/>
+              <a:t>Second level</a:t>
+            </a:r>
+          </a:p>
+          <a:p>
+            <a:pPr lvl="2"/>
+            <a:r>
+              <a:rPr lang="en-US"/>
+              <a:t>Third level</a:t>
+            </a:r>
+          </a:p>
+          <a:p>
+            <a:pPr lvl="3"/>
+            <a:r>
+              <a:rPr lang="en-US"/>
+              <a:t>Fourth level</a:t>
+            </a:r>
+          </a:p>
+          <a:p>
+            <a:pPr lvl="4"/>
+            <a:r>
+              <a:rPr lang="en-US"/>
+              <a:t>Fifth level</a:t>
+            </a:r>
+            <a:endParaRPr lang="en-US" dirty="0"/>
+          </a:p>
+        </p:txBody>
+      </p:sp>
+      <p:sp>
+        <p:nvSpPr>
+          <p:cNvPr id="7" name="Date Placeholder 6"/>
+          <p:cNvSpPr>
+            <a:spLocks noGrp="1"/>
+          </p:cNvSpPr>
+          <p:nvPr>
+            <p:ph type="dt" sz="half" idx="10"/>
+          </p:nvPr>
+        </p:nvSpPr>
+        <p:spPr/>
+        <p:txBody>
+          <a:bodyPr/>
+          <a:lstStyle/>
+          <a:p>
+            <a:fld id="{FC2C274D-85F4-2344-8F58-DEA89BF0D7C7}" type="datetime1">
+              <a:rPr lang="en-GB" smtClean="0"/>
+              <a:t>05/04/2020</a:t>
+            </a:fld>
+            <a:endParaRPr lang="en-US"/>
+          </a:p>
+        </p:txBody>
+      </p:sp>
+      <p:sp>
+        <p:nvSpPr>
+          <p:cNvPr id="8" name="Footer Placeholder 7"/>
+          <p:cNvSpPr>
+            <a:spLocks noGrp="1"/>
+          </p:cNvSpPr>
+          <p:nvPr>
+            <p:ph type="ftr" sz="quarter" idx="11"/>
+          </p:nvPr>
+        </p:nvSpPr>
+        <p:spPr>
+          <a:xfrm>
+            <a:off x="4038600" y="6356350"/>
+            <a:ext cx="4114800" cy="365125"/>
           </a:xfrm>
           <a:prstGeom prst="rect">
             <a:avLst/>
           </a:prstGeom>
-          <a:noFill/>
-        </p:spPr>
-        <p:txBody>
-          <a:bodyPr wrap="square" lIns="0" tIns="0" rIns="0" bIns="0" rtlCol="0" anchor="ctr" anchorCtr="0">
-            <a:spAutoFit/>
-          </a:bodyPr>
-          <a:lstStyle/>
-          <a:p>
-            <a:pPr algn="l" defTabSz="457189"/>
-            <a:fld id="{9B56CEAA-430B-E444-BEC6-7F9CF6806FD6}" type="slidenum">
-              <a:rPr lang="en-US" sz="800" kern="0" spc="-31">
-                <a:solidFill>
-                  <a:schemeClr val="tx1"/>
-                </a:solidFill>
-                <a:cs typeface="Arial"/>
-              </a:rPr>
-              <a:pPr algn="l" defTabSz="457189"/>
+        </p:spPr>
+        <p:txBody>
+          <a:bodyPr/>
+          <a:lstStyle/>
+          <a:p>
+            <a:endParaRPr lang="en-US"/>
+          </a:p>
+        </p:txBody>
+      </p:sp>
+      <p:sp>
+        <p:nvSpPr>
+          <p:cNvPr id="9" name="Slide Number Placeholder 8"/>
+          <p:cNvSpPr>
+            <a:spLocks noGrp="1"/>
+          </p:cNvSpPr>
+          <p:nvPr>
+            <p:ph type="sldNum" sz="quarter" idx="12"/>
+          </p:nvPr>
+        </p:nvSpPr>
+        <p:spPr/>
+        <p:txBody>
+          <a:bodyPr/>
+          <a:lstStyle/>
+          <a:p>
+            <a:fld id="{C1FF6DA9-008F-8B48-92A6-B652298478BF}" type="slidenum">
+              <a:rPr lang="en-US" smtClean="0"/>
               <a:t>‹#›</a:t>
             </a:fld>
-            <a:endParaRPr lang="en-US" sz="800" kern="0" spc="-31">
-              <a:solidFill>
-                <a:schemeClr val="tx1"/>
-              </a:solidFill>
-              <a:cs typeface="Arial"/>
-            </a:endParaRPr>
+            <a:endParaRPr lang="en-US"/>
           </a:p>
         </p:txBody>
       </p:sp>
     </p:spTree>
-    <p:extLst>
-      <p:ext uri="{BB962C8B-B14F-4D97-AF65-F5344CB8AC3E}">
-        <p14:creationId xmlns:p14="http://schemas.microsoft.com/office/powerpoint/2010/main" val="1953983856"/>
-      </p:ext>
-    </p:extLst>
+  </p:cSld>
+  <p:clrMapOvr>
+    <a:masterClrMapping/>
+  </p:clrMapOvr>
+</p:sldLayout>
+</file>
+
+<file path=ppt/slideLayouts/slideLayout6.xml><?xml version="1.0" encoding="utf-8"?>
+<p:sldLayout xmlns:a="http://schemas.openxmlformats.org/drawingml/2006/main" xmlns:r="http://schemas.openxmlformats.org/officeDocument/2006/relationships" xmlns:p="http://schemas.openxmlformats.org/presentationml/2006/main" type="titleOnly" preserve="1">
+  <p:cSld name="Title Only">
+    <p:spTree>
+      <p:nvGrpSpPr>
+        <p:cNvPr id="1" name=""/>
+        <p:cNvGrpSpPr/>
+        <p:nvPr/>
+      </p:nvGrpSpPr>
+      <p:grpSpPr>
+        <a:xfrm>
+          <a:off x="0" y="0"/>
+          <a:ext cx="0" cy="0"/>
+          <a:chOff x="0" y="0"/>
+          <a:chExt cx="0" cy="0"/>
+        </a:xfrm>
+      </p:grpSpPr>
+      <p:sp>
+        <p:nvSpPr>
+          <p:cNvPr id="2" name="Title 1"/>
+          <p:cNvSpPr>
+            <a:spLocks noGrp="1"/>
+          </p:cNvSpPr>
+          <p:nvPr>
+            <p:ph type="title"/>
+          </p:nvPr>
+        </p:nvSpPr>
+        <p:spPr/>
+        <p:txBody>
+          <a:bodyPr/>
+          <a:lstStyle/>
+          <a:p>
+            <a:r>
+              <a:rPr lang="en-US"/>
+              <a:t>Click to edit Master title style</a:t>
+            </a:r>
+            <a:endParaRPr lang="en-US" dirty="0"/>
+          </a:p>
+        </p:txBody>
+      </p:sp>
+      <p:sp>
+        <p:nvSpPr>
+          <p:cNvPr id="3" name="Date Placeholder 2"/>
+          <p:cNvSpPr>
+            <a:spLocks noGrp="1"/>
+          </p:cNvSpPr>
+          <p:nvPr>
+            <p:ph type="dt" sz="half" idx="10"/>
+          </p:nvPr>
+        </p:nvSpPr>
+        <p:spPr/>
+        <p:txBody>
+          <a:bodyPr/>
+          <a:lstStyle/>
+          <a:p>
+            <a:fld id="{8686350E-419E-7C4C-BD45-32442656A010}" type="datetime1">
+              <a:rPr lang="en-GB" smtClean="0"/>
+              <a:t>05/04/2020</a:t>
+            </a:fld>
+            <a:endParaRPr lang="en-US"/>
+          </a:p>
+        </p:txBody>
+      </p:sp>
+      <p:sp>
+        <p:nvSpPr>
+          <p:cNvPr id="4" name="Footer Placeholder 3"/>
+          <p:cNvSpPr>
+            <a:spLocks noGrp="1"/>
+          </p:cNvSpPr>
+          <p:nvPr>
+            <p:ph type="ftr" sz="quarter" idx="11"/>
+          </p:nvPr>
+        </p:nvSpPr>
+        <p:spPr>
+          <a:xfrm>
+            <a:off x="4038600" y="6356350"/>
+            <a:ext cx="4114800" cy="365125"/>
+          </a:xfrm>
+          <a:prstGeom prst="rect">
+            <a:avLst/>
+          </a:prstGeom>
+        </p:spPr>
+        <p:txBody>
+          <a:bodyPr/>
+          <a:lstStyle/>
+          <a:p>
+            <a:endParaRPr lang="en-US"/>
+          </a:p>
+        </p:txBody>
+      </p:sp>
+      <p:sp>
+        <p:nvSpPr>
+          <p:cNvPr id="5" name="Slide Number Placeholder 4"/>
+          <p:cNvSpPr>
+            <a:spLocks noGrp="1"/>
+          </p:cNvSpPr>
+          <p:nvPr>
+            <p:ph type="sldNum" sz="quarter" idx="12"/>
+          </p:nvPr>
+        </p:nvSpPr>
+        <p:spPr/>
+        <p:txBody>
+          <a:bodyPr/>
+          <a:lstStyle/>
+          <a:p>
+            <a:fld id="{C1FF6DA9-008F-8B48-92A6-B652298478BF}" type="slidenum">
+              <a:rPr lang="en-US" smtClean="0"/>
+              <a:t>‹#›</a:t>
+            </a:fld>
+            <a:endParaRPr lang="en-US"/>
+          </a:p>
+        </p:txBody>
+      </p:sp>
+    </p:spTree>
   </p:cSld>
   <p:clrMapOvr>
     <a:masterClrMapping/>
@@ -2546,7 +2654,7 @@
 </file>
 
 <file path=ppt/slideLayouts/slideLayout7.xml><?xml version="1.0" encoding="utf-8"?>
-<p:sldLayout xmlns:a="http://schemas.openxmlformats.org/drawingml/2006/main" xmlns:r="http://schemas.openxmlformats.org/officeDocument/2006/relationships" xmlns:p="http://schemas.openxmlformats.org/presentationml/2006/main" preserve="1" userDrawn="1">
+<p:sldLayout xmlns:a="http://schemas.openxmlformats.org/drawingml/2006/main" xmlns:r="http://schemas.openxmlformats.org/officeDocument/2006/relationships" xmlns:p="http://schemas.openxmlformats.org/presentationml/2006/main" type="blank" preserve="1">
   <p:cSld name="Blank">
     <p:spTree>
       <p:nvGrpSpPr>
@@ -2562,12 +2670,80 @@
           <a:chExt cx="0" cy="0"/>
         </a:xfrm>
       </p:grpSpPr>
+      <p:sp>
+        <p:nvSpPr>
+          <p:cNvPr id="2" name="Date Placeholder 1"/>
+          <p:cNvSpPr>
+            <a:spLocks noGrp="1"/>
+          </p:cNvSpPr>
+          <p:nvPr>
+            <p:ph type="dt" sz="half" idx="10"/>
+          </p:nvPr>
+        </p:nvSpPr>
+        <p:spPr/>
+        <p:txBody>
+          <a:bodyPr/>
+          <a:lstStyle/>
+          <a:p>
+            <a:fld id="{C2B231B4-F3B9-2E43-AEE7-50097B5E42D8}" type="datetime1">
+              <a:rPr lang="en-GB" smtClean="0"/>
+              <a:t>05/04/2020</a:t>
+            </a:fld>
+            <a:endParaRPr lang="en-US"/>
+          </a:p>
+        </p:txBody>
+      </p:sp>
+      <p:sp>
+        <p:nvSpPr>
+          <p:cNvPr id="3" name="Footer Placeholder 2"/>
+          <p:cNvSpPr>
+            <a:spLocks noGrp="1"/>
+          </p:cNvSpPr>
+          <p:nvPr>
+            <p:ph type="ftr" sz="quarter" idx="11"/>
+          </p:nvPr>
+        </p:nvSpPr>
+        <p:spPr>
+          <a:xfrm>
+            <a:off x="4038600" y="6356350"/>
+            <a:ext cx="4114800" cy="365125"/>
+          </a:xfrm>
+          <a:prstGeom prst="rect">
+            <a:avLst/>
+          </a:prstGeom>
+        </p:spPr>
+        <p:txBody>
+          <a:bodyPr/>
+          <a:lstStyle/>
+          <a:p>
+            <a:endParaRPr lang="en-US"/>
+          </a:p>
+        </p:txBody>
+      </p:sp>
+      <p:sp>
+        <p:nvSpPr>
+          <p:cNvPr id="4" name="Slide Number Placeholder 3"/>
+          <p:cNvSpPr>
+            <a:spLocks noGrp="1"/>
+          </p:cNvSpPr>
+          <p:nvPr>
+            <p:ph type="sldNum" sz="quarter" idx="12"/>
+          </p:nvPr>
+        </p:nvSpPr>
+        <p:spPr/>
+        <p:txBody>
+          <a:bodyPr/>
+          <a:lstStyle/>
+          <a:p>
+            <a:fld id="{C1FF6DA9-008F-8B48-92A6-B652298478BF}" type="slidenum">
+              <a:rPr lang="en-US" smtClean="0"/>
+              <a:t>‹#›</a:t>
+            </a:fld>
+            <a:endParaRPr lang="en-US"/>
+          </a:p>
+        </p:txBody>
+      </p:sp>
     </p:spTree>
-    <p:extLst>
-      <p:ext uri="{BB962C8B-B14F-4D97-AF65-F5344CB8AC3E}">
-        <p14:creationId xmlns:p14="http://schemas.microsoft.com/office/powerpoint/2010/main" val="1874400036"/>
-      </p:ext>
-    </p:extLst>
   </p:cSld>
   <p:clrMapOvr>
     <a:masterClrMapping/>
@@ -2576,8 +2752,8 @@
 </file>
 
 <file path=ppt/slideLayouts/slideLayout8.xml><?xml version="1.0" encoding="utf-8"?>
-<p:sldLayout xmlns:a="http://schemas.openxmlformats.org/drawingml/2006/main" xmlns:r="http://schemas.openxmlformats.org/officeDocument/2006/relationships" xmlns:p="http://schemas.openxmlformats.org/presentationml/2006/main" preserve="1" userDrawn="1">
-  <p:cSld name="End">
+<p:sldLayout xmlns:a="http://schemas.openxmlformats.org/drawingml/2006/main" xmlns:r="http://schemas.openxmlformats.org/officeDocument/2006/relationships" xmlns:p="http://schemas.openxmlformats.org/presentationml/2006/main" type="objTx" preserve="1">
+  <p:cSld name="Content with Caption">
     <p:spTree>
       <p:nvGrpSpPr>
         <p:cNvPr id="1" name=""/>
@@ -2594,207 +2770,520 @@
       </p:grpSpPr>
       <p:sp>
         <p:nvSpPr>
-          <p:cNvPr id="4" name="Rectangle 3"/>
-          <p:cNvSpPr/>
-          <p:nvPr userDrawn="1"/>
-        </p:nvSpPr>
-        <p:spPr>
-          <a:xfrm>
-            <a:off x="0" y="0"/>
-            <a:ext cx="12192000" cy="6858000"/>
+          <p:cNvPr id="2" name="Title 1"/>
+          <p:cNvSpPr>
+            <a:spLocks noGrp="1"/>
+          </p:cNvSpPr>
+          <p:nvPr>
+            <p:ph type="title"/>
+          </p:nvPr>
+        </p:nvSpPr>
+        <p:spPr>
+          <a:xfrm>
+            <a:off x="839788" y="457200"/>
+            <a:ext cx="3932237" cy="1600200"/>
+          </a:xfrm>
+        </p:spPr>
+        <p:txBody>
+          <a:bodyPr anchor="b"/>
+          <a:lstStyle>
+            <a:lvl1pPr>
+              <a:defRPr sz="3200"/>
+            </a:lvl1pPr>
+          </a:lstStyle>
+          <a:p>
+            <a:r>
+              <a:rPr lang="en-US"/>
+              <a:t>Click to edit Master title style</a:t>
+            </a:r>
+            <a:endParaRPr lang="en-US" dirty="0"/>
+          </a:p>
+        </p:txBody>
+      </p:sp>
+      <p:sp>
+        <p:nvSpPr>
+          <p:cNvPr id="3" name="Content Placeholder 2"/>
+          <p:cNvSpPr>
+            <a:spLocks noGrp="1"/>
+          </p:cNvSpPr>
+          <p:nvPr>
+            <p:ph idx="1"/>
+          </p:nvPr>
+        </p:nvSpPr>
+        <p:spPr>
+          <a:xfrm>
+            <a:off x="5183188" y="987425"/>
+            <a:ext cx="6172200" cy="4873625"/>
+          </a:xfrm>
+        </p:spPr>
+        <p:txBody>
+          <a:bodyPr/>
+          <a:lstStyle>
+            <a:lvl1pPr>
+              <a:defRPr sz="3200"/>
+            </a:lvl1pPr>
+            <a:lvl2pPr>
+              <a:defRPr sz="2800"/>
+            </a:lvl2pPr>
+            <a:lvl3pPr>
+              <a:defRPr sz="2400"/>
+            </a:lvl3pPr>
+            <a:lvl4pPr>
+              <a:defRPr sz="2000"/>
+            </a:lvl4pPr>
+            <a:lvl5pPr>
+              <a:defRPr sz="2000"/>
+            </a:lvl5pPr>
+            <a:lvl6pPr>
+              <a:defRPr sz="2000"/>
+            </a:lvl6pPr>
+            <a:lvl7pPr>
+              <a:defRPr sz="2000"/>
+            </a:lvl7pPr>
+            <a:lvl8pPr>
+              <a:defRPr sz="2000"/>
+            </a:lvl8pPr>
+            <a:lvl9pPr>
+              <a:defRPr sz="2000"/>
+            </a:lvl9pPr>
+          </a:lstStyle>
+          <a:p>
+            <a:pPr lvl="0"/>
+            <a:r>
+              <a:rPr lang="en-US"/>
+              <a:t>Click to edit Master text styles</a:t>
+            </a:r>
+          </a:p>
+          <a:p>
+            <a:pPr lvl="1"/>
+            <a:r>
+              <a:rPr lang="en-US"/>
+              <a:t>Second level</a:t>
+            </a:r>
+          </a:p>
+          <a:p>
+            <a:pPr lvl="2"/>
+            <a:r>
+              <a:rPr lang="en-US"/>
+              <a:t>Third level</a:t>
+            </a:r>
+          </a:p>
+          <a:p>
+            <a:pPr lvl="3"/>
+            <a:r>
+              <a:rPr lang="en-US"/>
+              <a:t>Fourth level</a:t>
+            </a:r>
+          </a:p>
+          <a:p>
+            <a:pPr lvl="4"/>
+            <a:r>
+              <a:rPr lang="en-US"/>
+              <a:t>Fifth level</a:t>
+            </a:r>
+            <a:endParaRPr lang="en-US" dirty="0"/>
+          </a:p>
+        </p:txBody>
+      </p:sp>
+      <p:sp>
+        <p:nvSpPr>
+          <p:cNvPr id="4" name="Text Placeholder 3"/>
+          <p:cNvSpPr>
+            <a:spLocks noGrp="1"/>
+          </p:cNvSpPr>
+          <p:nvPr>
+            <p:ph type="body" sz="half" idx="2"/>
+          </p:nvPr>
+        </p:nvSpPr>
+        <p:spPr>
+          <a:xfrm>
+            <a:off x="839788" y="2057400"/>
+            <a:ext cx="3932237" cy="3811588"/>
+          </a:xfrm>
+        </p:spPr>
+        <p:txBody>
+          <a:bodyPr/>
+          <a:lstStyle>
+            <a:lvl1pPr marL="0" indent="0">
+              <a:buNone/>
+              <a:defRPr sz="1600"/>
+            </a:lvl1pPr>
+            <a:lvl2pPr marL="457200" indent="0">
+              <a:buNone/>
+              <a:defRPr sz="1400"/>
+            </a:lvl2pPr>
+            <a:lvl3pPr marL="914400" indent="0">
+              <a:buNone/>
+              <a:defRPr sz="1200"/>
+            </a:lvl3pPr>
+            <a:lvl4pPr marL="1371600" indent="0">
+              <a:buNone/>
+              <a:defRPr sz="1000"/>
+            </a:lvl4pPr>
+            <a:lvl5pPr marL="1828800" indent="0">
+              <a:buNone/>
+              <a:defRPr sz="1000"/>
+            </a:lvl5pPr>
+            <a:lvl6pPr marL="2286000" indent="0">
+              <a:buNone/>
+              <a:defRPr sz="1000"/>
+            </a:lvl6pPr>
+            <a:lvl7pPr marL="2743200" indent="0">
+              <a:buNone/>
+              <a:defRPr sz="1000"/>
+            </a:lvl7pPr>
+            <a:lvl8pPr marL="3200400" indent="0">
+              <a:buNone/>
+              <a:defRPr sz="1000"/>
+            </a:lvl8pPr>
+            <a:lvl9pPr marL="3657600" indent="0">
+              <a:buNone/>
+              <a:defRPr sz="1000"/>
+            </a:lvl9pPr>
+          </a:lstStyle>
+          <a:p>
+            <a:pPr lvl="0"/>
+            <a:r>
+              <a:rPr lang="en-US"/>
+              <a:t>Click to edit Master text styles</a:t>
+            </a:r>
+          </a:p>
+        </p:txBody>
+      </p:sp>
+      <p:sp>
+        <p:nvSpPr>
+          <p:cNvPr id="5" name="Date Placeholder 4"/>
+          <p:cNvSpPr>
+            <a:spLocks noGrp="1"/>
+          </p:cNvSpPr>
+          <p:nvPr>
+            <p:ph type="dt" sz="half" idx="10"/>
+          </p:nvPr>
+        </p:nvSpPr>
+        <p:spPr/>
+        <p:txBody>
+          <a:bodyPr/>
+          <a:lstStyle/>
+          <a:p>
+            <a:fld id="{BA606DA0-7E1E-D24A-B31F-F1C778CBD10F}" type="datetime1">
+              <a:rPr lang="en-GB" smtClean="0"/>
+              <a:t>05/04/2020</a:t>
+            </a:fld>
+            <a:endParaRPr lang="en-US"/>
+          </a:p>
+        </p:txBody>
+      </p:sp>
+      <p:sp>
+        <p:nvSpPr>
+          <p:cNvPr id="6" name="Footer Placeholder 5"/>
+          <p:cNvSpPr>
+            <a:spLocks noGrp="1"/>
+          </p:cNvSpPr>
+          <p:nvPr>
+            <p:ph type="ftr" sz="quarter" idx="11"/>
+          </p:nvPr>
+        </p:nvSpPr>
+        <p:spPr>
+          <a:xfrm>
+            <a:off x="4038600" y="6356350"/>
+            <a:ext cx="4114800" cy="365125"/>
           </a:xfrm>
           <a:prstGeom prst="rect">
             <a:avLst/>
           </a:prstGeom>
-          <a:solidFill>
-            <a:schemeClr val="accent2"/>
-          </a:solidFill>
-          <a:ln>
-            <a:noFill/>
-          </a:ln>
-          <a:effectLst/>
-        </p:spPr>
-        <p:style>
-          <a:lnRef idx="1">
-            <a:schemeClr val="accent1"/>
-          </a:lnRef>
-          <a:fillRef idx="3">
-            <a:schemeClr val="accent1"/>
-          </a:fillRef>
-          <a:effectRef idx="2">
-            <a:schemeClr val="accent1"/>
-          </a:effectRef>
-          <a:fontRef idx="minor">
-            <a:schemeClr val="lt1"/>
-          </a:fontRef>
-        </p:style>
-        <p:txBody>
-          <a:bodyPr rtlCol="0" anchor="ctr"/>
-          <a:lstStyle/>
-          <a:p>
-            <a:pPr algn="ctr"/>
-            <a:endParaRPr lang="en-US" sz="1800"/>
-          </a:p>
-        </p:txBody>
-      </p:sp>
-      <p:sp>
-        <p:nvSpPr>
-          <p:cNvPr id="6" name="Title 1"/>
-          <p:cNvSpPr>
-            <a:spLocks noGrp="1"/>
-          </p:cNvSpPr>
-          <p:nvPr>
-            <p:ph type="ctrTitle" hasCustomPrompt="1"/>
-          </p:nvPr>
-        </p:nvSpPr>
-        <p:spPr>
-          <a:xfrm>
-            <a:off x="2926080" y="3931920"/>
-            <a:ext cx="6705600" cy="457200"/>
+        </p:spPr>
+        <p:txBody>
+          <a:bodyPr/>
+          <a:lstStyle/>
+          <a:p>
+            <a:endParaRPr lang="en-US"/>
+          </a:p>
+        </p:txBody>
+      </p:sp>
+      <p:sp>
+        <p:nvSpPr>
+          <p:cNvPr id="7" name="Slide Number Placeholder 6"/>
+          <p:cNvSpPr>
+            <a:spLocks noGrp="1"/>
+          </p:cNvSpPr>
+          <p:nvPr>
+            <p:ph type="sldNum" sz="quarter" idx="12"/>
+          </p:nvPr>
+        </p:nvSpPr>
+        <p:spPr/>
+        <p:txBody>
+          <a:bodyPr/>
+          <a:lstStyle/>
+          <a:p>
+            <a:fld id="{C1FF6DA9-008F-8B48-92A6-B652298478BF}" type="slidenum">
+              <a:rPr lang="en-US" smtClean="0"/>
+              <a:t>‹#›</a:t>
+            </a:fld>
+            <a:endParaRPr lang="en-US"/>
+          </a:p>
+        </p:txBody>
+      </p:sp>
+    </p:spTree>
+  </p:cSld>
+  <p:clrMapOvr>
+    <a:masterClrMapping/>
+  </p:clrMapOvr>
+</p:sldLayout>
+</file>
+
+<file path=ppt/slideLayouts/slideLayout9.xml><?xml version="1.0" encoding="utf-8"?>
+<p:sldLayout xmlns:a="http://schemas.openxmlformats.org/drawingml/2006/main" xmlns:r="http://schemas.openxmlformats.org/officeDocument/2006/relationships" xmlns:p="http://schemas.openxmlformats.org/presentationml/2006/main" type="picTx" preserve="1">
+  <p:cSld name="Picture with Caption">
+    <p:spTree>
+      <p:nvGrpSpPr>
+        <p:cNvPr id="1" name=""/>
+        <p:cNvGrpSpPr/>
+        <p:nvPr/>
+      </p:nvGrpSpPr>
+      <p:grpSpPr>
+        <a:xfrm>
+          <a:off x="0" y="0"/>
+          <a:ext cx="0" cy="0"/>
+          <a:chOff x="0" y="0"/>
+          <a:chExt cx="0" cy="0"/>
+        </a:xfrm>
+      </p:grpSpPr>
+      <p:sp>
+        <p:nvSpPr>
+          <p:cNvPr id="2" name="Title 1"/>
+          <p:cNvSpPr>
+            <a:spLocks noGrp="1"/>
+          </p:cNvSpPr>
+          <p:nvPr>
+            <p:ph type="title"/>
+          </p:nvPr>
+        </p:nvSpPr>
+        <p:spPr>
+          <a:xfrm>
+            <a:off x="839788" y="457200"/>
+            <a:ext cx="3932237" cy="1600200"/>
+          </a:xfrm>
+        </p:spPr>
+        <p:txBody>
+          <a:bodyPr anchor="b"/>
+          <a:lstStyle>
+            <a:lvl1pPr>
+              <a:defRPr sz="3200"/>
+            </a:lvl1pPr>
+          </a:lstStyle>
+          <a:p>
+            <a:r>
+              <a:rPr lang="en-US"/>
+              <a:t>Click to edit Master title style</a:t>
+            </a:r>
+            <a:endParaRPr lang="en-US" dirty="0"/>
+          </a:p>
+        </p:txBody>
+      </p:sp>
+      <p:sp>
+        <p:nvSpPr>
+          <p:cNvPr id="3" name="Picture Placeholder 2"/>
+          <p:cNvSpPr>
+            <a:spLocks noGrp="1" noChangeAspect="1"/>
+          </p:cNvSpPr>
+          <p:nvPr>
+            <p:ph type="pic" idx="1"/>
+          </p:nvPr>
+        </p:nvSpPr>
+        <p:spPr>
+          <a:xfrm>
+            <a:off x="5183188" y="987425"/>
+            <a:ext cx="6172200" cy="4873625"/>
+          </a:xfrm>
+        </p:spPr>
+        <p:txBody>
+          <a:bodyPr anchor="t"/>
+          <a:lstStyle>
+            <a:lvl1pPr marL="0" indent="0">
+              <a:buNone/>
+              <a:defRPr sz="3200"/>
+            </a:lvl1pPr>
+            <a:lvl2pPr marL="457200" indent="0">
+              <a:buNone/>
+              <a:defRPr sz="2800"/>
+            </a:lvl2pPr>
+            <a:lvl3pPr marL="914400" indent="0">
+              <a:buNone/>
+              <a:defRPr sz="2400"/>
+            </a:lvl3pPr>
+            <a:lvl4pPr marL="1371600" indent="0">
+              <a:buNone/>
+              <a:defRPr sz="2000"/>
+            </a:lvl4pPr>
+            <a:lvl5pPr marL="1828800" indent="0">
+              <a:buNone/>
+              <a:defRPr sz="2000"/>
+            </a:lvl5pPr>
+            <a:lvl6pPr marL="2286000" indent="0">
+              <a:buNone/>
+              <a:defRPr sz="2000"/>
+            </a:lvl6pPr>
+            <a:lvl7pPr marL="2743200" indent="0">
+              <a:buNone/>
+              <a:defRPr sz="2000"/>
+            </a:lvl7pPr>
+            <a:lvl8pPr marL="3200400" indent="0">
+              <a:buNone/>
+              <a:defRPr sz="2000"/>
+            </a:lvl8pPr>
+            <a:lvl9pPr marL="3657600" indent="0">
+              <a:buNone/>
+              <a:defRPr sz="2000"/>
+            </a:lvl9pPr>
+          </a:lstStyle>
+          <a:p>
+            <a:r>
+              <a:rPr lang="en-US"/>
+              <a:t>Drag picture to placeholder or click icon to add</a:t>
+            </a:r>
+            <a:endParaRPr lang="en-US" dirty="0"/>
+          </a:p>
+        </p:txBody>
+      </p:sp>
+      <p:sp>
+        <p:nvSpPr>
+          <p:cNvPr id="4" name="Text Placeholder 3"/>
+          <p:cNvSpPr>
+            <a:spLocks noGrp="1"/>
+          </p:cNvSpPr>
+          <p:nvPr>
+            <p:ph type="body" sz="half" idx="2"/>
+          </p:nvPr>
+        </p:nvSpPr>
+        <p:spPr>
+          <a:xfrm>
+            <a:off x="839788" y="2057400"/>
+            <a:ext cx="3932237" cy="3811588"/>
+          </a:xfrm>
+        </p:spPr>
+        <p:txBody>
+          <a:bodyPr/>
+          <a:lstStyle>
+            <a:lvl1pPr marL="0" indent="0">
+              <a:buNone/>
+              <a:defRPr sz="1600"/>
+            </a:lvl1pPr>
+            <a:lvl2pPr marL="457200" indent="0">
+              <a:buNone/>
+              <a:defRPr sz="1400"/>
+            </a:lvl2pPr>
+            <a:lvl3pPr marL="914400" indent="0">
+              <a:buNone/>
+              <a:defRPr sz="1200"/>
+            </a:lvl3pPr>
+            <a:lvl4pPr marL="1371600" indent="0">
+              <a:buNone/>
+              <a:defRPr sz="1000"/>
+            </a:lvl4pPr>
+            <a:lvl5pPr marL="1828800" indent="0">
+              <a:buNone/>
+              <a:defRPr sz="1000"/>
+            </a:lvl5pPr>
+            <a:lvl6pPr marL="2286000" indent="0">
+              <a:buNone/>
+              <a:defRPr sz="1000"/>
+            </a:lvl6pPr>
+            <a:lvl7pPr marL="2743200" indent="0">
+              <a:buNone/>
+              <a:defRPr sz="1000"/>
+            </a:lvl7pPr>
+            <a:lvl8pPr marL="3200400" indent="0">
+              <a:buNone/>
+              <a:defRPr sz="1000"/>
+            </a:lvl8pPr>
+            <a:lvl9pPr marL="3657600" indent="0">
+              <a:buNone/>
+              <a:defRPr sz="1000"/>
+            </a:lvl9pPr>
+          </a:lstStyle>
+          <a:p>
+            <a:pPr lvl="0"/>
+            <a:r>
+              <a:rPr lang="en-US"/>
+              <a:t>Click to edit Master text styles</a:t>
+            </a:r>
+          </a:p>
+        </p:txBody>
+      </p:sp>
+      <p:sp>
+        <p:nvSpPr>
+          <p:cNvPr id="5" name="Date Placeholder 4"/>
+          <p:cNvSpPr>
+            <a:spLocks noGrp="1"/>
+          </p:cNvSpPr>
+          <p:nvPr>
+            <p:ph type="dt" sz="half" idx="10"/>
+          </p:nvPr>
+        </p:nvSpPr>
+        <p:spPr/>
+        <p:txBody>
+          <a:bodyPr/>
+          <a:lstStyle/>
+          <a:p>
+            <a:fld id="{9DF9E593-3AEE-9148-B659-A83BC92509F8}" type="datetime1">
+              <a:rPr lang="en-GB" smtClean="0"/>
+              <a:t>05/04/2020</a:t>
+            </a:fld>
+            <a:endParaRPr lang="en-US"/>
+          </a:p>
+        </p:txBody>
+      </p:sp>
+      <p:sp>
+        <p:nvSpPr>
+          <p:cNvPr id="6" name="Footer Placeholder 5"/>
+          <p:cNvSpPr>
+            <a:spLocks noGrp="1"/>
+          </p:cNvSpPr>
+          <p:nvPr>
+            <p:ph type="ftr" sz="quarter" idx="11"/>
+          </p:nvPr>
+        </p:nvSpPr>
+        <p:spPr>
+          <a:xfrm>
+            <a:off x="4038600" y="6356350"/>
+            <a:ext cx="4114800" cy="365125"/>
           </a:xfrm>
           <a:prstGeom prst="rect">
             <a:avLst/>
           </a:prstGeom>
         </p:spPr>
         <p:txBody>
-          <a:bodyPr lIns="0" tIns="0" rIns="0" bIns="0">
-            <a:noAutofit/>
-          </a:bodyPr>
-          <a:lstStyle>
-            <a:lvl1pPr algn="l">
-              <a:defRPr sz="2800" b="1">
-                <a:solidFill>
-                  <a:srgbClr val="FFFFFF"/>
-                </a:solidFill>
-              </a:defRPr>
-            </a:lvl1pPr>
-          </a:lstStyle>
-          <a:p>
-            <a:r>
-              <a:rPr lang="en-US" dirty="0"/>
-              <a:t>Enter Text</a:t>
-            </a:r>
-          </a:p>
-        </p:txBody>
-      </p:sp>
-      <p:pic>
-        <p:nvPicPr>
-          <p:cNvPr id="7" name="Picture 6"/>
-          <p:cNvPicPr>
-            <a:picLocks noChangeAspect="1"/>
-          </p:cNvPicPr>
-          <p:nvPr userDrawn="1"/>
-        </p:nvPicPr>
-        <p:blipFill>
-          <a:blip r:embed="rId2">
-            <a:extLst>
-              <a:ext uri="{28A0092B-C50C-407E-A947-70E740481C1C}">
-                <a14:useLocalDpi xmlns:a14="http://schemas.microsoft.com/office/drawing/2010/main"/>
-              </a:ext>
-            </a:extLst>
-          </a:blip>
-          <a:stretch>
-            <a:fillRect/>
-          </a:stretch>
-        </p:blipFill>
-        <p:spPr>
-          <a:xfrm>
-            <a:off x="2022123" y="1433615"/>
-            <a:ext cx="3342357" cy="2468880"/>
-          </a:xfrm>
-          <a:prstGeom prst="rect">
-            <a:avLst/>
-          </a:prstGeom>
-        </p:spPr>
-      </p:pic>
-      <p:pic>
-        <p:nvPicPr>
-          <p:cNvPr id="8" name="Picture 7" descr="cloud_only copy.png"/>
-          <p:cNvPicPr>
-            <a:picLocks noChangeAspect="1"/>
-          </p:cNvPicPr>
-          <p:nvPr userDrawn="1"/>
-        </p:nvPicPr>
-        <p:blipFill rotWithShape="1">
-          <a:blip r:embed="rId3" cstate="screen">
-            <a:alphaModFix/>
-            <a:extLst>
-              <a:ext uri="{28A0092B-C50C-407E-A947-70E740481C1C}">
-                <a14:useLocalDpi xmlns:a14="http://schemas.microsoft.com/office/drawing/2010/main"/>
-              </a:ext>
-            </a:extLst>
-          </a:blip>
-          <a:srcRect l="-2" r="-749"/>
-          <a:stretch/>
-        </p:blipFill>
-        <p:spPr>
-          <a:xfrm>
-            <a:off x="315861" y="6080760"/>
-            <a:ext cx="659499" cy="448242"/>
-          </a:xfrm>
-          <a:prstGeom prst="rect">
-            <a:avLst/>
-          </a:prstGeom>
-        </p:spPr>
-      </p:pic>
-      <p:sp>
-        <p:nvSpPr>
-          <p:cNvPr id="9" name="TextBox 8"/>
-          <p:cNvSpPr txBox="1"/>
-          <p:nvPr userDrawn="1"/>
-        </p:nvSpPr>
-        <p:spPr>
-          <a:xfrm>
-            <a:off x="210537" y="6492241"/>
-            <a:ext cx="3514104" cy="276999"/>
-          </a:xfrm>
-          <a:prstGeom prst="rect">
-            <a:avLst/>
-          </a:prstGeom>
-          <a:noFill/>
-        </p:spPr>
-        <p:txBody>
-          <a:bodyPr wrap="none" rtlCol="0">
-            <a:spAutoFit/>
-          </a:bodyPr>
-          <a:lstStyle/>
-          <a:p>
-            <a:pPr marL="0" marR="0" lvl="0" indent="0" algn="l" defTabSz="914400" rtl="0" eaLnBrk="1" fontAlgn="auto" latinLnBrk="0" hangingPunct="1">
-              <a:lnSpc>
-                <a:spcPct val="100000"/>
-              </a:lnSpc>
-              <a:spcBef>
-                <a:spcPts val="0"/>
-              </a:spcBef>
-              <a:spcAft>
-                <a:spcPts val="0"/>
-              </a:spcAft>
-              <a:buClrTx/>
-              <a:buSzTx/>
-              <a:buFontTx/>
-              <a:buNone/>
-              <a:tabLst/>
-              <a:defRPr/>
-            </a:pPr>
-            <a:r>
-              <a:rPr lang="en-US" sz="1200" kern="0" spc="-30" dirty="0">
-                <a:solidFill>
-                  <a:srgbClr val="FFFFFF"/>
-                </a:solidFill>
-                <a:latin typeface="+mn-lt"/>
-                <a:cs typeface="Arial"/>
-              </a:rPr>
-              <a:t>IBM High Performance On Demand for Z (HiPODZ)</a:t>
-            </a:r>
+          <a:bodyPr/>
+          <a:lstStyle/>
+          <a:p>
+            <a:endParaRPr lang="en-US"/>
+          </a:p>
+        </p:txBody>
+      </p:sp>
+      <p:sp>
+        <p:nvSpPr>
+          <p:cNvPr id="7" name="Slide Number Placeholder 6"/>
+          <p:cNvSpPr>
+            <a:spLocks noGrp="1"/>
+          </p:cNvSpPr>
+          <p:nvPr>
+            <p:ph type="sldNum" sz="quarter" idx="12"/>
+          </p:nvPr>
+        </p:nvSpPr>
+        <p:spPr/>
+        <p:txBody>
+          <a:bodyPr/>
+          <a:lstStyle/>
+          <a:p>
+            <a:fld id="{C1FF6DA9-008F-8B48-92A6-B652298478BF}" type="slidenum">
+              <a:rPr lang="en-US" smtClean="0"/>
+              <a:t>‹#›</a:t>
+            </a:fld>
+            <a:endParaRPr lang="en-US"/>
           </a:p>
         </p:txBody>
       </p:sp>
     </p:spTree>
-    <p:extLst>
-      <p:ext uri="{BB962C8B-B14F-4D97-AF65-F5344CB8AC3E}">
-        <p14:creationId xmlns:p14="http://schemas.microsoft.com/office/powerpoint/2010/main" val="2730942266"/>
-      </p:ext>
-    </p:extLst>
   </p:cSld>
   <p:clrMapOvr>
     <a:masterClrMapping/>
@@ -2826,265 +3315,257 @@
       </p:grpSpPr>
       <p:sp>
         <p:nvSpPr>
-          <p:cNvPr id="4" name="Footer Placeholder 3"/>
-          <p:cNvSpPr txBox="1">
-            <a:spLocks/>
-          </p:cNvSpPr>
-          <p:nvPr userDrawn="1"/>
-        </p:nvSpPr>
-        <p:spPr>
-          <a:xfrm>
-            <a:off x="315860" y="6492240"/>
-            <a:ext cx="3036940" cy="365125"/>
+          <p:cNvPr id="2" name="Title Placeholder 1"/>
+          <p:cNvSpPr>
+            <a:spLocks noGrp="1"/>
+          </p:cNvSpPr>
+          <p:nvPr>
+            <p:ph type="title"/>
+          </p:nvPr>
+        </p:nvSpPr>
+        <p:spPr>
+          <a:xfrm>
+            <a:off x="838200" y="365125"/>
+            <a:ext cx="10515600" cy="1325563"/>
           </a:xfrm>
           <a:prstGeom prst="rect">
             <a:avLst/>
           </a:prstGeom>
-          <a:ln w="25400" cap="flat" cmpd="sng" algn="ctr">
-            <a:solidFill>
-              <a:schemeClr val="bg1"/>
-            </a:solidFill>
-            <a:prstDash val="solid"/>
-          </a:ln>
-        </p:spPr>
-        <p:style>
-          <a:lnRef idx="2">
-            <a:schemeClr val="dk1"/>
-          </a:lnRef>
-          <a:fillRef idx="1">
-            <a:schemeClr val="lt1"/>
-          </a:fillRef>
-          <a:effectRef idx="0">
-            <a:schemeClr val="dk1"/>
-          </a:effectRef>
-          <a:fontRef idx="none"/>
-        </p:style>
-        <p:txBody>
-          <a:bodyPr vert="horz" lIns="91440" tIns="45720" rIns="91440" bIns="45720" rtlCol="0" anchor="ctr"/>
-          <a:lstStyle>
-            <a:defPPr>
-              <a:defRPr lang="en-US"/>
-            </a:defPPr>
-            <a:lvl1pPr marL="0" algn="l" defTabSz="914400" rtl="0" eaLnBrk="1" latinLnBrk="0" hangingPunct="1">
-              <a:defRPr sz="1000" kern="1200">
-                <a:solidFill>
-                  <a:schemeClr val="tx1"/>
-                </a:solidFill>
-                <a:latin typeface="+mn-lt"/>
-                <a:ea typeface="+mn-ea"/>
-                <a:cs typeface="+mn-cs"/>
-              </a:defRPr>
-            </a:lvl1pPr>
-            <a:lvl2pPr marL="457200" algn="l" defTabSz="914400" rtl="0" eaLnBrk="1" latinLnBrk="0" hangingPunct="1">
-              <a:defRPr sz="1800" kern="1200">
-                <a:solidFill>
-                  <a:schemeClr val="tx1"/>
-                </a:solidFill>
-                <a:latin typeface="+mn-lt"/>
-                <a:ea typeface="+mn-ea"/>
-                <a:cs typeface="+mn-cs"/>
-              </a:defRPr>
-            </a:lvl2pPr>
-            <a:lvl3pPr marL="914400" algn="l" defTabSz="914400" rtl="0" eaLnBrk="1" latinLnBrk="0" hangingPunct="1">
-              <a:defRPr sz="1800" kern="1200">
-                <a:solidFill>
-                  <a:schemeClr val="tx1"/>
-                </a:solidFill>
-                <a:latin typeface="+mn-lt"/>
-                <a:ea typeface="+mn-ea"/>
-                <a:cs typeface="+mn-cs"/>
-              </a:defRPr>
-            </a:lvl3pPr>
-            <a:lvl4pPr marL="1371600" algn="l" defTabSz="914400" rtl="0" eaLnBrk="1" latinLnBrk="0" hangingPunct="1">
-              <a:defRPr sz="1800" kern="1200">
-                <a:solidFill>
-                  <a:schemeClr val="tx1"/>
-                </a:solidFill>
-                <a:latin typeface="+mn-lt"/>
-                <a:ea typeface="+mn-ea"/>
-                <a:cs typeface="+mn-cs"/>
-              </a:defRPr>
-            </a:lvl4pPr>
-            <a:lvl5pPr marL="1828800" algn="l" defTabSz="914400" rtl="0" eaLnBrk="1" latinLnBrk="0" hangingPunct="1">
-              <a:defRPr sz="1800" kern="1200">
-                <a:solidFill>
-                  <a:schemeClr val="tx1"/>
-                </a:solidFill>
-                <a:latin typeface="+mn-lt"/>
-                <a:ea typeface="+mn-ea"/>
-                <a:cs typeface="+mn-cs"/>
-              </a:defRPr>
-            </a:lvl5pPr>
-            <a:lvl6pPr marL="2286000" algn="l" defTabSz="914400" rtl="0" eaLnBrk="1" latinLnBrk="0" hangingPunct="1">
-              <a:defRPr sz="1800" kern="1200">
-                <a:solidFill>
-                  <a:schemeClr val="tx1"/>
-                </a:solidFill>
-                <a:latin typeface="+mn-lt"/>
-                <a:ea typeface="+mn-ea"/>
-                <a:cs typeface="+mn-cs"/>
-              </a:defRPr>
-            </a:lvl6pPr>
-            <a:lvl7pPr marL="2743200" algn="l" defTabSz="914400" rtl="0" eaLnBrk="1" latinLnBrk="0" hangingPunct="1">
-              <a:defRPr sz="1800" kern="1200">
-                <a:solidFill>
-                  <a:schemeClr val="tx1"/>
-                </a:solidFill>
-                <a:latin typeface="+mn-lt"/>
-                <a:ea typeface="+mn-ea"/>
-                <a:cs typeface="+mn-cs"/>
-              </a:defRPr>
-            </a:lvl7pPr>
-            <a:lvl8pPr marL="3200400" algn="l" defTabSz="914400" rtl="0" eaLnBrk="1" latinLnBrk="0" hangingPunct="1">
-              <a:defRPr sz="1800" kern="1200">
-                <a:solidFill>
-                  <a:schemeClr val="tx1"/>
-                </a:solidFill>
-                <a:latin typeface="+mn-lt"/>
-                <a:ea typeface="+mn-ea"/>
-                <a:cs typeface="+mn-cs"/>
-              </a:defRPr>
-            </a:lvl8pPr>
-            <a:lvl9pPr marL="3657600" algn="l" defTabSz="914400" rtl="0" eaLnBrk="1" latinLnBrk="0" hangingPunct="1">
-              <a:defRPr sz="1800" kern="1200">
-                <a:solidFill>
-                  <a:schemeClr val="tx1"/>
-                </a:solidFill>
-                <a:latin typeface="+mn-lt"/>
-                <a:ea typeface="+mn-ea"/>
-                <a:cs typeface="+mn-cs"/>
-              </a:defRPr>
-            </a:lvl9pPr>
-          </a:lstStyle>
-          <a:p>
-            <a:endParaRPr lang="en-US" dirty="0"/>
-          </a:p>
-        </p:txBody>
-      </p:sp>
-      <p:sp>
-        <p:nvSpPr>
-          <p:cNvPr id="6" name="TextBox 5"/>
-          <p:cNvSpPr txBox="1"/>
-          <p:nvPr userDrawn="1"/>
-        </p:nvSpPr>
-        <p:spPr>
-          <a:xfrm>
-            <a:off x="10160001" y="6627885"/>
-            <a:ext cx="1148079" cy="123111"/>
+        </p:spPr>
+        <p:txBody>
+          <a:bodyPr vert="horz" lIns="91440" tIns="45720" rIns="91440" bIns="45720" rtlCol="0" anchor="ctr">
+            <a:normAutofit/>
+          </a:bodyPr>
+          <a:lstStyle/>
+          <a:p>
+            <a:r>
+              <a:rPr lang="en-US" dirty="0"/>
+              <a:t>Click to edit Master title style</a:t>
+            </a:r>
+          </a:p>
+        </p:txBody>
+      </p:sp>
+      <p:sp>
+        <p:nvSpPr>
+          <p:cNvPr id="3" name="Text Placeholder 2"/>
+          <p:cNvSpPr>
+            <a:spLocks noGrp="1"/>
+          </p:cNvSpPr>
+          <p:nvPr>
+            <p:ph type="body" idx="1"/>
+          </p:nvPr>
+        </p:nvSpPr>
+        <p:spPr>
+          <a:xfrm>
+            <a:off x="838200" y="1825625"/>
+            <a:ext cx="10515600" cy="4351338"/>
           </a:xfrm>
           <a:prstGeom prst="rect">
             <a:avLst/>
           </a:prstGeom>
-          <a:noFill/>
-        </p:spPr>
-        <p:txBody>
-          <a:bodyPr wrap="square" lIns="0" tIns="0" rIns="0" bIns="0" rtlCol="0" anchor="ctr" anchorCtr="0">
-            <a:spAutoFit/>
+        </p:spPr>
+        <p:txBody>
+          <a:bodyPr vert="horz" lIns="91440" tIns="45720" rIns="91440" bIns="45720" rtlCol="0">
+            <a:normAutofit/>
           </a:bodyPr>
           <a:lstStyle/>
           <a:p>
-            <a:pPr defTabSz="457189"/>
-            <a:r>
-              <a:rPr lang="en-US" sz="800" kern="0" spc="-31" dirty="0">
-                <a:solidFill>
-                  <a:schemeClr val="tx1"/>
-                </a:solidFill>
-                <a:cs typeface="Arial"/>
-              </a:rPr>
-              <a:t>© </a:t>
-            </a:r>
-            <a:r>
-              <a:rPr lang="is-IS" sz="800" kern="0" spc="-31" dirty="0">
-                <a:solidFill>
-                  <a:schemeClr val="tx1"/>
-                </a:solidFill>
-                <a:cs typeface="Arial"/>
-              </a:rPr>
-              <a:t>2021</a:t>
-            </a:r>
-            <a:r>
-              <a:rPr lang="en-US" sz="800" kern="0" spc="-31" dirty="0">
-                <a:solidFill>
-                  <a:schemeClr val="tx1"/>
-                </a:solidFill>
-                <a:cs typeface="Arial"/>
-              </a:rPr>
-              <a:t> IBM Corporation </a:t>
-            </a:r>
-          </a:p>
-        </p:txBody>
-      </p:sp>
-      <p:sp>
-        <p:nvSpPr>
-          <p:cNvPr id="7" name="TextBox 6"/>
-          <p:cNvSpPr txBox="1"/>
-          <p:nvPr userDrawn="1"/>
-        </p:nvSpPr>
-        <p:spPr>
-          <a:xfrm>
-            <a:off x="11643629" y="6626370"/>
-            <a:ext cx="442544" cy="123111"/>
+            <a:pPr lvl="0"/>
+            <a:r>
+              <a:rPr lang="en-US" dirty="0"/>
+              <a:t>Click to edit Master text styles</a:t>
+            </a:r>
+          </a:p>
+          <a:p>
+            <a:pPr lvl="1"/>
+            <a:r>
+              <a:rPr lang="en-US" dirty="0"/>
+              <a:t>Second level</a:t>
+            </a:r>
+          </a:p>
+          <a:p>
+            <a:pPr lvl="2"/>
+            <a:r>
+              <a:rPr lang="en-US" dirty="0"/>
+              <a:t>Third level</a:t>
+            </a:r>
+          </a:p>
+          <a:p>
+            <a:pPr lvl="3"/>
+            <a:r>
+              <a:rPr lang="en-US" dirty="0"/>
+              <a:t>Fourth level</a:t>
+            </a:r>
+          </a:p>
+          <a:p>
+            <a:pPr lvl="4"/>
+            <a:r>
+              <a:rPr lang="en-US" dirty="0"/>
+              <a:t>Fifth level</a:t>
+            </a:r>
+          </a:p>
+        </p:txBody>
+      </p:sp>
+      <p:sp>
+        <p:nvSpPr>
+          <p:cNvPr id="4" name="Date Placeholder 3"/>
+          <p:cNvSpPr>
+            <a:spLocks noGrp="1"/>
+          </p:cNvSpPr>
+          <p:nvPr>
+            <p:ph type="dt" sz="half" idx="2"/>
+          </p:nvPr>
+        </p:nvSpPr>
+        <p:spPr>
+          <a:xfrm>
+            <a:off x="838200" y="6356350"/>
+            <a:ext cx="2743200" cy="365125"/>
           </a:xfrm>
           <a:prstGeom prst="rect">
             <a:avLst/>
           </a:prstGeom>
-          <a:noFill/>
-        </p:spPr>
-        <p:txBody>
-          <a:bodyPr wrap="square" lIns="0" tIns="0" rIns="0" bIns="0" rtlCol="0" anchor="ctr" anchorCtr="0">
-            <a:spAutoFit/>
-          </a:bodyPr>
-          <a:lstStyle/>
-          <a:p>
-            <a:pPr algn="l" defTabSz="457189"/>
-            <a:fld id="{9B56CEAA-430B-E444-BEC6-7F9CF6806FD6}" type="slidenum">
-              <a:rPr lang="en-US" sz="800" kern="0" spc="-31">
+        </p:spPr>
+        <p:txBody>
+          <a:bodyPr vert="horz" lIns="91440" tIns="45720" rIns="91440" bIns="45720" rtlCol="0" anchor="ctr"/>
+          <a:lstStyle>
+            <a:lvl1pPr algn="l">
+              <a:defRPr sz="1200">
                 <a:solidFill>
-                  <a:schemeClr val="tx1"/>
+                  <a:schemeClr val="tx1">
+                    <a:tint val="75000"/>
+                  </a:schemeClr>
                 </a:solidFill>
-                <a:cs typeface="Arial"/>
-              </a:rPr>
-              <a:pPr algn="l" defTabSz="457189"/>
+              </a:defRPr>
+            </a:lvl1pPr>
+          </a:lstStyle>
+          <a:p>
+            <a:fld id="{B4F538D9-71E6-DF45-AEE6-3D5D1058FDA2}" type="datetime1">
+              <a:rPr lang="en-GB" smtClean="0"/>
+              <a:t>05/04/2020</a:t>
+            </a:fld>
+            <a:endParaRPr lang="en-US"/>
+          </a:p>
+        </p:txBody>
+      </p:sp>
+      <p:sp>
+        <p:nvSpPr>
+          <p:cNvPr id="6" name="Slide Number Placeholder 5"/>
+          <p:cNvSpPr>
+            <a:spLocks noGrp="1"/>
+          </p:cNvSpPr>
+          <p:nvPr>
+            <p:ph type="sldNum" sz="quarter" idx="4"/>
+          </p:nvPr>
+        </p:nvSpPr>
+        <p:spPr>
+          <a:xfrm>
+            <a:off x="8610600" y="6356350"/>
+            <a:ext cx="2743200" cy="365125"/>
+          </a:xfrm>
+          <a:prstGeom prst="rect">
+            <a:avLst/>
+          </a:prstGeom>
+        </p:spPr>
+        <p:txBody>
+          <a:bodyPr vert="horz" lIns="91440" tIns="45720" rIns="91440" bIns="45720" rtlCol="0" anchor="ctr"/>
+          <a:lstStyle>
+            <a:lvl1pPr algn="r">
+              <a:defRPr sz="1200">
+                <a:solidFill>
+                  <a:schemeClr val="tx1">
+                    <a:tint val="75000"/>
+                  </a:schemeClr>
+                </a:solidFill>
+              </a:defRPr>
+            </a:lvl1pPr>
+          </a:lstStyle>
+          <a:p>
+            <a:fld id="{C1FF6DA9-008F-8B48-92A6-B652298478BF}" type="slidenum">
+              <a:rPr lang="en-US" smtClean="0"/>
               <a:t>‹#›</a:t>
             </a:fld>
-            <a:endParaRPr lang="en-US" sz="800" kern="0" spc="-31">
-              <a:solidFill>
-                <a:schemeClr val="tx1"/>
-              </a:solidFill>
-              <a:cs typeface="Arial"/>
-            </a:endParaRPr>
+            <a:endParaRPr lang="en-US"/>
+          </a:p>
+        </p:txBody>
+      </p:sp>
+      <p:sp>
+        <p:nvSpPr>
+          <p:cNvPr id="7" name="Footer Placeholder 6">
+            <a:extLst>
+              <a:ext uri="{FF2B5EF4-FFF2-40B4-BE49-F238E27FC236}">
+                <a16:creationId xmlns:a16="http://schemas.microsoft.com/office/drawing/2014/main" id="{29F652B3-5D2C-0040-B40A-524F653AA22A}"/>
+              </a:ext>
+            </a:extLst>
+          </p:cNvPr>
+          <p:cNvSpPr>
+            <a:spLocks noGrp="1"/>
+          </p:cNvSpPr>
+          <p:nvPr>
+            <p:ph type="ftr" sz="quarter" idx="3"/>
+          </p:nvPr>
+        </p:nvSpPr>
+        <p:spPr>
+          <a:xfrm>
+            <a:off x="4038600" y="6356350"/>
+            <a:ext cx="4114800" cy="365125"/>
+          </a:xfrm>
+          <a:prstGeom prst="rect">
+            <a:avLst/>
+          </a:prstGeom>
+        </p:spPr>
+        <p:txBody>
+          <a:bodyPr vert="horz" lIns="91440" tIns="45720" rIns="91440" bIns="45720" rtlCol="0" anchor="ctr"/>
+          <a:lstStyle>
+            <a:lvl1pPr algn="ctr">
+              <a:defRPr sz="1200">
+                <a:solidFill>
+                  <a:schemeClr val="tx1">
+                    <a:tint val="75000"/>
+                  </a:schemeClr>
+                </a:solidFill>
+              </a:defRPr>
+            </a:lvl1pPr>
+          </a:lstStyle>
+          <a:p>
+            <a:endParaRPr lang="en-US"/>
           </a:p>
         </p:txBody>
       </p:sp>
     </p:spTree>
     <p:extLst>
       <p:ext uri="{BB962C8B-B14F-4D97-AF65-F5344CB8AC3E}">
-        <p14:creationId xmlns:p14="http://schemas.microsoft.com/office/powerpoint/2010/main" val="1708171183"/>
+        <p14:creationId xmlns:p14="http://schemas.microsoft.com/office/powerpoint/2010/main" val="1522308613"/>
       </p:ext>
     </p:extLst>
   </p:cSld>
   <p:clrMap bg1="lt1" tx1="dk1" bg2="lt2" tx2="dk2" accent1="accent1" accent2="accent2" accent3="accent3" accent4="accent4" accent5="accent5" accent6="accent6" hlink="hlink" folHlink="folHlink"/>
   <p:sldLayoutIdLst>
     <p:sldLayoutId id="2147483673" r:id="rId1"/>
-    <p:sldLayoutId id="2147483722" r:id="rId2"/>
-    <p:sldLayoutId id="2147483719" r:id="rId3"/>
-    <p:sldLayoutId id="2147483718" r:id="rId4"/>
-    <p:sldLayoutId id="2147483717" r:id="rId5"/>
-    <p:sldLayoutId id="2147483720" r:id="rId6"/>
-    <p:sldLayoutId id="2147483721" r:id="rId7"/>
-    <p:sldLayoutId id="2147483713" r:id="rId8"/>
+    <p:sldLayoutId id="2147483675" r:id="rId2"/>
+    <p:sldLayoutId id="2147483674" r:id="rId3"/>
+    <p:sldLayoutId id="2147483676" r:id="rId4"/>
+    <p:sldLayoutId id="2147483677" r:id="rId5"/>
+    <p:sldLayoutId id="2147483678" r:id="rId6"/>
+    <p:sldLayoutId id="2147483679" r:id="rId7"/>
+    <p:sldLayoutId id="2147483680" r:id="rId8"/>
+    <p:sldLayoutId id="2147483681" r:id="rId9"/>
+    <p:sldLayoutId id="2147483682" r:id="rId10"/>
+    <p:sldLayoutId id="2147483683" r:id="rId11"/>
   </p:sldLayoutIdLst>
-  <p:hf sldNum="0" hdr="0" ftr="0" dt="0"/>
+  <p:hf hdr="0" ftr="0" dt="0"/>
   <p:txStyles>
     <p:titleStyle>
-      <a:lvl1pPr algn="l" defTabSz="457189" rtl="0" eaLnBrk="1" latinLnBrk="0" hangingPunct="1">
+      <a:lvl1pPr algn="l" defTabSz="914400" rtl="0" eaLnBrk="1" latinLnBrk="0" hangingPunct="1">
+        <a:lnSpc>
+          <a:spcPct val="90000"/>
+        </a:lnSpc>
         <a:spcBef>
           <a:spcPct val="0"/>
         </a:spcBef>
         <a:buNone/>
-        <a:defRPr sz="2400" b="1" kern="0" spc="-31">
+        <a:defRPr sz="4400" kern="1200" baseline="0">
           <a:solidFill>
-            <a:schemeClr val="tx1"/>
+            <a:schemeClr val="accent1"/>
           </a:solidFill>
           <a:latin typeface="+mj-lt"/>
           <a:ea typeface="+mj-ea"/>
@@ -3093,86 +3574,50 @@
       </a:lvl1pPr>
     </p:titleStyle>
     <p:bodyStyle>
-      <a:lvl1pPr marL="342891" indent="-342891" algn="l" defTabSz="457189" rtl="0" eaLnBrk="1" latinLnBrk="0" hangingPunct="1">
+      <a:lvl1pPr marL="0" indent="-228600" algn="l" defTabSz="914400" rtl="0" eaLnBrk="1" latinLnBrk="0" hangingPunct="1">
+        <a:lnSpc>
+          <a:spcPct val="90000"/>
+        </a:lnSpc>
         <a:spcBef>
-          <a:spcPct val="20000"/>
+          <a:spcPts val="1000"/>
         </a:spcBef>
-        <a:buFont typeface="Arial"/>
+        <a:buFont typeface="Arial" panose="020B0604020202020204" pitchFamily="34" charset="0"/>
         <a:buChar char="•"/>
-        <a:defRPr sz="1600" kern="0" spc="-31">
+        <a:defRPr sz="2800" kern="1200">
           <a:solidFill>
             <a:schemeClr val="tx1"/>
           </a:solidFill>
-          <a:latin typeface="Arial"/>
+          <a:latin typeface="+mn-lt"/>
           <a:ea typeface="+mn-ea"/>
           <a:cs typeface="+mn-cs"/>
         </a:defRPr>
       </a:lvl1pPr>
-      <a:lvl2pPr marL="742932" indent="-285744" algn="l" defTabSz="457189" rtl="0" eaLnBrk="1" latinLnBrk="0" hangingPunct="1">
+      <a:lvl2pPr marL="450000" indent="-228600" algn="l" defTabSz="914400" rtl="0" eaLnBrk="1" latinLnBrk="0" hangingPunct="1">
+        <a:lnSpc>
+          <a:spcPct val="90000"/>
+        </a:lnSpc>
         <a:spcBef>
-          <a:spcPct val="20000"/>
+          <a:spcPts val="500"/>
         </a:spcBef>
-        <a:buFont typeface="Arial"/>
-        <a:buChar char="–"/>
-        <a:defRPr sz="1400" kern="0" spc="-31">
+        <a:buFont typeface="Arial" panose="020B0604020202020204" pitchFamily="34" charset="0"/>
+        <a:buChar char="•"/>
+        <a:defRPr sz="2400" kern="1200">
           <a:solidFill>
             <a:schemeClr val="tx1"/>
           </a:solidFill>
-          <a:latin typeface="Arial"/>
+          <a:latin typeface="+mn-lt"/>
           <a:ea typeface="+mn-ea"/>
           <a:cs typeface="+mn-cs"/>
         </a:defRPr>
       </a:lvl2pPr>
-      <a:lvl3pPr marL="1142971" indent="-228594" algn="l" defTabSz="457189" rtl="0" eaLnBrk="1" latinLnBrk="0" hangingPunct="1">
+      <a:lvl3pPr marL="810000" indent="-228600" algn="l" defTabSz="914400" rtl="0" eaLnBrk="1" latinLnBrk="0" hangingPunct="1">
+        <a:lnSpc>
+          <a:spcPct val="90000"/>
+        </a:lnSpc>
         <a:spcBef>
-          <a:spcPct val="20000"/>
+          <a:spcPts val="500"/>
         </a:spcBef>
-        <a:buFont typeface="Arial"/>
-        <a:buChar char="•"/>
-        <a:defRPr sz="1200" kern="0" spc="-31">
-          <a:solidFill>
-            <a:schemeClr val="tx1"/>
-          </a:solidFill>
-          <a:latin typeface="Arial"/>
-          <a:ea typeface="+mn-ea"/>
-          <a:cs typeface="+mn-cs"/>
-        </a:defRPr>
-      </a:lvl3pPr>
-      <a:lvl4pPr marL="1600160" indent="-228594" algn="l" defTabSz="457189" rtl="0" eaLnBrk="1" latinLnBrk="0" hangingPunct="1">
-        <a:spcBef>
-          <a:spcPct val="20000"/>
-        </a:spcBef>
-        <a:buFont typeface="Arial"/>
-        <a:buChar char="–"/>
-        <a:defRPr sz="1100" kern="0" spc="-31">
-          <a:solidFill>
-            <a:schemeClr val="tx1"/>
-          </a:solidFill>
-          <a:latin typeface="Arial"/>
-          <a:ea typeface="+mn-ea"/>
-          <a:cs typeface="+mn-cs"/>
-        </a:defRPr>
-      </a:lvl4pPr>
-      <a:lvl5pPr marL="2057349" indent="-228594" algn="l" defTabSz="457189" rtl="0" eaLnBrk="1" latinLnBrk="0" hangingPunct="1">
-        <a:spcBef>
-          <a:spcPct val="20000"/>
-        </a:spcBef>
-        <a:buFont typeface="Arial"/>
-        <a:buChar char="»"/>
-        <a:defRPr sz="1100" kern="0" spc="-31">
-          <a:solidFill>
-            <a:schemeClr val="tx1"/>
-          </a:solidFill>
-          <a:latin typeface="Arial"/>
-          <a:ea typeface="+mn-ea"/>
-          <a:cs typeface="+mn-cs"/>
-        </a:defRPr>
-      </a:lvl5pPr>
-      <a:lvl6pPr marL="2514537" indent="-228594" algn="l" defTabSz="457189" rtl="0" eaLnBrk="1" latinLnBrk="0" hangingPunct="1">
-        <a:spcBef>
-          <a:spcPct val="20000"/>
-        </a:spcBef>
-        <a:buFont typeface="Arial"/>
+        <a:buFont typeface="Arial" panose="020B0604020202020204" pitchFamily="34" charset="0"/>
         <a:buChar char="•"/>
         <a:defRPr sz="2000" kern="1200">
           <a:solidFill>
@@ -3182,14 +3627,71 @@
           <a:ea typeface="+mn-ea"/>
           <a:cs typeface="+mn-cs"/>
         </a:defRPr>
+      </a:lvl3pPr>
+      <a:lvl4pPr marL="1170000" indent="-228600" algn="l" defTabSz="914400" rtl="0" eaLnBrk="1" latinLnBrk="0" hangingPunct="1">
+        <a:lnSpc>
+          <a:spcPct val="90000"/>
+        </a:lnSpc>
+        <a:spcBef>
+          <a:spcPts val="500"/>
+        </a:spcBef>
+        <a:buFont typeface="Arial" panose="020B0604020202020204" pitchFamily="34" charset="0"/>
+        <a:buChar char="•"/>
+        <a:defRPr sz="1800" kern="1200">
+          <a:solidFill>
+            <a:schemeClr val="tx1"/>
+          </a:solidFill>
+          <a:latin typeface="+mn-lt"/>
+          <a:ea typeface="+mn-ea"/>
+          <a:cs typeface="+mn-cs"/>
+        </a:defRPr>
+      </a:lvl4pPr>
+      <a:lvl5pPr marL="1530000" indent="-228600" algn="l" defTabSz="914400" rtl="0" eaLnBrk="1" latinLnBrk="0" hangingPunct="1">
+        <a:lnSpc>
+          <a:spcPct val="90000"/>
+        </a:lnSpc>
+        <a:spcBef>
+          <a:spcPts val="500"/>
+        </a:spcBef>
+        <a:buFont typeface="Arial" panose="020B0604020202020204" pitchFamily="34" charset="0"/>
+        <a:buChar char="•"/>
+        <a:defRPr sz="1800" kern="1200">
+          <a:solidFill>
+            <a:schemeClr val="tx1"/>
+          </a:solidFill>
+          <a:latin typeface="+mn-lt"/>
+          <a:ea typeface="+mn-ea"/>
+          <a:cs typeface="+mn-cs"/>
+        </a:defRPr>
+      </a:lvl5pPr>
+      <a:lvl6pPr marL="2514600" indent="-228600" algn="l" defTabSz="914400" rtl="0" eaLnBrk="1" latinLnBrk="0" hangingPunct="1">
+        <a:lnSpc>
+          <a:spcPct val="90000"/>
+        </a:lnSpc>
+        <a:spcBef>
+          <a:spcPts val="500"/>
+        </a:spcBef>
+        <a:buFont typeface="Arial" panose="020B0604020202020204" pitchFamily="34" charset="0"/>
+        <a:buChar char="•"/>
+        <a:defRPr sz="1800" kern="1200">
+          <a:solidFill>
+            <a:schemeClr val="tx1"/>
+          </a:solidFill>
+          <a:latin typeface="+mn-lt"/>
+          <a:ea typeface="+mn-ea"/>
+          <a:cs typeface="+mn-cs"/>
+        </a:defRPr>
       </a:lvl6pPr>
-      <a:lvl7pPr marL="2971726" indent="-228594" algn="l" defTabSz="457189" rtl="0" eaLnBrk="1" latinLnBrk="0" hangingPunct="1">
+      <a:lvl7pPr marL="2971800" indent="-228600" algn="l" defTabSz="914400" rtl="0" eaLnBrk="1" latinLnBrk="0" hangingPunct="1">
+        <a:lnSpc>
+          <a:spcPct val="90000"/>
+        </a:lnSpc>
         <a:spcBef>
-          <a:spcPct val="20000"/>
+          <a:spcPts val="500"/>
         </a:spcBef>
-        <a:buFont typeface="Arial"/>
+        <a:buFont typeface="Arial" panose="020B0604020202020204" pitchFamily="34" charset="0"/>
         <a:buChar char="•"/>
-        <a:defRPr sz="2000" kern="1200">
+        <a:defRPr sz="1800" kern="1200">
           <a:solidFill>
             <a:schemeClr val="tx1"/>
           </a:solidFill>
@@ -3198,13 +3700,16 @@
           <a:cs typeface="+mn-cs"/>
         </a:defRPr>
       </a:lvl7pPr>
-      <a:lvl8pPr marL="3428914" indent="-228594" algn="l" defTabSz="457189" rtl="0" eaLnBrk="1" latinLnBrk="0" hangingPunct="1">
+      <a:lvl8pPr marL="3429000" indent="-228600" algn="l" defTabSz="914400" rtl="0" eaLnBrk="1" latinLnBrk="0" hangingPunct="1">
+        <a:lnSpc>
+          <a:spcPct val="90000"/>
+        </a:lnSpc>
         <a:spcBef>
-          <a:spcPct val="20000"/>
+          <a:spcPts val="500"/>
         </a:spcBef>
-        <a:buFont typeface="Arial"/>
+        <a:buFont typeface="Arial" panose="020B0604020202020204" pitchFamily="34" charset="0"/>
         <a:buChar char="•"/>
-        <a:defRPr sz="2000" kern="1200">
+        <a:defRPr sz="1800" kern="1200">
           <a:solidFill>
             <a:schemeClr val="tx1"/>
           </a:solidFill>
@@ -3213,13 +3718,16 @@
           <a:cs typeface="+mn-cs"/>
         </a:defRPr>
       </a:lvl8pPr>
-      <a:lvl9pPr marL="3886103" indent="-228594" algn="l" defTabSz="457189" rtl="0" eaLnBrk="1" latinLnBrk="0" hangingPunct="1">
+      <a:lvl9pPr marL="3886200" indent="-228600" algn="l" defTabSz="914400" rtl="0" eaLnBrk="1" latinLnBrk="0" hangingPunct="1">
+        <a:lnSpc>
+          <a:spcPct val="90000"/>
+        </a:lnSpc>
         <a:spcBef>
-          <a:spcPct val="20000"/>
+          <a:spcPts val="500"/>
         </a:spcBef>
-        <a:buFont typeface="Arial"/>
+        <a:buFont typeface="Arial" panose="020B0604020202020204" pitchFamily="34" charset="0"/>
         <a:buChar char="•"/>
-        <a:defRPr sz="2000" kern="1200">
+        <a:defRPr sz="1800" kern="1200">
           <a:solidFill>
             <a:schemeClr val="tx1"/>
           </a:solidFill>
@@ -3233,7 +3741,7 @@
       <a:defPPr>
         <a:defRPr lang="en-US"/>
       </a:defPPr>
-      <a:lvl1pPr marL="0" algn="l" defTabSz="457189" rtl="0" eaLnBrk="1" latinLnBrk="0" hangingPunct="1">
+      <a:lvl1pPr marL="0" algn="l" defTabSz="914400" rtl="0" eaLnBrk="1" latinLnBrk="0" hangingPunct="1">
         <a:defRPr sz="1800" kern="1200">
           <a:solidFill>
             <a:schemeClr val="tx1"/>
@@ -3243,7 +3751,7 @@
           <a:cs typeface="+mn-cs"/>
         </a:defRPr>
       </a:lvl1pPr>
-      <a:lvl2pPr marL="457189" algn="l" defTabSz="457189" rtl="0" eaLnBrk="1" latinLnBrk="0" hangingPunct="1">
+      <a:lvl2pPr marL="457200" algn="l" defTabSz="914400" rtl="0" eaLnBrk="1" latinLnBrk="0" hangingPunct="1">
         <a:defRPr sz="1800" kern="1200">
           <a:solidFill>
             <a:schemeClr val="tx1"/>
@@ -3253,7 +3761,7 @@
           <a:cs typeface="+mn-cs"/>
         </a:defRPr>
       </a:lvl2pPr>
-      <a:lvl3pPr marL="914377" algn="l" defTabSz="457189" rtl="0" eaLnBrk="1" latinLnBrk="0" hangingPunct="1">
+      <a:lvl3pPr marL="914400" algn="l" defTabSz="914400" rtl="0" eaLnBrk="1" latinLnBrk="0" hangingPunct="1">
         <a:defRPr sz="1800" kern="1200">
           <a:solidFill>
             <a:schemeClr val="tx1"/>
@@ -3263,7 +3771,7 @@
           <a:cs typeface="+mn-cs"/>
         </a:defRPr>
       </a:lvl3pPr>
-      <a:lvl4pPr marL="1371566" algn="l" defTabSz="457189" rtl="0" eaLnBrk="1" latinLnBrk="0" hangingPunct="1">
+      <a:lvl4pPr marL="1371600" algn="l" defTabSz="914400" rtl="0" eaLnBrk="1" latinLnBrk="0" hangingPunct="1">
         <a:defRPr sz="1800" kern="1200">
           <a:solidFill>
             <a:schemeClr val="tx1"/>
@@ -3273,7 +3781,7 @@
           <a:cs typeface="+mn-cs"/>
         </a:defRPr>
       </a:lvl4pPr>
-      <a:lvl5pPr marL="1828754" algn="l" defTabSz="457189" rtl="0" eaLnBrk="1" latinLnBrk="0" hangingPunct="1">
+      <a:lvl5pPr marL="1828800" algn="l" defTabSz="914400" rtl="0" eaLnBrk="1" latinLnBrk="0" hangingPunct="1">
         <a:defRPr sz="1800" kern="1200">
           <a:solidFill>
             <a:schemeClr val="tx1"/>
@@ -3283,7 +3791,7 @@
           <a:cs typeface="+mn-cs"/>
         </a:defRPr>
       </a:lvl5pPr>
-      <a:lvl6pPr marL="2285943" algn="l" defTabSz="457189" rtl="0" eaLnBrk="1" latinLnBrk="0" hangingPunct="1">
+      <a:lvl6pPr marL="2286000" algn="l" defTabSz="914400" rtl="0" eaLnBrk="1" latinLnBrk="0" hangingPunct="1">
         <a:defRPr sz="1800" kern="1200">
           <a:solidFill>
             <a:schemeClr val="tx1"/>
@@ -3293,7 +3801,7 @@
           <a:cs typeface="+mn-cs"/>
         </a:defRPr>
       </a:lvl6pPr>
-      <a:lvl7pPr marL="2743131" algn="l" defTabSz="457189" rtl="0" eaLnBrk="1" latinLnBrk="0" hangingPunct="1">
+      <a:lvl7pPr marL="2743200" algn="l" defTabSz="914400" rtl="0" eaLnBrk="1" latinLnBrk="0" hangingPunct="1">
         <a:defRPr sz="1800" kern="1200">
           <a:solidFill>
             <a:schemeClr val="tx1"/>
@@ -3303,7 +3811,7 @@
           <a:cs typeface="+mn-cs"/>
         </a:defRPr>
       </a:lvl7pPr>
-      <a:lvl8pPr marL="3200320" algn="l" defTabSz="457189" rtl="0" eaLnBrk="1" latinLnBrk="0" hangingPunct="1">
+      <a:lvl8pPr marL="3200400" algn="l" defTabSz="914400" rtl="0" eaLnBrk="1" latinLnBrk="0" hangingPunct="1">
         <a:defRPr sz="1800" kern="1200">
           <a:solidFill>
             <a:schemeClr val="tx1"/>
@@ -3313,7 +3821,7 @@
           <a:cs typeface="+mn-cs"/>
         </a:defRPr>
       </a:lvl8pPr>
-      <a:lvl9pPr marL="3657509" algn="l" defTabSz="457189" rtl="0" eaLnBrk="1" latinLnBrk="0" hangingPunct="1">
+      <a:lvl9pPr marL="3657600" algn="l" defTabSz="914400" rtl="0" eaLnBrk="1" latinLnBrk="0" hangingPunct="1">
         <a:defRPr sz="1800" kern="1200">
           <a:solidFill>
             <a:schemeClr val="tx1"/>
@@ -3347,10 +3855,72 @@
       </p:grpSpPr>
       <p:sp>
         <p:nvSpPr>
-          <p:cNvPr id="8" name="Text Placeholder 7">
+          <p:cNvPr id="2" name="Title 1"/>
+          <p:cNvSpPr>
+            <a:spLocks noGrp="1"/>
+          </p:cNvSpPr>
+          <p:nvPr>
+            <p:ph type="title"/>
+          </p:nvPr>
+        </p:nvSpPr>
+        <p:spPr>
+          <a:xfrm>
+            <a:off x="182880" y="182880"/>
+            <a:ext cx="11826240" cy="381000"/>
+          </a:xfrm>
+        </p:spPr>
+        <p:txBody>
+          <a:bodyPr anchor="t">
+            <a:normAutofit/>
+          </a:bodyPr>
+          <a:lstStyle/>
+          <a:p>
+            <a:pPr>
+              <a:defRPr sz="3000"/>
+            </a:pPr>
+            <a:r>
+              <a:t>md2pptx Markdown To Powerpoint Converter 1.8.1 10 February, 2021</a:t>
+            </a:r>
+            <a:br/>
+            <a:r>
+              <a:t>Presentation built: 10:55 on 13 February, 2021</a:t>
+            </a:r>
+            <a:endParaRPr lang="en-US"/>
+          </a:p>
+        </p:txBody>
+      </p:sp>
+      <p:sp>
+        <p:nvSpPr>
+          <p:cNvPr id="3" name="Content Placeholder 2"/>
+          <p:cNvSpPr>
+            <a:spLocks noGrp="1"/>
+          </p:cNvSpPr>
+          <p:nvPr>
+            <p:ph idx="1"/>
+          </p:nvPr>
+        </p:nvSpPr>
+        <p:spPr>
+          <a:xfrm>
+            <a:off x="2152650" y="914400"/>
+            <a:ext cx="7886700" cy="383182"/>
+          </a:xfrm>
+        </p:spPr>
+        <p:txBody>
+          <a:bodyPr>
+            <a:normAutofit fontScale="85000" lnSpcReduction="20000"/>
+          </a:bodyPr>
+          <a:lstStyle/>
+          <a:p>
+            <a:endParaRPr lang="en-US"/>
+          </a:p>
+        </p:txBody>
+      </p:sp>
+      <p:sp>
+        <p:nvSpPr>
+          <p:cNvPr id="4" name="Slide Number Placeholder 3">
             <a:extLst>
               <a:ext uri="{FF2B5EF4-FFF2-40B4-BE49-F238E27FC236}">
-                <a16:creationId xmlns:a16="http://schemas.microsoft.com/office/drawing/2014/main" id="{37298EAA-8396-DE43-BE0F-7974809FD8A9}"/>
+                <a16:creationId xmlns:a16="http://schemas.microsoft.com/office/drawing/2014/main" id="{C556C224-A300-9F4C-8BF6-F1D5590886FE}"/>
               </a:ext>
             </a:extLst>
           </p:cNvPr>
@@ -3358,47 +3928,7 @@
             <a:spLocks noGrp="1"/>
           </p:cNvSpPr>
           <p:nvPr>
-            <p:ph type="body" sz="quarter" idx="12"/>
-          </p:nvPr>
-        </p:nvSpPr>
-        <p:spPr>
-          <a:xfrm>
-            <a:off x="182880" y="182880"/>
-            <a:ext cx="11826240" cy="381000"/>
-          </a:xfrm>
-        </p:spPr>
-        <p:txBody>
-          <a:bodyPr anchor="t"/>
-          <a:lstStyle/>
-          <a:p>
-            <a:pPr>
-              <a:defRPr sz="3000"/>
-            </a:pPr>
-            <a:r>
-              <a:t>md2pptx Markdown To Powerpoint Converter 1.8.1 10 February, 2021</a:t>
-            </a:r>
-            <a:br/>
-            <a:r>
-              <a:t>Presentation built: 20:16 on 10 February, 2021</a:t>
-            </a:r>
-            <a:endParaRPr lang="en-US" dirty="0"/>
-          </a:p>
-        </p:txBody>
-      </p:sp>
-      <p:sp>
-        <p:nvSpPr>
-          <p:cNvPr id="9" name="Text Placeholder 8">
-            <a:extLst>
-              <a:ext uri="{FF2B5EF4-FFF2-40B4-BE49-F238E27FC236}">
-                <a16:creationId xmlns:a16="http://schemas.microsoft.com/office/drawing/2014/main" id="{AA01A9AB-54B3-FC4F-8DCD-15FB86AAD49C}"/>
-              </a:ext>
-            </a:extLst>
-          </p:cNvPr>
-          <p:cNvSpPr>
-            <a:spLocks noGrp="1"/>
-          </p:cNvSpPr>
-          <p:nvPr>
-            <p:ph type="body" sz="quarter" idx="19"/>
+            <p:ph type="sldNum" sz="quarter" idx="12"/>
           </p:nvPr>
         </p:nvSpPr>
         <p:spPr/>
@@ -3406,13 +3936,17 @@
           <a:bodyPr/>
           <a:lstStyle/>
           <a:p>
-            <a:endParaRPr lang="en-US" dirty="0"/>
+            <a:fld id="{C1FF6DA9-008F-8B48-92A6-B652298478BF}" type="slidenum">
+              <a:rPr lang="en-US" smtClean="0"/>
+              <a:t>1</a:t>
+            </a:fld>
+            <a:endParaRPr lang="en-US"/>
           </a:p>
         </p:txBody>
       </p:sp>
       <p:graphicFrame>
         <p:nvGraphicFramePr>
-          <p:cNvPr id="10" name="Table 9"/>
+          <p:cNvPr id="5" name="Table 4"/>
           <p:cNvGraphicFramePr>
             <a:graphicFrameLocks noGrp="1"/>
           </p:cNvGraphicFramePr>
@@ -3420,7 +3954,7 @@
         </p:nvGraphicFramePr>
         <p:xfrm>
           <a:off x="182880" y="1112520"/>
-          <a:ext cx="11826240" cy="1828800"/>
+          <a:ext cx="11826240" cy="1600200"/>
         </p:xfrm>
         <a:graphic>
           <a:graphicData uri="http://schemas.openxmlformats.org/drawingml/2006/table">
@@ -3458,38 +3992,6 @@
                       </a:pPr>
                       <a:r>
                         <a:t>Martin Template.pptx</a:t>
-                      </a:r>
-                    </a:p>
-                  </a:txBody>
-                  <a:tcPr/>
-                </a:tc>
-              </a:tr>
-              <a:tr h="228600">
-                <a:tc>
-                  <a:txBody>
-                    <a:bodyPr/>
-                    <a:lstStyle/>
-                    <a:p>
-                      <a:pPr>
-                        <a:defRPr sz="1600"/>
-                      </a:pPr>
-                      <a:r>
-                        <a:t>template</a:t>
-                      </a:r>
-                    </a:p>
-                  </a:txBody>
-                  <a:tcPr/>
-                </a:tc>
-                <a:tc>
-                  <a:txBody>
-                    <a:bodyPr/>
-                    <a:lstStyle/>
-                    <a:p>
-                      <a:pPr>
-                        <a:defRPr sz="1600"/>
-                      </a:pPr>
-                      <a:r>
-                        <a:t>hipodz.pptx</a:t>
                       </a:r>
                     </a:p>
                   </a:txBody>
@@ -3693,11 +4195,6 @@
         </a:graphic>
       </p:graphicFrame>
     </p:spTree>
-    <p:extLst>
-      <p:ext uri="{BB962C8B-B14F-4D97-AF65-F5344CB8AC3E}">
-        <p14:creationId xmlns:p14="http://schemas.microsoft.com/office/powerpoint/2010/main" val="2253590510"/>
-      </p:ext>
-    </p:extLst>
   </p:cSld>
   <p:clrMapOvr>
     <a:masterClrMapping/>
@@ -3741,12 +4238,12 @@
       </p:sp>
       <p:sp>
         <p:nvSpPr>
-          <p:cNvPr id="3" name="Text Placeholder 2"/>
-          <p:cNvSpPr>
-            <a:spLocks noGrp="1"/>
-          </p:cNvSpPr>
-          <p:nvPr>
-            <p:ph type="body" idx="11" sz="quarter"/>
+          <p:cNvPr id="3" name="Subtitle 2"/>
+          <p:cNvSpPr>
+            <a:spLocks noGrp="1"/>
+          </p:cNvSpPr>
+          <p:nvPr>
+            <p:ph type="subTitle" idx="1"/>
           </p:nvPr>
         </p:nvSpPr>
         <p:spPr/>
@@ -3979,12 +4476,12 @@
       </p:sp>
       <p:sp>
         <p:nvSpPr>
-          <p:cNvPr id="2" name="Text Placeholder 1"/>
-          <p:cNvSpPr>
-            <a:spLocks noGrp="1"/>
-          </p:cNvSpPr>
-          <p:nvPr>
-            <p:ph type="body" idx="12" sz="quarter"/>
+          <p:cNvPr id="2" name="Title 1"/>
+          <p:cNvSpPr>
+            <a:spLocks noGrp="1"/>
+          </p:cNvSpPr>
+          <p:nvPr>
+            <p:ph type="title"/>
           </p:nvPr>
         </p:nvSpPr>
         <p:spPr>
@@ -4008,12 +4505,12 @@
       </p:sp>
       <p:sp>
         <p:nvSpPr>
-          <p:cNvPr id="3" name="Text Placeholder 2"/>
-          <p:cNvSpPr>
-            <a:spLocks noGrp="1"/>
-          </p:cNvSpPr>
-          <p:nvPr>
-            <p:ph type="body" idx="19" sz="quarter"/>
+          <p:cNvPr id="3" name="Content Placeholder 2"/>
+          <p:cNvSpPr>
+            <a:spLocks noGrp="1"/>
+          </p:cNvSpPr>
+          <p:nvPr>
+            <p:ph idx="1"/>
           </p:nvPr>
         </p:nvSpPr>
         <p:spPr>
@@ -4047,12 +4544,12 @@
       </p:sp>
       <p:sp>
         <p:nvSpPr>
-          <p:cNvPr id="2" name="Text Placeholder 1"/>
-          <p:cNvSpPr>
-            <a:spLocks noGrp="1"/>
-          </p:cNvSpPr>
-          <p:nvPr>
-            <p:ph type="body" idx="12" sz="quarter"/>
+          <p:cNvPr id="2" name="Title 1"/>
+          <p:cNvSpPr>
+            <a:spLocks noGrp="1"/>
+          </p:cNvSpPr>
+          <p:nvPr>
+            <p:ph type="title"/>
           </p:nvPr>
         </p:nvSpPr>
         <p:spPr>
@@ -4076,12 +4573,12 @@
       </p:sp>
       <p:sp>
         <p:nvSpPr>
-          <p:cNvPr id="3" name="Text Placeholder 2"/>
-          <p:cNvSpPr>
-            <a:spLocks noGrp="1"/>
-          </p:cNvSpPr>
-          <p:nvPr>
-            <p:ph type="body" idx="19" sz="quarter"/>
+          <p:cNvPr id="3" name="Content Placeholder 2"/>
+          <p:cNvSpPr>
+            <a:spLocks noGrp="1"/>
+          </p:cNvSpPr>
+          <p:nvPr>
+            <p:ph idx="1"/>
           </p:nvPr>
         </p:nvSpPr>
         <p:spPr>
@@ -4116,12 +4613,12 @@
       </p:sp>
       <p:sp>
         <p:nvSpPr>
-          <p:cNvPr id="2" name="Text Placeholder 1"/>
-          <p:cNvSpPr>
-            <a:spLocks noGrp="1"/>
-          </p:cNvSpPr>
-          <p:nvPr>
-            <p:ph type="body" idx="12" sz="quarter"/>
+          <p:cNvPr id="2" name="Title 1"/>
+          <p:cNvSpPr>
+            <a:spLocks noGrp="1"/>
+          </p:cNvSpPr>
+          <p:nvPr>
+            <p:ph type="title"/>
           </p:nvPr>
         </p:nvSpPr>
         <p:spPr>
@@ -4145,12 +4642,12 @@
       </p:sp>
       <p:sp>
         <p:nvSpPr>
-          <p:cNvPr id="3" name="Text Placeholder 2"/>
-          <p:cNvSpPr>
-            <a:spLocks noGrp="1"/>
-          </p:cNvSpPr>
-          <p:nvPr>
-            <p:ph type="body" idx="19" sz="quarter"/>
+          <p:cNvPr id="3" name="Content Placeholder 2"/>
+          <p:cNvSpPr>
+            <a:spLocks noGrp="1"/>
+          </p:cNvSpPr>
+          <p:nvPr>
+            <p:ph idx="1"/>
           </p:nvPr>
         </p:nvSpPr>
         <p:spPr>
@@ -4185,12 +4682,12 @@
       </p:sp>
       <p:sp>
         <p:nvSpPr>
-          <p:cNvPr id="2" name="Text Placeholder 1"/>
-          <p:cNvSpPr>
-            <a:spLocks noGrp="1"/>
-          </p:cNvSpPr>
-          <p:nvPr>
-            <p:ph type="body" idx="12" sz="quarter"/>
+          <p:cNvPr id="2" name="Title 1"/>
+          <p:cNvSpPr>
+            <a:spLocks noGrp="1"/>
+          </p:cNvSpPr>
+          <p:nvPr>
+            <p:ph type="title"/>
           </p:nvPr>
         </p:nvSpPr>
         <p:spPr>
@@ -4214,12 +4711,12 @@
       </p:sp>
       <p:sp>
         <p:nvSpPr>
-          <p:cNvPr id="3" name="Text Placeholder 2"/>
-          <p:cNvSpPr>
-            <a:spLocks noGrp="1"/>
-          </p:cNvSpPr>
-          <p:nvPr>
-            <p:ph type="body" idx="19" sz="quarter"/>
+          <p:cNvPr id="3" name="Content Placeholder 2"/>
+          <p:cNvSpPr>
+            <a:spLocks noGrp="1"/>
+          </p:cNvSpPr>
+          <p:nvPr>
+            <p:ph idx="1"/>
           </p:nvPr>
         </p:nvSpPr>
         <p:spPr>
@@ -4254,12 +4751,12 @@
       </p:sp>
       <p:sp>
         <p:nvSpPr>
-          <p:cNvPr id="2" name="Text Placeholder 1"/>
-          <p:cNvSpPr>
-            <a:spLocks noGrp="1"/>
-          </p:cNvSpPr>
-          <p:nvPr>
-            <p:ph type="body" idx="12" sz="quarter"/>
+          <p:cNvPr id="2" name="Title 1"/>
+          <p:cNvSpPr>
+            <a:spLocks noGrp="1"/>
+          </p:cNvSpPr>
+          <p:nvPr>
+            <p:ph type="title"/>
           </p:nvPr>
         </p:nvSpPr>
         <p:spPr>
@@ -4283,12 +4780,12 @@
       </p:sp>
       <p:sp>
         <p:nvSpPr>
-          <p:cNvPr id="3" name="Text Placeholder 2"/>
-          <p:cNvSpPr>
-            <a:spLocks noGrp="1"/>
-          </p:cNvSpPr>
-          <p:nvPr>
-            <p:ph type="body" idx="19" sz="quarter"/>
+          <p:cNvPr id="3" name="Content Placeholder 2"/>
+          <p:cNvSpPr>
+            <a:spLocks noGrp="1"/>
+          </p:cNvSpPr>
+          <p:nvPr>
+            <p:ph idx="1"/>
           </p:nvPr>
         </p:nvSpPr>
         <p:spPr>
@@ -4537,12 +5034,12 @@
       </p:sp>
       <p:sp>
         <p:nvSpPr>
-          <p:cNvPr id="2" name="Text Placeholder 1"/>
-          <p:cNvSpPr>
-            <a:spLocks noGrp="1"/>
-          </p:cNvSpPr>
-          <p:nvPr>
-            <p:ph type="body" idx="12" sz="quarter"/>
+          <p:cNvPr id="2" name="Title 1"/>
+          <p:cNvSpPr>
+            <a:spLocks noGrp="1"/>
+          </p:cNvSpPr>
+          <p:nvPr>
+            <p:ph type="title"/>
           </p:nvPr>
         </p:nvSpPr>
         <p:spPr>
@@ -4566,12 +5063,12 @@
       </p:sp>
       <p:sp>
         <p:nvSpPr>
-          <p:cNvPr id="3" name="Text Placeholder 2"/>
-          <p:cNvSpPr>
-            <a:spLocks noGrp="1"/>
-          </p:cNvSpPr>
-          <p:nvPr>
-            <p:ph type="body" idx="19" sz="quarter"/>
+          <p:cNvPr id="3" name="Content Placeholder 2"/>
+          <p:cNvSpPr>
+            <a:spLocks noGrp="1"/>
+          </p:cNvSpPr>
+          <p:nvPr>
+            <p:ph idx="1"/>
           </p:nvPr>
         </p:nvSpPr>
         <p:spPr>
@@ -4613,12 +5110,12 @@
       </p:sp>
       <p:sp>
         <p:nvSpPr>
-          <p:cNvPr id="2" name="Text Placeholder 1"/>
-          <p:cNvSpPr>
-            <a:spLocks noGrp="1"/>
-          </p:cNvSpPr>
-          <p:nvPr>
-            <p:ph type="body" idx="12" sz="quarter"/>
+          <p:cNvPr id="2" name="Title 1"/>
+          <p:cNvSpPr>
+            <a:spLocks noGrp="1"/>
+          </p:cNvSpPr>
+          <p:nvPr>
+            <p:ph type="title"/>
           </p:nvPr>
         </p:nvSpPr>
         <p:spPr>
@@ -4642,12 +5139,12 @@
       </p:sp>
       <p:sp>
         <p:nvSpPr>
-          <p:cNvPr id="3" name="Text Placeholder 2"/>
-          <p:cNvSpPr>
-            <a:spLocks noGrp="1"/>
-          </p:cNvSpPr>
-          <p:nvPr>
-            <p:ph type="body" idx="19" sz="quarter"/>
+          <p:cNvPr id="3" name="Content Placeholder 2"/>
+          <p:cNvSpPr>
+            <a:spLocks noGrp="1"/>
+          </p:cNvSpPr>
+          <p:nvPr>
+            <p:ph idx="1"/>
           </p:nvPr>
         </p:nvSpPr>
         <p:spPr>
@@ -4682,12 +5179,12 @@
       </p:sp>
       <p:sp>
         <p:nvSpPr>
-          <p:cNvPr id="2" name="Text Placeholder 1"/>
-          <p:cNvSpPr>
-            <a:spLocks noGrp="1"/>
-          </p:cNvSpPr>
-          <p:nvPr>
-            <p:ph type="body" idx="12" sz="quarter"/>
+          <p:cNvPr id="2" name="Title 1"/>
+          <p:cNvSpPr>
+            <a:spLocks noGrp="1"/>
+          </p:cNvSpPr>
+          <p:nvPr>
+            <p:ph type="title"/>
           </p:nvPr>
         </p:nvSpPr>
         <p:spPr>
@@ -4711,12 +5208,12 @@
       </p:sp>
       <p:sp>
         <p:nvSpPr>
-          <p:cNvPr id="3" name="Text Placeholder 2"/>
-          <p:cNvSpPr>
-            <a:spLocks noGrp="1"/>
-          </p:cNvSpPr>
-          <p:nvPr>
-            <p:ph type="body" idx="19" sz="quarter"/>
+          <p:cNvPr id="3" name="Content Placeholder 2"/>
+          <p:cNvSpPr>
+            <a:spLocks noGrp="1"/>
+          </p:cNvSpPr>
+          <p:nvPr>
+            <p:ph idx="1"/>
           </p:nvPr>
         </p:nvSpPr>
         <p:spPr>
@@ -4751,12 +5248,12 @@
       </p:sp>
       <p:sp>
         <p:nvSpPr>
-          <p:cNvPr id="2" name="Text Placeholder 1"/>
-          <p:cNvSpPr>
-            <a:spLocks noGrp="1"/>
-          </p:cNvSpPr>
-          <p:nvPr>
-            <p:ph type="body" idx="12" sz="quarter"/>
+          <p:cNvPr id="2" name="Title 1"/>
+          <p:cNvSpPr>
+            <a:spLocks noGrp="1"/>
+          </p:cNvSpPr>
+          <p:nvPr>
+            <p:ph type="title"/>
           </p:nvPr>
         </p:nvSpPr>
         <p:spPr>
@@ -4780,12 +5277,12 @@
       </p:sp>
       <p:sp>
         <p:nvSpPr>
-          <p:cNvPr id="3" name="Text Placeholder 2"/>
-          <p:cNvSpPr>
-            <a:spLocks noGrp="1"/>
-          </p:cNvSpPr>
-          <p:nvPr>
-            <p:ph type="body" idx="19" sz="quarter"/>
+          <p:cNvPr id="3" name="Content Placeholder 2"/>
+          <p:cNvSpPr>
+            <a:spLocks noGrp="1"/>
+          </p:cNvSpPr>
+          <p:nvPr>
+            <p:ph idx="1"/>
           </p:nvPr>
         </p:nvSpPr>
         <p:spPr>
@@ -4820,12 +5317,12 @@
       </p:sp>
       <p:sp>
         <p:nvSpPr>
-          <p:cNvPr id="2" name="Text Placeholder 1"/>
-          <p:cNvSpPr>
-            <a:spLocks noGrp="1"/>
-          </p:cNvSpPr>
-          <p:nvPr>
-            <p:ph type="body" idx="12" sz="quarter"/>
+          <p:cNvPr id="2" name="Title 1"/>
+          <p:cNvSpPr>
+            <a:spLocks noGrp="1"/>
+          </p:cNvSpPr>
+          <p:nvPr>
+            <p:ph type="title"/>
           </p:nvPr>
         </p:nvSpPr>
         <p:spPr>
@@ -4849,12 +5346,12 @@
       </p:sp>
       <p:sp>
         <p:nvSpPr>
-          <p:cNvPr id="3" name="Text Placeholder 2"/>
-          <p:cNvSpPr>
-            <a:spLocks noGrp="1"/>
-          </p:cNvSpPr>
-          <p:nvPr>
-            <p:ph type="body" idx="19" sz="quarter"/>
+          <p:cNvPr id="3" name="Content Placeholder 2"/>
+          <p:cNvSpPr>
+            <a:spLocks noGrp="1"/>
+          </p:cNvSpPr>
+          <p:nvPr>
+            <p:ph idx="1"/>
           </p:nvPr>
         </p:nvSpPr>
         <p:spPr>
@@ -5103,12 +5600,12 @@
       </p:sp>
       <p:sp>
         <p:nvSpPr>
-          <p:cNvPr id="2" name="Text Placeholder 1"/>
-          <p:cNvSpPr>
-            <a:spLocks noGrp="1"/>
-          </p:cNvSpPr>
-          <p:nvPr>
-            <p:ph type="body" idx="12" sz="quarter"/>
+          <p:cNvPr id="2" name="Title 1"/>
+          <p:cNvSpPr>
+            <a:spLocks noGrp="1"/>
+          </p:cNvSpPr>
+          <p:nvPr>
+            <p:ph type="title"/>
           </p:nvPr>
         </p:nvSpPr>
         <p:spPr>
@@ -5132,12 +5629,12 @@
       </p:sp>
       <p:sp>
         <p:nvSpPr>
-          <p:cNvPr id="3" name="Text Placeholder 2"/>
-          <p:cNvSpPr>
-            <a:spLocks noGrp="1"/>
-          </p:cNvSpPr>
-          <p:nvPr>
-            <p:ph type="body" idx="19" sz="quarter"/>
+          <p:cNvPr id="3" name="Content Placeholder 2"/>
+          <p:cNvSpPr>
+            <a:spLocks noGrp="1"/>
+          </p:cNvSpPr>
+          <p:nvPr>
+            <p:ph idx="1"/>
           </p:nvPr>
         </p:nvSpPr>
         <p:spPr>
@@ -5172,12 +5669,12 @@
       </p:sp>
       <p:sp>
         <p:nvSpPr>
-          <p:cNvPr id="2" name="Text Placeholder 1"/>
-          <p:cNvSpPr>
-            <a:spLocks noGrp="1"/>
-          </p:cNvSpPr>
-          <p:nvPr>
-            <p:ph type="body" idx="12" sz="quarter"/>
+          <p:cNvPr id="2" name="Title 1"/>
+          <p:cNvSpPr>
+            <a:spLocks noGrp="1"/>
+          </p:cNvSpPr>
+          <p:nvPr>
+            <p:ph type="title"/>
           </p:nvPr>
         </p:nvSpPr>
         <p:spPr>
@@ -5201,12 +5698,12 @@
       </p:sp>
       <p:sp>
         <p:nvSpPr>
-          <p:cNvPr id="2" name="Text Placeholder 1"/>
-          <p:cNvSpPr>
-            <a:spLocks noGrp="1"/>
-          </p:cNvSpPr>
-          <p:nvPr>
-            <p:ph type="body" idx="12" sz="quarter"/>
+          <p:cNvPr id="2" name="Title 1"/>
+          <p:cNvSpPr>
+            <a:spLocks noGrp="1"/>
+          </p:cNvSpPr>
+          <p:nvPr>
+            <p:ph type="title"/>
           </p:nvPr>
         </p:nvSpPr>
         <p:spPr>
@@ -5230,12 +5727,12 @@
       </p:sp>
       <p:sp>
         <p:nvSpPr>
-          <p:cNvPr id="3" name="Text Placeholder 2"/>
-          <p:cNvSpPr>
-            <a:spLocks noGrp="1"/>
-          </p:cNvSpPr>
-          <p:nvPr>
-            <p:ph type="body" idx="19" sz="quarter"/>
+          <p:cNvPr id="3" name="Content Placeholder 2"/>
+          <p:cNvSpPr>
+            <a:spLocks noGrp="1"/>
+          </p:cNvSpPr>
+          <p:nvPr>
+            <p:ph idx="1"/>
           </p:nvPr>
         </p:nvSpPr>
         <p:spPr>
@@ -5270,12 +5767,12 @@
       </p:sp>
       <p:sp>
         <p:nvSpPr>
-          <p:cNvPr id="2" name="Text Placeholder 1"/>
-          <p:cNvSpPr>
-            <a:spLocks noGrp="1"/>
-          </p:cNvSpPr>
-          <p:nvPr>
-            <p:ph type="body" idx="12" sz="quarter"/>
+          <p:cNvPr id="2" name="Title 1"/>
+          <p:cNvSpPr>
+            <a:spLocks noGrp="1"/>
+          </p:cNvSpPr>
+          <p:nvPr>
+            <p:ph type="title"/>
           </p:nvPr>
         </p:nvSpPr>
         <p:spPr>
@@ -5299,12 +5796,12 @@
       </p:sp>
       <p:sp>
         <p:nvSpPr>
-          <p:cNvPr id="3" name="Text Placeholder 2"/>
-          <p:cNvSpPr>
-            <a:spLocks noGrp="1"/>
-          </p:cNvSpPr>
-          <p:nvPr>
-            <p:ph type="body" idx="19" sz="quarter"/>
+          <p:cNvPr id="3" name="Content Placeholder 2"/>
+          <p:cNvSpPr>
+            <a:spLocks noGrp="1"/>
+          </p:cNvSpPr>
+          <p:nvPr>
+            <p:ph idx="1"/>
           </p:nvPr>
         </p:nvSpPr>
         <p:spPr>
@@ -5339,12 +5836,12 @@
       </p:sp>
       <p:sp>
         <p:nvSpPr>
-          <p:cNvPr id="2" name="Text Placeholder 1"/>
-          <p:cNvSpPr>
-            <a:spLocks noGrp="1"/>
-          </p:cNvSpPr>
-          <p:nvPr>
-            <p:ph type="body" idx="12" sz="quarter"/>
+          <p:cNvPr id="2" name="Title 1"/>
+          <p:cNvSpPr>
+            <a:spLocks noGrp="1"/>
+          </p:cNvSpPr>
+          <p:nvPr>
+            <p:ph type="title"/>
           </p:nvPr>
         </p:nvSpPr>
         <p:spPr>
@@ -5368,12 +5865,12 @@
       </p:sp>
       <p:sp>
         <p:nvSpPr>
-          <p:cNvPr id="3" name="Text Placeholder 2"/>
-          <p:cNvSpPr>
-            <a:spLocks noGrp="1"/>
-          </p:cNvSpPr>
-          <p:nvPr>
-            <p:ph type="body" idx="19" sz="quarter"/>
+          <p:cNvPr id="3" name="Content Placeholder 2"/>
+          <p:cNvSpPr>
+            <a:spLocks noGrp="1"/>
+          </p:cNvSpPr>
+          <p:nvPr>
+            <p:ph idx="1"/>
           </p:nvPr>
         </p:nvSpPr>
         <p:spPr>
@@ -5573,12 +6070,12 @@
       </p:sp>
       <p:sp>
         <p:nvSpPr>
-          <p:cNvPr id="2" name="Text Placeholder 1"/>
-          <p:cNvSpPr>
-            <a:spLocks noGrp="1"/>
-          </p:cNvSpPr>
-          <p:nvPr>
-            <p:ph type="body" idx="12" sz="quarter"/>
+          <p:cNvPr id="2" name="Title 1"/>
+          <p:cNvSpPr>
+            <a:spLocks noGrp="1"/>
+          </p:cNvSpPr>
+          <p:nvPr>
+            <p:ph type="title"/>
           </p:nvPr>
         </p:nvSpPr>
         <p:spPr>
@@ -5602,12 +6099,12 @@
       </p:sp>
       <p:sp>
         <p:nvSpPr>
-          <p:cNvPr id="3" name="Text Placeholder 2"/>
-          <p:cNvSpPr>
-            <a:spLocks noGrp="1"/>
-          </p:cNvSpPr>
-          <p:nvPr>
-            <p:ph type="body" idx="19" sz="quarter"/>
+          <p:cNvPr id="3" name="Content Placeholder 2"/>
+          <p:cNvSpPr>
+            <a:spLocks noGrp="1"/>
+          </p:cNvSpPr>
+          <p:nvPr>
+            <p:ph idx="1"/>
           </p:nvPr>
         </p:nvSpPr>
         <p:spPr>
@@ -5650,12 +6147,12 @@
       </p:sp>
       <p:sp>
         <p:nvSpPr>
-          <p:cNvPr id="2" name="Text Placeholder 1"/>
-          <p:cNvSpPr>
-            <a:spLocks noGrp="1"/>
-          </p:cNvSpPr>
-          <p:nvPr>
-            <p:ph type="body" idx="12" sz="quarter"/>
+          <p:cNvPr id="2" name="Title 1"/>
+          <p:cNvSpPr>
+            <a:spLocks noGrp="1"/>
+          </p:cNvSpPr>
+          <p:nvPr>
+            <p:ph type="title"/>
           </p:nvPr>
         </p:nvSpPr>
         <p:spPr>
@@ -5679,12 +6176,12 @@
       </p:sp>
       <p:sp>
         <p:nvSpPr>
-          <p:cNvPr id="2" name="Text Placeholder 1"/>
-          <p:cNvSpPr>
-            <a:spLocks noGrp="1"/>
-          </p:cNvSpPr>
-          <p:nvPr>
-            <p:ph type="body" idx="12" sz="quarter"/>
+          <p:cNvPr id="2" name="Title 1"/>
+          <p:cNvSpPr>
+            <a:spLocks noGrp="1"/>
+          </p:cNvSpPr>
+          <p:nvPr>
+            <p:ph type="title"/>
           </p:nvPr>
         </p:nvSpPr>
         <p:spPr>
@@ -5708,12 +6205,12 @@
       </p:sp>
       <p:sp>
         <p:nvSpPr>
-          <p:cNvPr id="3" name="Text Placeholder 2"/>
-          <p:cNvSpPr>
-            <a:spLocks noGrp="1"/>
-          </p:cNvSpPr>
-          <p:nvPr>
-            <p:ph type="body" idx="19" sz="quarter"/>
+          <p:cNvPr id="3" name="Content Placeholder 2"/>
+          <p:cNvSpPr>
+            <a:spLocks noGrp="1"/>
+          </p:cNvSpPr>
+          <p:nvPr>
+            <p:ph idx="1"/>
           </p:nvPr>
         </p:nvSpPr>
         <p:spPr>
@@ -5756,12 +6253,12 @@
       </p:sp>
       <p:sp>
         <p:nvSpPr>
-          <p:cNvPr id="2" name="Text Placeholder 1"/>
-          <p:cNvSpPr>
-            <a:spLocks noGrp="1"/>
-          </p:cNvSpPr>
-          <p:nvPr>
-            <p:ph type="body" idx="12" sz="quarter"/>
+          <p:cNvPr id="2" name="Title 1"/>
+          <p:cNvSpPr>
+            <a:spLocks noGrp="1"/>
+          </p:cNvSpPr>
+          <p:nvPr>
+            <p:ph type="title"/>
           </p:nvPr>
         </p:nvSpPr>
         <p:spPr>
@@ -5785,12 +6282,12 @@
       </p:sp>
       <p:sp>
         <p:nvSpPr>
-          <p:cNvPr id="3" name="Text Placeholder 2"/>
-          <p:cNvSpPr>
-            <a:spLocks noGrp="1"/>
-          </p:cNvSpPr>
-          <p:nvPr>
-            <p:ph type="body" idx="19" sz="quarter"/>
+          <p:cNvPr id="3" name="Content Placeholder 2"/>
+          <p:cNvSpPr>
+            <a:spLocks noGrp="1"/>
+          </p:cNvSpPr>
+          <p:nvPr>
+            <p:ph idx="1"/>
           </p:nvPr>
         </p:nvSpPr>
         <p:spPr>
@@ -5851,12 +6348,12 @@
       <p:grpSpPr/>
       <p:sp>
         <p:nvSpPr>
-          <p:cNvPr id="2" name="Text Placeholder 1"/>
-          <p:cNvSpPr>
-            <a:spLocks noGrp="1"/>
-          </p:cNvSpPr>
-          <p:nvPr>
-            <p:ph type="body" idx="12" sz="quarter"/>
+          <p:cNvPr id="2" name="Title 1"/>
+          <p:cNvSpPr>
+            <a:spLocks noGrp="1"/>
+          </p:cNvSpPr>
+          <p:nvPr>
+            <p:ph type="title"/>
           </p:nvPr>
         </p:nvSpPr>
         <p:spPr>
@@ -5880,12 +6377,12 @@
       </p:sp>
       <p:sp>
         <p:nvSpPr>
-          <p:cNvPr id="3" name="Text Placeholder 2"/>
-          <p:cNvSpPr>
-            <a:spLocks noGrp="1"/>
-          </p:cNvSpPr>
-          <p:nvPr>
-            <p:ph type="body" idx="19" sz="quarter"/>
+          <p:cNvPr id="3" name="Content Placeholder 2"/>
+          <p:cNvSpPr>
+            <a:spLocks noGrp="1"/>
+          </p:cNvSpPr>
+          <p:nvPr>
+            <p:ph idx="1"/>
           </p:nvPr>
         </p:nvSpPr>
         <p:spPr>
@@ -5934,9 +6431,9 @@
 </file>
 
 <file path=ppt/theme/theme1.xml><?xml version="1.0" encoding="utf-8"?>
-<a:theme xmlns:a="http://schemas.openxmlformats.org/drawingml/2006/main" name="IBM Cloud 2015">
+<a:theme xmlns:a="http://schemas.openxmlformats.org/drawingml/2006/main" name="Office Theme">
   <a:themeElements>
-    <a:clrScheme name="IBM Cloud 2105">
+    <a:clrScheme name="Office Theme">
       <a:dk1>
         <a:sysClr val="windowText" lastClr="000000"/>
       </a:dk1>
@@ -5944,335 +6441,44 @@
         <a:sysClr val="window" lastClr="FFFFFF"/>
       </a:lt1>
       <a:dk2>
-        <a:srgbClr val="085571"/>
+        <a:srgbClr val="44546A"/>
       </a:dk2>
       <a:lt2>
-        <a:srgbClr val="81CDF2"/>
+        <a:srgbClr val="E7E6E6"/>
       </a:lt2>
       <a:accent1>
-        <a:srgbClr val="009EE2"/>
+        <a:srgbClr val="4472C4"/>
       </a:accent1>
       <a:accent2>
-        <a:srgbClr val="1174B9"/>
+        <a:srgbClr val="ED7D31"/>
       </a:accent2>
       <a:accent3>
-        <a:srgbClr val="00A39C"/>
+        <a:srgbClr val="A5A5A5"/>
       </a:accent3>
       <a:accent4>
-        <a:srgbClr val="00706E"/>
+        <a:srgbClr val="FFC000"/>
       </a:accent4>
       <a:accent5>
-        <a:srgbClr val="611773"/>
+        <a:srgbClr val="5B9BD5"/>
       </a:accent5>
       <a:accent6>
-        <a:srgbClr val="340F51"/>
+        <a:srgbClr val="70AD47"/>
       </a:accent6>
       <a:hlink>
-        <a:srgbClr val="0000FF"/>
+        <a:srgbClr val="0563C1"/>
       </a:hlink>
       <a:folHlink>
-        <a:srgbClr val="800080"/>
+        <a:srgbClr val="954F72"/>
       </a:folHlink>
     </a:clrScheme>
-    <a:fontScheme name="IBM Cloud 2015">
+    <a:fontScheme name="Office Theme">
       <a:majorFont>
-        <a:latin typeface="Arial"/>
+        <a:latin typeface="Calibri Light" panose="020F0302020204030204"/>
         <a:ea typeface=""/>
         <a:cs typeface=""/>
-      </a:majorFont>
-      <a:minorFont>
-        <a:latin typeface="Arial"/>
-        <a:ea typeface=""/>
-        <a:cs typeface=""/>
-      </a:minorFont>
-    </a:fontScheme>
-    <a:fmtScheme name="Office">
-      <a:fillStyleLst>
-        <a:solidFill>
-          <a:schemeClr val="phClr"/>
-        </a:solidFill>
-        <a:gradFill rotWithShape="1">
-          <a:gsLst>
-            <a:gs pos="0">
-              <a:schemeClr val="phClr">
-                <a:tint val="50000"/>
-                <a:satMod val="300000"/>
-              </a:schemeClr>
-            </a:gs>
-            <a:gs pos="35000">
-              <a:schemeClr val="phClr">
-                <a:tint val="37000"/>
-                <a:satMod val="300000"/>
-              </a:schemeClr>
-            </a:gs>
-            <a:gs pos="100000">
-              <a:schemeClr val="phClr">
-                <a:tint val="15000"/>
-                <a:satMod val="350000"/>
-              </a:schemeClr>
-            </a:gs>
-          </a:gsLst>
-          <a:lin ang="16200000" scaled="1"/>
-        </a:gradFill>
-        <a:gradFill rotWithShape="1">
-          <a:gsLst>
-            <a:gs pos="0">
-              <a:schemeClr val="phClr">
-                <a:tint val="100000"/>
-                <a:shade val="100000"/>
-                <a:satMod val="130000"/>
-              </a:schemeClr>
-            </a:gs>
-            <a:gs pos="100000">
-              <a:schemeClr val="phClr">
-                <a:tint val="50000"/>
-                <a:shade val="100000"/>
-                <a:satMod val="350000"/>
-              </a:schemeClr>
-            </a:gs>
-          </a:gsLst>
-          <a:lin ang="16200000" scaled="0"/>
-        </a:gradFill>
-      </a:fillStyleLst>
-      <a:lnStyleLst>
-        <a:ln w="9525" cap="flat" cmpd="sng" algn="ctr">
-          <a:solidFill>
-            <a:schemeClr val="phClr">
-              <a:shade val="95000"/>
-              <a:satMod val="105000"/>
-            </a:schemeClr>
-          </a:solidFill>
-          <a:prstDash val="solid"/>
-        </a:ln>
-        <a:ln w="25400" cap="flat" cmpd="sng" algn="ctr">
-          <a:solidFill>
-            <a:schemeClr val="phClr"/>
-          </a:solidFill>
-          <a:prstDash val="solid"/>
-        </a:ln>
-        <a:ln w="38100" cap="flat" cmpd="sng" algn="ctr">
-          <a:solidFill>
-            <a:schemeClr val="phClr"/>
-          </a:solidFill>
-          <a:prstDash val="solid"/>
-        </a:ln>
-      </a:lnStyleLst>
-      <a:effectStyleLst>
-        <a:effectStyle>
-          <a:effectLst>
-            <a:outerShdw blurRad="40000" dist="20000" dir="5400000" rotWithShape="0">
-              <a:srgbClr val="000000">
-                <a:alpha val="38000"/>
-              </a:srgbClr>
-            </a:outerShdw>
-          </a:effectLst>
-        </a:effectStyle>
-        <a:effectStyle>
-          <a:effectLst>
-            <a:outerShdw blurRad="40000" dist="23000" dir="5400000" rotWithShape="0">
-              <a:srgbClr val="000000">
-                <a:alpha val="35000"/>
-              </a:srgbClr>
-            </a:outerShdw>
-          </a:effectLst>
-        </a:effectStyle>
-        <a:effectStyle>
-          <a:effectLst>
-            <a:outerShdw blurRad="40000" dist="23000" dir="5400000" rotWithShape="0">
-              <a:srgbClr val="000000">
-                <a:alpha val="35000"/>
-              </a:srgbClr>
-            </a:outerShdw>
-          </a:effectLst>
-          <a:scene3d>
-            <a:camera prst="orthographicFront">
-              <a:rot lat="0" lon="0" rev="0"/>
-            </a:camera>
-            <a:lightRig rig="threePt" dir="t">
-              <a:rot lat="0" lon="0" rev="1200000"/>
-            </a:lightRig>
-          </a:scene3d>
-          <a:sp3d>
-            <a:bevelT w="63500" h="25400"/>
-          </a:sp3d>
-        </a:effectStyle>
-      </a:effectStyleLst>
-      <a:bgFillStyleLst>
-        <a:solidFill>
-          <a:schemeClr val="phClr"/>
-        </a:solidFill>
-        <a:gradFill rotWithShape="1">
-          <a:gsLst>
-            <a:gs pos="0">
-              <a:schemeClr val="phClr">
-                <a:tint val="40000"/>
-                <a:satMod val="350000"/>
-              </a:schemeClr>
-            </a:gs>
-            <a:gs pos="40000">
-              <a:schemeClr val="phClr">
-                <a:tint val="45000"/>
-                <a:shade val="99000"/>
-                <a:satMod val="350000"/>
-              </a:schemeClr>
-            </a:gs>
-            <a:gs pos="100000">
-              <a:schemeClr val="phClr">
-                <a:shade val="20000"/>
-                <a:satMod val="255000"/>
-              </a:schemeClr>
-            </a:gs>
-          </a:gsLst>
-          <a:path path="circle">
-            <a:fillToRect l="50000" t="-80000" r="50000" b="180000"/>
-          </a:path>
-        </a:gradFill>
-        <a:gradFill rotWithShape="1">
-          <a:gsLst>
-            <a:gs pos="0">
-              <a:schemeClr val="phClr">
-                <a:tint val="80000"/>
-                <a:satMod val="300000"/>
-              </a:schemeClr>
-            </a:gs>
-            <a:gs pos="100000">
-              <a:schemeClr val="phClr">
-                <a:shade val="30000"/>
-                <a:satMod val="200000"/>
-              </a:schemeClr>
-            </a:gs>
-          </a:gsLst>
-          <a:path path="circle">
-            <a:fillToRect l="50000" t="50000" r="50000" b="50000"/>
-          </a:path>
-        </a:gradFill>
-      </a:bgFillStyleLst>
-    </a:fmtScheme>
-  </a:themeElements>
-  <a:objectDefaults>
-    <a:spDef>
-      <a:spPr>
-        <a:solidFill>
-          <a:srgbClr val="084441"/>
-        </a:solidFill>
-        <a:ln>
-          <a:noFill/>
-        </a:ln>
-        <a:effectLst/>
-      </a:spPr>
-      <a:bodyPr rtlCol="0" anchor="ctr"/>
-      <a:lstStyle>
-        <a:defPPr algn="ctr">
-          <a:defRPr/>
-        </a:defPPr>
-      </a:lstStyle>
-      <a:style>
-        <a:lnRef idx="1">
-          <a:schemeClr val="accent1"/>
-        </a:lnRef>
-        <a:fillRef idx="3">
-          <a:schemeClr val="accent1"/>
-        </a:fillRef>
-        <a:effectRef idx="2">
-          <a:schemeClr val="accent1"/>
-        </a:effectRef>
-        <a:fontRef idx="minor">
-          <a:schemeClr val="lt1"/>
-        </a:fontRef>
-      </a:style>
-    </a:spDef>
-    <a:lnDef>
-      <a:spPr/>
-      <a:bodyPr/>
-      <a:lstStyle/>
-      <a:style>
-        <a:lnRef idx="2">
-          <a:schemeClr val="accent1"/>
-        </a:lnRef>
-        <a:fillRef idx="0">
-          <a:schemeClr val="accent1"/>
-        </a:fillRef>
-        <a:effectRef idx="1">
-          <a:schemeClr val="accent1"/>
-        </a:effectRef>
-        <a:fontRef idx="minor">
-          <a:schemeClr val="tx1"/>
-        </a:fontRef>
-      </a:style>
-    </a:lnDef>
-    <a:txDef>
-      <a:spPr>
-        <a:noFill/>
-      </a:spPr>
-      <a:bodyPr wrap="none" rtlCol="0">
-        <a:spAutoFit/>
-      </a:bodyPr>
-      <a:lstStyle>
-        <a:defPPr>
-          <a:defRPr sz="1200" kern="0" spc="-30" dirty="0" smtClean="0">
-            <a:solidFill>
-              <a:schemeClr val="tx1"/>
-            </a:solidFill>
-            <a:latin typeface="Arial"/>
-            <a:cs typeface="Arial"/>
-          </a:defRPr>
-        </a:defPPr>
-      </a:lstStyle>
-    </a:txDef>
-  </a:objectDefaults>
-  <a:extraClrSchemeLst/>
-</a:theme>
-</file>
-
-<file path=ppt/theme/theme2.xml><?xml version="1.0" encoding="utf-8"?>
-<a:theme xmlns:a="http://schemas.openxmlformats.org/drawingml/2006/main" name="Office Theme">
-  <a:themeElements>
-    <a:clrScheme name="Office">
-      <a:dk1>
-        <a:sysClr val="windowText" lastClr="000000"/>
-      </a:dk1>
-      <a:lt1>
-        <a:sysClr val="window" lastClr="FFFFFF"/>
-      </a:lt1>
-      <a:dk2>
-        <a:srgbClr val="1F497D"/>
-      </a:dk2>
-      <a:lt2>
-        <a:srgbClr val="EEECE1"/>
-      </a:lt2>
-      <a:accent1>
-        <a:srgbClr val="4F81BD"/>
-      </a:accent1>
-      <a:accent2>
-        <a:srgbClr val="C0504D"/>
-      </a:accent2>
-      <a:accent3>
-        <a:srgbClr val="9BBB59"/>
-      </a:accent3>
-      <a:accent4>
-        <a:srgbClr val="8064A2"/>
-      </a:accent4>
-      <a:accent5>
-        <a:srgbClr val="4BACC6"/>
-      </a:accent5>
-      <a:accent6>
-        <a:srgbClr val="F79646"/>
-      </a:accent6>
-      <a:hlink>
-        <a:srgbClr val="0000FF"/>
-      </a:hlink>
-      <a:folHlink>
-        <a:srgbClr val="800080"/>
-      </a:folHlink>
-    </a:clrScheme>
-    <a:fontScheme name="Office">
-      <a:majorFont>
-        <a:latin typeface="Calibri"/>
-        <a:ea typeface=""/>
-        <a:cs typeface=""/>
-        <a:font script="Jpan" typeface="ＭＳ Ｐゴシック"/>
+        <a:font script="Jpan" typeface="游ゴシック Light"/>
         <a:font script="Hang" typeface="맑은 고딕"/>
-        <a:font script="Hans" typeface="宋体"/>
+        <a:font script="Hans" typeface="等线 Light"/>
         <a:font script="Hant" typeface="新細明體"/>
         <a:font script="Arab" typeface="Times New Roman"/>
         <a:font script="Hebr" typeface="Times New Roman"/>
@@ -6302,12 +6508,12 @@
         <a:font script="Geor" typeface="Sylfaen"/>
       </a:majorFont>
       <a:minorFont>
-        <a:latin typeface="Calibri"/>
+        <a:latin typeface="Calibri" panose="020F0502020204030204"/>
         <a:ea typeface=""/>
         <a:cs typeface=""/>
-        <a:font script="Jpan" typeface="ＭＳ Ｐゴシック"/>
+        <a:font script="Jpan" typeface="游ゴシック"/>
         <a:font script="Hang" typeface="맑은 고딕"/>
-        <a:font script="Hans" typeface="宋体"/>
+        <a:font script="Hans" typeface="等线"/>
         <a:font script="Hant" typeface="新細明體"/>
         <a:font script="Arab" typeface="Arial"/>
         <a:font script="Hebr" typeface="Arial"/>
@@ -6337,6 +6543,301 @@
         <a:font script="Geor" typeface="Sylfaen"/>
       </a:minorFont>
     </a:fontScheme>
+    <a:fmtScheme name="Office Theme">
+      <a:fillStyleLst>
+        <a:solidFill>
+          <a:schemeClr val="phClr"/>
+        </a:solidFill>
+        <a:gradFill rotWithShape="1">
+          <a:gsLst>
+            <a:gs pos="0">
+              <a:schemeClr val="phClr">
+                <a:lumMod val="110000"/>
+                <a:satMod val="105000"/>
+                <a:tint val="67000"/>
+              </a:schemeClr>
+            </a:gs>
+            <a:gs pos="50000">
+              <a:schemeClr val="phClr">
+                <a:lumMod val="105000"/>
+                <a:satMod val="103000"/>
+                <a:tint val="73000"/>
+              </a:schemeClr>
+            </a:gs>
+            <a:gs pos="100000">
+              <a:schemeClr val="phClr">
+                <a:lumMod val="105000"/>
+                <a:satMod val="109000"/>
+                <a:tint val="81000"/>
+              </a:schemeClr>
+            </a:gs>
+          </a:gsLst>
+          <a:lin ang="5400000" scaled="0"/>
+        </a:gradFill>
+        <a:gradFill rotWithShape="1">
+          <a:gsLst>
+            <a:gs pos="0">
+              <a:schemeClr val="phClr">
+                <a:satMod val="103000"/>
+                <a:lumMod val="102000"/>
+                <a:tint val="94000"/>
+              </a:schemeClr>
+            </a:gs>
+            <a:gs pos="50000">
+              <a:schemeClr val="phClr">
+                <a:satMod val="110000"/>
+                <a:lumMod val="100000"/>
+                <a:shade val="100000"/>
+              </a:schemeClr>
+            </a:gs>
+            <a:gs pos="100000">
+              <a:schemeClr val="phClr">
+                <a:lumMod val="99000"/>
+                <a:satMod val="120000"/>
+                <a:shade val="78000"/>
+              </a:schemeClr>
+            </a:gs>
+          </a:gsLst>
+          <a:lin ang="5400000" scaled="0"/>
+        </a:gradFill>
+      </a:fillStyleLst>
+      <a:lnStyleLst>
+        <a:ln w="6350" cap="flat" cmpd="sng" algn="ctr">
+          <a:solidFill>
+            <a:schemeClr val="phClr"/>
+          </a:solidFill>
+          <a:prstDash val="solid"/>
+          <a:miter lim="800000"/>
+        </a:ln>
+        <a:ln w="12700" cap="flat" cmpd="sng" algn="ctr">
+          <a:solidFill>
+            <a:schemeClr val="phClr"/>
+          </a:solidFill>
+          <a:prstDash val="solid"/>
+          <a:miter lim="800000"/>
+        </a:ln>
+        <a:ln w="19050" cap="flat" cmpd="sng" algn="ctr">
+          <a:solidFill>
+            <a:schemeClr val="phClr"/>
+          </a:solidFill>
+          <a:prstDash val="solid"/>
+          <a:miter lim="800000"/>
+        </a:ln>
+      </a:lnStyleLst>
+      <a:effectStyleLst>
+        <a:effectStyle>
+          <a:effectLst/>
+        </a:effectStyle>
+        <a:effectStyle>
+          <a:effectLst/>
+        </a:effectStyle>
+        <a:effectStyle>
+          <a:effectLst>
+            <a:outerShdw blurRad="57150" dist="19050" dir="5400000" algn="ctr" rotWithShape="0">
+              <a:srgbClr val="000000">
+                <a:alpha val="63000"/>
+              </a:srgbClr>
+            </a:outerShdw>
+          </a:effectLst>
+        </a:effectStyle>
+      </a:effectStyleLst>
+      <a:bgFillStyleLst>
+        <a:solidFill>
+          <a:schemeClr val="phClr"/>
+        </a:solidFill>
+        <a:solidFill>
+          <a:schemeClr val="phClr">
+            <a:tint val="95000"/>
+            <a:satMod val="170000"/>
+          </a:schemeClr>
+        </a:solidFill>
+        <a:gradFill rotWithShape="1">
+          <a:gsLst>
+            <a:gs pos="0">
+              <a:schemeClr val="phClr">
+                <a:tint val="93000"/>
+                <a:satMod val="150000"/>
+                <a:shade val="98000"/>
+                <a:lumMod val="102000"/>
+              </a:schemeClr>
+            </a:gs>
+            <a:gs pos="50000">
+              <a:schemeClr val="phClr">
+                <a:tint val="98000"/>
+                <a:satMod val="130000"/>
+                <a:shade val="90000"/>
+                <a:lumMod val="103000"/>
+              </a:schemeClr>
+            </a:gs>
+            <a:gs pos="100000">
+              <a:schemeClr val="phClr">
+                <a:shade val="63000"/>
+                <a:satMod val="120000"/>
+              </a:schemeClr>
+            </a:gs>
+          </a:gsLst>
+          <a:lin ang="5400000" scaled="0"/>
+        </a:gradFill>
+      </a:bgFillStyleLst>
+    </a:fmtScheme>
+  </a:themeElements>
+  <a:objectDefaults/>
+  <a:extraClrSchemeLst/>
+  <a:extLst>
+    <a:ext uri="{05A4C25C-085E-4340-85A3-A5531E510DB2}">
+      <thm15:themeFamily xmlns:thm15="http://schemas.microsoft.com/office/thememl/2012/main" name="Office Theme" id="{62F939B6-93AF-4DB8-9C6B-D6C7DFDC589F}" vid="{4A3C46E8-61CC-4603-A589-7422A47A8E4A}"/>
+    </a:ext>
+  </a:extLst>
+</a:theme>
+</file>
+
+<file path=ppt/theme/theme2.xml><?xml version="1.0" encoding="utf-8"?>
+<a:theme xmlns:a="http://schemas.openxmlformats.org/drawingml/2006/main" name="Office Theme">
+  <a:themeElements>
+    <a:clrScheme name="Office">
+      <a:dk1>
+        <a:sysClr val="windowText" lastClr="000000"/>
+      </a:dk1>
+      <a:lt1>
+        <a:sysClr val="window" lastClr="FFFFFF"/>
+      </a:lt1>
+      <a:dk2>
+        <a:srgbClr val="44546A"/>
+      </a:dk2>
+      <a:lt2>
+        <a:srgbClr val="E7E6E6"/>
+      </a:lt2>
+      <a:accent1>
+        <a:srgbClr val="4472C4"/>
+      </a:accent1>
+      <a:accent2>
+        <a:srgbClr val="ED7D31"/>
+      </a:accent2>
+      <a:accent3>
+        <a:srgbClr val="A5A5A5"/>
+      </a:accent3>
+      <a:accent4>
+        <a:srgbClr val="FFC000"/>
+      </a:accent4>
+      <a:accent5>
+        <a:srgbClr val="5B9BD5"/>
+      </a:accent5>
+      <a:accent6>
+        <a:srgbClr val="70AD47"/>
+      </a:accent6>
+      <a:hlink>
+        <a:srgbClr val="0563C1"/>
+      </a:hlink>
+      <a:folHlink>
+        <a:srgbClr val="954F72"/>
+      </a:folHlink>
+    </a:clrScheme>
+    <a:fontScheme name="Office">
+      <a:majorFont>
+        <a:latin typeface="Calibri Light" panose="020F0302020204030204"/>
+        <a:ea typeface=""/>
+        <a:cs typeface=""/>
+        <a:font script="Jpan" typeface="游ゴシック Light"/>
+        <a:font script="Hang" typeface="맑은 고딕"/>
+        <a:font script="Hans" typeface="等线 Light"/>
+        <a:font script="Hant" typeface="新細明體"/>
+        <a:font script="Arab" typeface="Times New Roman"/>
+        <a:font script="Hebr" typeface="Times New Roman"/>
+        <a:font script="Thai" typeface="Angsana New"/>
+        <a:font script="Ethi" typeface="Nyala"/>
+        <a:font script="Beng" typeface="Vrinda"/>
+        <a:font script="Gujr" typeface="Shruti"/>
+        <a:font script="Khmr" typeface="MoolBoran"/>
+        <a:font script="Knda" typeface="Tunga"/>
+        <a:font script="Guru" typeface="Raavi"/>
+        <a:font script="Cans" typeface="Euphemia"/>
+        <a:font script="Cher" typeface="Plantagenet Cherokee"/>
+        <a:font script="Yiii" typeface="Microsoft Yi Baiti"/>
+        <a:font script="Tibt" typeface="Microsoft Himalaya"/>
+        <a:font script="Thaa" typeface="MV Boli"/>
+        <a:font script="Deva" typeface="Mangal"/>
+        <a:font script="Telu" typeface="Gautami"/>
+        <a:font script="Taml" typeface="Latha"/>
+        <a:font script="Syrc" typeface="Estrangelo Edessa"/>
+        <a:font script="Orya" typeface="Kalinga"/>
+        <a:font script="Mlym" typeface="Kartika"/>
+        <a:font script="Laoo" typeface="DokChampa"/>
+        <a:font script="Sinh" typeface="Iskoola Pota"/>
+        <a:font script="Mong" typeface="Mongolian Baiti"/>
+        <a:font script="Viet" typeface="Times New Roman"/>
+        <a:font script="Uigh" typeface="Microsoft Uighur"/>
+        <a:font script="Geor" typeface="Sylfaen"/>
+        <a:font script="Armn" typeface="Arial"/>
+        <a:font script="Bugi" typeface="Leelawadee UI"/>
+        <a:font script="Bopo" typeface="Microsoft JhengHei"/>
+        <a:font script="Java" typeface="Javanese Text"/>
+        <a:font script="Lisu" typeface="Segoe UI"/>
+        <a:font script="Mymr" typeface="Myanmar Text"/>
+        <a:font script="Nkoo" typeface="Ebrima"/>
+        <a:font script="Olck" typeface="Nirmala UI"/>
+        <a:font script="Osma" typeface="Ebrima"/>
+        <a:font script="Phag" typeface="Phagspa"/>
+        <a:font script="Syrn" typeface="Estrangelo Edessa"/>
+        <a:font script="Syrj" typeface="Estrangelo Edessa"/>
+        <a:font script="Syre" typeface="Estrangelo Edessa"/>
+        <a:font script="Sora" typeface="Nirmala UI"/>
+        <a:font script="Tale" typeface="Microsoft Tai Le"/>
+        <a:font script="Talu" typeface="Microsoft New Tai Lue"/>
+        <a:font script="Tfng" typeface="Ebrima"/>
+      </a:majorFont>
+      <a:minorFont>
+        <a:latin typeface="Calibri" panose="020F0502020204030204"/>
+        <a:ea typeface=""/>
+        <a:cs typeface=""/>
+        <a:font script="Jpan" typeface="游ゴシック"/>
+        <a:font script="Hang" typeface="맑은 고딕"/>
+        <a:font script="Hans" typeface="等线"/>
+        <a:font script="Hant" typeface="新細明體"/>
+        <a:font script="Arab" typeface="Arial"/>
+        <a:font script="Hebr" typeface="Arial"/>
+        <a:font script="Thai" typeface="Cordia New"/>
+        <a:font script="Ethi" typeface="Nyala"/>
+        <a:font script="Beng" typeface="Vrinda"/>
+        <a:font script="Gujr" typeface="Shruti"/>
+        <a:font script="Khmr" typeface="DaunPenh"/>
+        <a:font script="Knda" typeface="Tunga"/>
+        <a:font script="Guru" typeface="Raavi"/>
+        <a:font script="Cans" typeface="Euphemia"/>
+        <a:font script="Cher" typeface="Plantagenet Cherokee"/>
+        <a:font script="Yiii" typeface="Microsoft Yi Baiti"/>
+        <a:font script="Tibt" typeface="Microsoft Himalaya"/>
+        <a:font script="Thaa" typeface="MV Boli"/>
+        <a:font script="Deva" typeface="Mangal"/>
+        <a:font script="Telu" typeface="Gautami"/>
+        <a:font script="Taml" typeface="Latha"/>
+        <a:font script="Syrc" typeface="Estrangelo Edessa"/>
+        <a:font script="Orya" typeface="Kalinga"/>
+        <a:font script="Mlym" typeface="Kartika"/>
+        <a:font script="Laoo" typeface="DokChampa"/>
+        <a:font script="Sinh" typeface="Iskoola Pota"/>
+        <a:font script="Mong" typeface="Mongolian Baiti"/>
+        <a:font script="Viet" typeface="Arial"/>
+        <a:font script="Uigh" typeface="Microsoft Uighur"/>
+        <a:font script="Geor" typeface="Sylfaen"/>
+        <a:font script="Armn" typeface="Arial"/>
+        <a:font script="Bugi" typeface="Leelawadee UI"/>
+        <a:font script="Bopo" typeface="Microsoft JhengHei"/>
+        <a:font script="Java" typeface="Javanese Text"/>
+        <a:font script="Lisu" typeface="Segoe UI"/>
+        <a:font script="Mymr" typeface="Myanmar Text"/>
+        <a:font script="Nkoo" typeface="Ebrima"/>
+        <a:font script="Olck" typeface="Nirmala UI"/>
+        <a:font script="Osma" typeface="Ebrima"/>
+        <a:font script="Phag" typeface="Phagspa"/>
+        <a:font script="Syrn" typeface="Estrangelo Edessa"/>
+        <a:font script="Syrj" typeface="Estrangelo Edessa"/>
+        <a:font script="Syre" typeface="Estrangelo Edessa"/>
+        <a:font script="Sora" typeface="Nirmala UI"/>
+        <a:font script="Tale" typeface="Microsoft Tai Le"/>
+        <a:font script="Talu" typeface="Microsoft New Tai Lue"/>
+        <a:font script="Tfng" typeface="Ebrima"/>
+      </a:minorFont>
+    </a:fontScheme>
     <a:fmtScheme name="Office">
       <a:fillStyleLst>
         <a:solidFill>
@@ -6346,165 +6847,141 @@
           <a:gsLst>
             <a:gs pos="0">
               <a:schemeClr val="phClr">
-                <a:tint val="50000"/>
-                <a:satMod val="300000"/>
+                <a:lumMod val="110000"/>
+                <a:satMod val="105000"/>
+                <a:tint val="67000"/>
               </a:schemeClr>
             </a:gs>
-            <a:gs pos="35000">
+            <a:gs pos="50000">
               <a:schemeClr val="phClr">
-                <a:tint val="37000"/>
-                <a:satMod val="300000"/>
+                <a:lumMod val="105000"/>
+                <a:satMod val="103000"/>
+                <a:tint val="73000"/>
               </a:schemeClr>
             </a:gs>
             <a:gs pos="100000">
               <a:schemeClr val="phClr">
-                <a:tint val="15000"/>
-                <a:satMod val="350000"/>
+                <a:lumMod val="105000"/>
+                <a:satMod val="109000"/>
+                <a:tint val="81000"/>
               </a:schemeClr>
             </a:gs>
           </a:gsLst>
-          <a:lin ang="16200000" scaled="1"/>
+          <a:lin ang="5400000" scaled="0"/>
         </a:gradFill>
         <a:gradFill rotWithShape="1">
           <a:gsLst>
             <a:gs pos="0">
               <a:schemeClr val="phClr">
-                <a:shade val="51000"/>
-                <a:satMod val="130000"/>
+                <a:satMod val="103000"/>
+                <a:lumMod val="102000"/>
+                <a:tint val="94000"/>
               </a:schemeClr>
             </a:gs>
-            <a:gs pos="80000">
+            <a:gs pos="50000">
               <a:schemeClr val="phClr">
-                <a:shade val="93000"/>
-                <a:satMod val="130000"/>
+                <a:satMod val="110000"/>
+                <a:lumMod val="100000"/>
+                <a:shade val="100000"/>
               </a:schemeClr>
             </a:gs>
             <a:gs pos="100000">
               <a:schemeClr val="phClr">
-                <a:shade val="94000"/>
-                <a:satMod val="135000"/>
+                <a:lumMod val="99000"/>
+                <a:satMod val="120000"/>
+                <a:shade val="78000"/>
               </a:schemeClr>
             </a:gs>
           </a:gsLst>
-          <a:lin ang="16200000" scaled="0"/>
+          <a:lin ang="5400000" scaled="0"/>
         </a:gradFill>
       </a:fillStyleLst>
       <a:lnStyleLst>
-        <a:ln w="9525" cap="flat" cmpd="sng" algn="ctr">
-          <a:solidFill>
-            <a:schemeClr val="phClr">
-              <a:shade val="95000"/>
-              <a:satMod val="105000"/>
-            </a:schemeClr>
-          </a:solidFill>
-          <a:prstDash val="solid"/>
-        </a:ln>
-        <a:ln w="25400" cap="flat" cmpd="sng" algn="ctr">
+        <a:ln w="6350" cap="flat" cmpd="sng" algn="ctr">
           <a:solidFill>
             <a:schemeClr val="phClr"/>
           </a:solidFill>
           <a:prstDash val="solid"/>
+          <a:miter lim="800000"/>
         </a:ln>
-        <a:ln w="38100" cap="flat" cmpd="sng" algn="ctr">
+        <a:ln w="12700" cap="flat" cmpd="sng" algn="ctr">
           <a:solidFill>
             <a:schemeClr val="phClr"/>
           </a:solidFill>
           <a:prstDash val="solid"/>
+          <a:miter lim="800000"/>
+        </a:ln>
+        <a:ln w="19050" cap="flat" cmpd="sng" algn="ctr">
+          <a:solidFill>
+            <a:schemeClr val="phClr"/>
+          </a:solidFill>
+          <a:prstDash val="solid"/>
+          <a:miter lim="800000"/>
         </a:ln>
       </a:lnStyleLst>
       <a:effectStyleLst>
         <a:effectStyle>
+          <a:effectLst/>
+        </a:effectStyle>
+        <a:effectStyle>
+          <a:effectLst/>
+        </a:effectStyle>
+        <a:effectStyle>
           <a:effectLst>
-            <a:outerShdw blurRad="40000" dist="20000" dir="5400000" rotWithShape="0">
+            <a:outerShdw blurRad="57150" dist="19050" dir="5400000" algn="ctr" rotWithShape="0">
               <a:srgbClr val="000000">
-                <a:alpha val="38000"/>
+                <a:alpha val="63000"/>
               </a:srgbClr>
             </a:outerShdw>
           </a:effectLst>
-        </a:effectStyle>
-        <a:effectStyle>
-          <a:effectLst>
-            <a:outerShdw blurRad="40000" dist="23000" dir="5400000" rotWithShape="0">
-              <a:srgbClr val="000000">
-                <a:alpha val="35000"/>
-              </a:srgbClr>
-            </a:outerShdw>
-          </a:effectLst>
-        </a:effectStyle>
-        <a:effectStyle>
-          <a:effectLst>
-            <a:outerShdw blurRad="40000" dist="23000" dir="5400000" rotWithShape="0">
-              <a:srgbClr val="000000">
-                <a:alpha val="35000"/>
-              </a:srgbClr>
-            </a:outerShdw>
-          </a:effectLst>
-          <a:scene3d>
-            <a:camera prst="orthographicFront">
-              <a:rot lat="0" lon="0" rev="0"/>
-            </a:camera>
-            <a:lightRig rig="threePt" dir="t">
-              <a:rot lat="0" lon="0" rev="1200000"/>
-            </a:lightRig>
-          </a:scene3d>
-          <a:sp3d>
-            <a:bevelT w="63500" h="25400"/>
-          </a:sp3d>
         </a:effectStyle>
       </a:effectStyleLst>
       <a:bgFillStyleLst>
         <a:solidFill>
           <a:schemeClr val="phClr"/>
         </a:solidFill>
+        <a:solidFill>
+          <a:schemeClr val="phClr">
+            <a:tint val="95000"/>
+            <a:satMod val="170000"/>
+          </a:schemeClr>
+        </a:solidFill>
         <a:gradFill rotWithShape="1">
           <a:gsLst>
             <a:gs pos="0">
               <a:schemeClr val="phClr">
-                <a:tint val="40000"/>
-                <a:satMod val="350000"/>
+                <a:tint val="93000"/>
+                <a:satMod val="150000"/>
+                <a:shade val="98000"/>
+                <a:lumMod val="102000"/>
               </a:schemeClr>
             </a:gs>
-            <a:gs pos="40000">
+            <a:gs pos="50000">
               <a:schemeClr val="phClr">
-                <a:tint val="45000"/>
-                <a:shade val="99000"/>
-                <a:satMod val="350000"/>
+                <a:tint val="98000"/>
+                <a:satMod val="130000"/>
+                <a:shade val="90000"/>
+                <a:lumMod val="103000"/>
               </a:schemeClr>
             </a:gs>
             <a:gs pos="100000">
               <a:schemeClr val="phClr">
-                <a:shade val="20000"/>
-                <a:satMod val="255000"/>
+                <a:shade val="63000"/>
+                <a:satMod val="120000"/>
               </a:schemeClr>
             </a:gs>
           </a:gsLst>
-          <a:path path="circle">
-            <a:fillToRect l="50000" t="-80000" r="50000" b="180000"/>
-          </a:path>
-        </a:gradFill>
-        <a:gradFill rotWithShape="1">
-          <a:gsLst>
-            <a:gs pos="0">
-              <a:schemeClr val="phClr">
-                <a:tint val="80000"/>
-                <a:satMod val="300000"/>
-              </a:schemeClr>
-            </a:gs>
-            <a:gs pos="100000">
-              <a:schemeClr val="phClr">
-                <a:shade val="30000"/>
-                <a:satMod val="200000"/>
-              </a:schemeClr>
-            </a:gs>
-          </a:gsLst>
-          <a:path path="circle">
-            <a:fillToRect l="50000" t="50000" r="50000" b="50000"/>
-          </a:path>
+          <a:lin ang="5400000" scaled="0"/>
         </a:gradFill>
       </a:bgFillStyleLst>
     </a:fmtScheme>
   </a:themeElements>
   <a:objectDefaults/>
   <a:extraClrSchemeLst/>
+  <a:extLst>
+    <a:ext uri="{05A4C25C-085E-4340-85A3-A5531E510DB2}">
+      <thm15:themeFamily xmlns:thm15="http://schemas.microsoft.com/office/thememl/2012/main" name="Office Theme" id="{62F939B6-93AF-4DB8-9C6B-D6C7DFDC589F}" vid="{4A3C46E8-61CC-4603-A589-7422A47A8E4A}"/>
+    </a:ext>
+  </a:extLst>
 </a:theme>
 </file>